--- a/documentation/CLASS Modeler - Architecture.pptx
+++ b/documentation/CLASS Modeler - Architecture.pptx
@@ -4,6 +4,9 @@
   <p:sldMasterIdLst>
     <p:sldMasterId id="2147483648" r:id="rId1"/>
   </p:sldMasterIdLst>
+  <p:notesMasterIdLst>
+    <p:notesMasterId r:id="rId3"/>
+  </p:notesMasterIdLst>
   <p:sldIdLst>
     <p:sldId id="256" r:id="rId2"/>
   </p:sldIdLst>
@@ -107,6 +110,440 @@
 </p:presentation>
 </file>
 
+<file path=ppt/notesMasters/notesMaster1.xml><?xml version="1.0" encoding="utf-8"?>
+<p:notesMaster xmlns:a="http://schemas.openxmlformats.org/drawingml/2006/main" xmlns:r="http://schemas.openxmlformats.org/officeDocument/2006/relationships" xmlns:p="http://schemas.openxmlformats.org/presentationml/2006/main">
+  <p:cSld>
+    <p:bg>
+      <p:bgRef idx="1001">
+        <a:schemeClr val="bg1"/>
+      </p:bgRef>
+    </p:bg>
+    <p:spTree>
+      <p:nvGrpSpPr>
+        <p:cNvPr id="1" name=""/>
+        <p:cNvGrpSpPr/>
+        <p:nvPr/>
+      </p:nvGrpSpPr>
+      <p:grpSpPr>
+        <a:xfrm>
+          <a:off x="0" y="0"/>
+          <a:ext cx="0" cy="0"/>
+          <a:chOff x="0" y="0"/>
+          <a:chExt cx="0" cy="0"/>
+        </a:xfrm>
+      </p:grpSpPr>
+      <p:sp>
+        <p:nvSpPr>
+          <p:cNvPr id="2" name="1 Marcador de encabezado"/>
+          <p:cNvSpPr>
+            <a:spLocks noGrp="1"/>
+          </p:cNvSpPr>
+          <p:nvPr>
+            <p:ph type="hdr" sz="quarter"/>
+          </p:nvPr>
+        </p:nvSpPr>
+        <p:spPr>
+          <a:xfrm>
+            <a:off x="0" y="0"/>
+            <a:ext cx="2971800" cy="457200"/>
+          </a:xfrm>
+          <a:prstGeom prst="rect">
+            <a:avLst/>
+          </a:prstGeom>
+        </p:spPr>
+        <p:txBody>
+          <a:bodyPr vert="horz" lIns="91440" tIns="45720" rIns="91440" bIns="45720" rtlCol="0"/>
+          <a:lstStyle>
+            <a:lvl1pPr algn="l">
+              <a:defRPr sz="1200"/>
+            </a:lvl1pPr>
+          </a:lstStyle>
+          <a:p>
+            <a:endParaRPr lang="es-CO"/>
+          </a:p>
+        </p:txBody>
+      </p:sp>
+      <p:sp>
+        <p:nvSpPr>
+          <p:cNvPr id="3" name="2 Marcador de fecha"/>
+          <p:cNvSpPr>
+            <a:spLocks noGrp="1"/>
+          </p:cNvSpPr>
+          <p:nvPr>
+            <p:ph type="dt" idx="1"/>
+          </p:nvPr>
+        </p:nvSpPr>
+        <p:spPr>
+          <a:xfrm>
+            <a:off x="3884613" y="0"/>
+            <a:ext cx="2971800" cy="457200"/>
+          </a:xfrm>
+          <a:prstGeom prst="rect">
+            <a:avLst/>
+          </a:prstGeom>
+        </p:spPr>
+        <p:txBody>
+          <a:bodyPr vert="horz" lIns="91440" tIns="45720" rIns="91440" bIns="45720" rtlCol="0"/>
+          <a:lstStyle>
+            <a:lvl1pPr algn="r">
+              <a:defRPr sz="1200"/>
+            </a:lvl1pPr>
+          </a:lstStyle>
+          <a:p>
+            <a:fld id="{509A3F4F-0BA0-4B22-9A96-AD8854429484}" type="datetimeFigureOut">
+              <a:rPr lang="es-CO" smtClean="0"/>
+              <a:t>31/08/2013</a:t>
+            </a:fld>
+            <a:endParaRPr lang="es-CO"/>
+          </a:p>
+        </p:txBody>
+      </p:sp>
+      <p:sp>
+        <p:nvSpPr>
+          <p:cNvPr id="4" name="3 Marcador de imagen de diapositiva"/>
+          <p:cNvSpPr>
+            <a:spLocks noGrp="1" noRot="1" noChangeAspect="1"/>
+          </p:cNvSpPr>
+          <p:nvPr>
+            <p:ph type="sldImg" idx="2"/>
+          </p:nvPr>
+        </p:nvSpPr>
+        <p:spPr>
+          <a:xfrm>
+            <a:off x="1143000" y="685800"/>
+            <a:ext cx="4572000" cy="3429000"/>
+          </a:xfrm>
+          <a:prstGeom prst="rect">
+            <a:avLst/>
+          </a:prstGeom>
+          <a:noFill/>
+          <a:ln w="12700">
+            <a:solidFill>
+              <a:prstClr val="black"/>
+            </a:solidFill>
+          </a:ln>
+        </p:spPr>
+        <p:txBody>
+          <a:bodyPr vert="horz" lIns="91440" tIns="45720" rIns="91440" bIns="45720" rtlCol="0" anchor="ctr"/>
+          <a:lstStyle/>
+          <a:p>
+            <a:endParaRPr lang="es-CO"/>
+          </a:p>
+        </p:txBody>
+      </p:sp>
+      <p:sp>
+        <p:nvSpPr>
+          <p:cNvPr id="5" name="4 Marcador de notas"/>
+          <p:cNvSpPr>
+            <a:spLocks noGrp="1"/>
+          </p:cNvSpPr>
+          <p:nvPr>
+            <p:ph type="body" sz="quarter" idx="3"/>
+          </p:nvPr>
+        </p:nvSpPr>
+        <p:spPr>
+          <a:xfrm>
+            <a:off x="685800" y="4343400"/>
+            <a:ext cx="5486400" cy="4114800"/>
+          </a:xfrm>
+          <a:prstGeom prst="rect">
+            <a:avLst/>
+          </a:prstGeom>
+        </p:spPr>
+        <p:txBody>
+          <a:bodyPr vert="horz" lIns="91440" tIns="45720" rIns="91440" bIns="45720" rtlCol="0"/>
+          <a:lstStyle/>
+          <a:p>
+            <a:pPr lvl="0"/>
+            <a:r>
+              <a:rPr lang="es-ES" smtClean="0"/>
+              <a:t>Haga clic para modificar el estilo de texto del patrón</a:t>
+            </a:r>
+          </a:p>
+          <a:p>
+            <a:pPr lvl="1"/>
+            <a:r>
+              <a:rPr lang="es-ES" smtClean="0"/>
+              <a:t>Segundo nivel</a:t>
+            </a:r>
+          </a:p>
+          <a:p>
+            <a:pPr lvl="2"/>
+            <a:r>
+              <a:rPr lang="es-ES" smtClean="0"/>
+              <a:t>Tercer nivel</a:t>
+            </a:r>
+          </a:p>
+          <a:p>
+            <a:pPr lvl="3"/>
+            <a:r>
+              <a:rPr lang="es-ES" smtClean="0"/>
+              <a:t>Cuarto nivel</a:t>
+            </a:r>
+          </a:p>
+          <a:p>
+            <a:pPr lvl="4"/>
+            <a:r>
+              <a:rPr lang="es-ES" smtClean="0"/>
+              <a:t>Quinto nivel</a:t>
+            </a:r>
+            <a:endParaRPr lang="es-CO"/>
+          </a:p>
+        </p:txBody>
+      </p:sp>
+      <p:sp>
+        <p:nvSpPr>
+          <p:cNvPr id="6" name="5 Marcador de pie de página"/>
+          <p:cNvSpPr>
+            <a:spLocks noGrp="1"/>
+          </p:cNvSpPr>
+          <p:nvPr>
+            <p:ph type="ftr" sz="quarter" idx="4"/>
+          </p:nvPr>
+        </p:nvSpPr>
+        <p:spPr>
+          <a:xfrm>
+            <a:off x="0" y="8685213"/>
+            <a:ext cx="2971800" cy="457200"/>
+          </a:xfrm>
+          <a:prstGeom prst="rect">
+            <a:avLst/>
+          </a:prstGeom>
+        </p:spPr>
+        <p:txBody>
+          <a:bodyPr vert="horz" lIns="91440" tIns="45720" rIns="91440" bIns="45720" rtlCol="0" anchor="b"/>
+          <a:lstStyle>
+            <a:lvl1pPr algn="l">
+              <a:defRPr sz="1200"/>
+            </a:lvl1pPr>
+          </a:lstStyle>
+          <a:p>
+            <a:endParaRPr lang="es-CO"/>
+          </a:p>
+        </p:txBody>
+      </p:sp>
+      <p:sp>
+        <p:nvSpPr>
+          <p:cNvPr id="7" name="6 Marcador de número de diapositiva"/>
+          <p:cNvSpPr>
+            <a:spLocks noGrp="1"/>
+          </p:cNvSpPr>
+          <p:nvPr>
+            <p:ph type="sldNum" sz="quarter" idx="5"/>
+          </p:nvPr>
+        </p:nvSpPr>
+        <p:spPr>
+          <a:xfrm>
+            <a:off x="3884613" y="8685213"/>
+            <a:ext cx="2971800" cy="457200"/>
+          </a:xfrm>
+          <a:prstGeom prst="rect">
+            <a:avLst/>
+          </a:prstGeom>
+        </p:spPr>
+        <p:txBody>
+          <a:bodyPr vert="horz" lIns="91440" tIns="45720" rIns="91440" bIns="45720" rtlCol="0" anchor="b"/>
+          <a:lstStyle>
+            <a:lvl1pPr algn="r">
+              <a:defRPr sz="1200"/>
+            </a:lvl1pPr>
+          </a:lstStyle>
+          <a:p>
+            <a:fld id="{9866CDB0-5053-4C43-BFFF-CD6EF39701C7}" type="slidenum">
+              <a:rPr lang="es-CO" smtClean="0"/>
+              <a:t>‹Nº›</a:t>
+            </a:fld>
+            <a:endParaRPr lang="es-CO"/>
+          </a:p>
+        </p:txBody>
+      </p:sp>
+    </p:spTree>
+    <p:extLst>
+      <p:ext uri="{BB962C8B-B14F-4D97-AF65-F5344CB8AC3E}">
+        <p14:creationId xmlns:p14="http://schemas.microsoft.com/office/powerpoint/2010/main" val="3398753441"/>
+      </p:ext>
+    </p:extLst>
+  </p:cSld>
+  <p:clrMap bg1="lt1" tx1="dk1" bg2="lt2" tx2="dk2" accent1="accent1" accent2="accent2" accent3="accent3" accent4="accent4" accent5="accent5" accent6="accent6" hlink="hlink" folHlink="folHlink"/>
+  <p:notesStyle>
+    <a:lvl1pPr marL="0" algn="l" defTabSz="914400" rtl="0" eaLnBrk="1" latinLnBrk="0" hangingPunct="1">
+      <a:defRPr sz="1200" kern="1200">
+        <a:solidFill>
+          <a:schemeClr val="tx1"/>
+        </a:solidFill>
+        <a:latin typeface="+mn-lt"/>
+        <a:ea typeface="+mn-ea"/>
+        <a:cs typeface="+mn-cs"/>
+      </a:defRPr>
+    </a:lvl1pPr>
+    <a:lvl2pPr marL="457200" algn="l" defTabSz="914400" rtl="0" eaLnBrk="1" latinLnBrk="0" hangingPunct="1">
+      <a:defRPr sz="1200" kern="1200">
+        <a:solidFill>
+          <a:schemeClr val="tx1"/>
+        </a:solidFill>
+        <a:latin typeface="+mn-lt"/>
+        <a:ea typeface="+mn-ea"/>
+        <a:cs typeface="+mn-cs"/>
+      </a:defRPr>
+    </a:lvl2pPr>
+    <a:lvl3pPr marL="914400" algn="l" defTabSz="914400" rtl="0" eaLnBrk="1" latinLnBrk="0" hangingPunct="1">
+      <a:defRPr sz="1200" kern="1200">
+        <a:solidFill>
+          <a:schemeClr val="tx1"/>
+        </a:solidFill>
+        <a:latin typeface="+mn-lt"/>
+        <a:ea typeface="+mn-ea"/>
+        <a:cs typeface="+mn-cs"/>
+      </a:defRPr>
+    </a:lvl3pPr>
+    <a:lvl4pPr marL="1371600" algn="l" defTabSz="914400" rtl="0" eaLnBrk="1" latinLnBrk="0" hangingPunct="1">
+      <a:defRPr sz="1200" kern="1200">
+        <a:solidFill>
+          <a:schemeClr val="tx1"/>
+        </a:solidFill>
+        <a:latin typeface="+mn-lt"/>
+        <a:ea typeface="+mn-ea"/>
+        <a:cs typeface="+mn-cs"/>
+      </a:defRPr>
+    </a:lvl4pPr>
+    <a:lvl5pPr marL="1828800" algn="l" defTabSz="914400" rtl="0" eaLnBrk="1" latinLnBrk="0" hangingPunct="1">
+      <a:defRPr sz="1200" kern="1200">
+        <a:solidFill>
+          <a:schemeClr val="tx1"/>
+        </a:solidFill>
+        <a:latin typeface="+mn-lt"/>
+        <a:ea typeface="+mn-ea"/>
+        <a:cs typeface="+mn-cs"/>
+      </a:defRPr>
+    </a:lvl5pPr>
+    <a:lvl6pPr marL="2286000" algn="l" defTabSz="914400" rtl="0" eaLnBrk="1" latinLnBrk="0" hangingPunct="1">
+      <a:defRPr sz="1200" kern="1200">
+        <a:solidFill>
+          <a:schemeClr val="tx1"/>
+        </a:solidFill>
+        <a:latin typeface="+mn-lt"/>
+        <a:ea typeface="+mn-ea"/>
+        <a:cs typeface="+mn-cs"/>
+      </a:defRPr>
+    </a:lvl6pPr>
+    <a:lvl7pPr marL="2743200" algn="l" defTabSz="914400" rtl="0" eaLnBrk="1" latinLnBrk="0" hangingPunct="1">
+      <a:defRPr sz="1200" kern="1200">
+        <a:solidFill>
+          <a:schemeClr val="tx1"/>
+        </a:solidFill>
+        <a:latin typeface="+mn-lt"/>
+        <a:ea typeface="+mn-ea"/>
+        <a:cs typeface="+mn-cs"/>
+      </a:defRPr>
+    </a:lvl7pPr>
+    <a:lvl8pPr marL="3200400" algn="l" defTabSz="914400" rtl="0" eaLnBrk="1" latinLnBrk="0" hangingPunct="1">
+      <a:defRPr sz="1200" kern="1200">
+        <a:solidFill>
+          <a:schemeClr val="tx1"/>
+        </a:solidFill>
+        <a:latin typeface="+mn-lt"/>
+        <a:ea typeface="+mn-ea"/>
+        <a:cs typeface="+mn-cs"/>
+      </a:defRPr>
+    </a:lvl8pPr>
+    <a:lvl9pPr marL="3657600" algn="l" defTabSz="914400" rtl="0" eaLnBrk="1" latinLnBrk="0" hangingPunct="1">
+      <a:defRPr sz="1200" kern="1200">
+        <a:solidFill>
+          <a:schemeClr val="tx1"/>
+        </a:solidFill>
+        <a:latin typeface="+mn-lt"/>
+        <a:ea typeface="+mn-ea"/>
+        <a:cs typeface="+mn-cs"/>
+      </a:defRPr>
+    </a:lvl9pPr>
+  </p:notesStyle>
+</p:notesMaster>
+</file>
+
+<file path=ppt/notesSlides/notesSlide1.xml><?xml version="1.0" encoding="utf-8"?>
+<p:notes xmlns:a="http://schemas.openxmlformats.org/drawingml/2006/main" xmlns:r="http://schemas.openxmlformats.org/officeDocument/2006/relationships" xmlns:p="http://schemas.openxmlformats.org/presentationml/2006/main">
+  <p:cSld>
+    <p:spTree>
+      <p:nvGrpSpPr>
+        <p:cNvPr id="1" name=""/>
+        <p:cNvGrpSpPr/>
+        <p:nvPr/>
+      </p:nvGrpSpPr>
+      <p:grpSpPr>
+        <a:xfrm>
+          <a:off x="0" y="0"/>
+          <a:ext cx="0" cy="0"/>
+          <a:chOff x="0" y="0"/>
+          <a:chExt cx="0" cy="0"/>
+        </a:xfrm>
+      </p:grpSpPr>
+      <p:sp>
+        <p:nvSpPr>
+          <p:cNvPr id="2" name="1 Marcador de imagen de diapositiva"/>
+          <p:cNvSpPr>
+            <a:spLocks noGrp="1" noRot="1" noChangeAspect="1"/>
+          </p:cNvSpPr>
+          <p:nvPr>
+            <p:ph type="sldImg"/>
+          </p:nvPr>
+        </p:nvSpPr>
+        <p:spPr/>
+      </p:sp>
+      <p:sp>
+        <p:nvSpPr>
+          <p:cNvPr id="3" name="2 Marcador de notas"/>
+          <p:cNvSpPr>
+            <a:spLocks noGrp="1"/>
+          </p:cNvSpPr>
+          <p:nvPr>
+            <p:ph type="body" idx="1"/>
+          </p:nvPr>
+        </p:nvSpPr>
+        <p:spPr/>
+        <p:txBody>
+          <a:bodyPr/>
+          <a:lstStyle/>
+          <a:p>
+            <a:endParaRPr lang="es-CO" dirty="0"/>
+          </a:p>
+        </p:txBody>
+      </p:sp>
+      <p:sp>
+        <p:nvSpPr>
+          <p:cNvPr id="4" name="3 Marcador de número de diapositiva"/>
+          <p:cNvSpPr>
+            <a:spLocks noGrp="1"/>
+          </p:cNvSpPr>
+          <p:nvPr>
+            <p:ph type="sldNum" sz="quarter" idx="10"/>
+          </p:nvPr>
+        </p:nvSpPr>
+        <p:spPr/>
+        <p:txBody>
+          <a:bodyPr/>
+          <a:lstStyle/>
+          <a:p>
+            <a:fld id="{9866CDB0-5053-4C43-BFFF-CD6EF39701C7}" type="slidenum">
+              <a:rPr lang="es-CO" smtClean="0"/>
+              <a:t>1</a:t>
+            </a:fld>
+            <a:endParaRPr lang="es-CO"/>
+          </a:p>
+        </p:txBody>
+      </p:sp>
+    </p:spTree>
+    <p:extLst>
+      <p:ext uri="{BB962C8B-B14F-4D97-AF65-F5344CB8AC3E}">
+        <p14:creationId xmlns:p14="http://schemas.microsoft.com/office/powerpoint/2010/main" val="1618110218"/>
+      </p:ext>
+    </p:extLst>
+  </p:cSld>
+  <p:clrMapOvr>
+    <a:masterClrMapping/>
+  </p:clrMapOvr>
+</p:notes>
+</file>
+
 <file path=ppt/slideLayouts/slideLayout1.xml><?xml version="1.0" encoding="utf-8"?>
 <p:sldLayout xmlns:a="http://schemas.openxmlformats.org/drawingml/2006/main" xmlns:r="http://schemas.openxmlformats.org/officeDocument/2006/relationships" xmlns:p="http://schemas.openxmlformats.org/presentationml/2006/main" type="title" preserve="1">
   <p:cSld name="Diapositiva de título">
@@ -288,7 +725,7 @@
           <a:p>
             <a:fld id="{C9465191-5304-47B4-B0A3-6FBFCBDFE76C}" type="datetimeFigureOut">
               <a:rPr lang="es-CO" smtClean="0"/>
-              <a:t>30/08/2013</a:t>
+              <a:t>31/08/2013</a:t>
             </a:fld>
             <a:endParaRPr lang="es-CO"/>
           </a:p>
@@ -458,7 +895,7 @@
           <a:p>
             <a:fld id="{C9465191-5304-47B4-B0A3-6FBFCBDFE76C}" type="datetimeFigureOut">
               <a:rPr lang="es-CO" smtClean="0"/>
-              <a:t>30/08/2013</a:t>
+              <a:t>31/08/2013</a:t>
             </a:fld>
             <a:endParaRPr lang="es-CO"/>
           </a:p>
@@ -638,7 +1075,7 @@
           <a:p>
             <a:fld id="{C9465191-5304-47B4-B0A3-6FBFCBDFE76C}" type="datetimeFigureOut">
               <a:rPr lang="es-CO" smtClean="0"/>
-              <a:t>30/08/2013</a:t>
+              <a:t>31/08/2013</a:t>
             </a:fld>
             <a:endParaRPr lang="es-CO"/>
           </a:p>
@@ -808,7 +1245,7 @@
           <a:p>
             <a:fld id="{C9465191-5304-47B4-B0A3-6FBFCBDFE76C}" type="datetimeFigureOut">
               <a:rPr lang="es-CO" smtClean="0"/>
-              <a:t>30/08/2013</a:t>
+              <a:t>31/08/2013</a:t>
             </a:fld>
             <a:endParaRPr lang="es-CO"/>
           </a:p>
@@ -1054,7 +1491,7 @@
           <a:p>
             <a:fld id="{C9465191-5304-47B4-B0A3-6FBFCBDFE76C}" type="datetimeFigureOut">
               <a:rPr lang="es-CO" smtClean="0"/>
-              <a:t>30/08/2013</a:t>
+              <a:t>31/08/2013</a:t>
             </a:fld>
             <a:endParaRPr lang="es-CO"/>
           </a:p>
@@ -1342,7 +1779,7 @@
           <a:p>
             <a:fld id="{C9465191-5304-47B4-B0A3-6FBFCBDFE76C}" type="datetimeFigureOut">
               <a:rPr lang="es-CO" smtClean="0"/>
-              <a:t>30/08/2013</a:t>
+              <a:t>31/08/2013</a:t>
             </a:fld>
             <a:endParaRPr lang="es-CO"/>
           </a:p>
@@ -1764,7 +2201,7 @@
           <a:p>
             <a:fld id="{C9465191-5304-47B4-B0A3-6FBFCBDFE76C}" type="datetimeFigureOut">
               <a:rPr lang="es-CO" smtClean="0"/>
-              <a:t>30/08/2013</a:t>
+              <a:t>31/08/2013</a:t>
             </a:fld>
             <a:endParaRPr lang="es-CO"/>
           </a:p>
@@ -1882,7 +2319,7 @@
           <a:p>
             <a:fld id="{C9465191-5304-47B4-B0A3-6FBFCBDFE76C}" type="datetimeFigureOut">
               <a:rPr lang="es-CO" smtClean="0"/>
-              <a:t>30/08/2013</a:t>
+              <a:t>31/08/2013</a:t>
             </a:fld>
             <a:endParaRPr lang="es-CO"/>
           </a:p>
@@ -1977,7 +2414,7 @@
           <a:p>
             <a:fld id="{C9465191-5304-47B4-B0A3-6FBFCBDFE76C}" type="datetimeFigureOut">
               <a:rPr lang="es-CO" smtClean="0"/>
-              <a:t>30/08/2013</a:t>
+              <a:t>31/08/2013</a:t>
             </a:fld>
             <a:endParaRPr lang="es-CO"/>
           </a:p>
@@ -2254,7 +2691,7 @@
           <a:p>
             <a:fld id="{C9465191-5304-47B4-B0A3-6FBFCBDFE76C}" type="datetimeFigureOut">
               <a:rPr lang="es-CO" smtClean="0"/>
-              <a:t>30/08/2013</a:t>
+              <a:t>31/08/2013</a:t>
             </a:fld>
             <a:endParaRPr lang="es-CO"/>
           </a:p>
@@ -2507,7 +2944,7 @@
           <a:p>
             <a:fld id="{C9465191-5304-47B4-B0A3-6FBFCBDFE76C}" type="datetimeFigureOut">
               <a:rPr lang="es-CO" smtClean="0"/>
-              <a:t>30/08/2013</a:t>
+              <a:t>31/08/2013</a:t>
             </a:fld>
             <a:endParaRPr lang="es-CO"/>
           </a:p>
@@ -2720,7 +3157,7 @@
           <a:p>
             <a:fld id="{C9465191-5304-47B4-B0A3-6FBFCBDFE76C}" type="datetimeFigureOut">
               <a:rPr lang="es-CO" smtClean="0"/>
-              <a:t>30/08/2013</a:t>
+              <a:t>31/08/2013</a:t>
             </a:fld>
             <a:endParaRPr lang="es-CO"/>
           </a:p>
@@ -3095,61 +3532,96 @@
           <a:chExt cx="0" cy="0"/>
         </a:xfrm>
       </p:grpSpPr>
+      <p:sp>
+        <p:nvSpPr>
+          <p:cNvPr id="27" name="26 CuadroTexto"/>
+          <p:cNvSpPr txBox="1"/>
+          <p:nvPr/>
+        </p:nvSpPr>
+        <p:spPr>
+          <a:xfrm rot="16200000">
+            <a:off x="1290340" y="4332327"/>
+            <a:ext cx="1629984" cy="307777"/>
+          </a:xfrm>
+          <a:prstGeom prst="rect">
+            <a:avLst/>
+          </a:prstGeom>
+          <a:noFill/>
+        </p:spPr>
+        <p:txBody>
+          <a:bodyPr wrap="square" rtlCol="0">
+            <a:spAutoFit/>
+          </a:bodyPr>
+          <a:lstStyle/>
+          <a:p>
+            <a:r>
+              <a:rPr lang="es-MX" sz="1400" dirty="0" smtClean="0">
+                <a:solidFill>
+                  <a:schemeClr val="bg1"/>
+                </a:solidFill>
+              </a:rPr>
+              <a:t>Lógica de Negocio</a:t>
+            </a:r>
+            <a:endParaRPr lang="es-CO" sz="1400" dirty="0">
+              <a:solidFill>
+                <a:schemeClr val="bg1"/>
+              </a:solidFill>
+            </a:endParaRPr>
+          </a:p>
+        </p:txBody>
+      </p:sp>
+      <p:sp>
+        <p:nvSpPr>
+          <p:cNvPr id="28" name="27 CuadroTexto"/>
+          <p:cNvSpPr txBox="1"/>
+          <p:nvPr/>
+        </p:nvSpPr>
+        <p:spPr>
+          <a:xfrm rot="16200000">
+            <a:off x="1575688" y="5612906"/>
+            <a:ext cx="1085050" cy="307777"/>
+          </a:xfrm>
+          <a:prstGeom prst="rect">
+            <a:avLst/>
+          </a:prstGeom>
+          <a:noFill/>
+        </p:spPr>
+        <p:txBody>
+          <a:bodyPr wrap="square" rtlCol="0">
+            <a:spAutoFit/>
+          </a:bodyPr>
+          <a:lstStyle/>
+          <a:p>
+            <a:r>
+              <a:rPr lang="es-MX" sz="1400" dirty="0" smtClean="0">
+                <a:solidFill>
+                  <a:schemeClr val="bg1"/>
+                </a:solidFill>
+              </a:rPr>
+              <a:t>Integración</a:t>
+            </a:r>
+            <a:endParaRPr lang="es-CO" sz="1400" dirty="0">
+              <a:solidFill>
+                <a:schemeClr val="bg1"/>
+              </a:solidFill>
+            </a:endParaRPr>
+          </a:p>
+        </p:txBody>
+      </p:sp>
       <p:grpSp>
         <p:nvGrpSpPr>
-          <p:cNvPr id="53" name="52 Grupo"/>
+          <p:cNvPr id="62" name="61 Grupo"/>
           <p:cNvGrpSpPr/>
           <p:nvPr/>
         </p:nvGrpSpPr>
         <p:grpSpPr>
           <a:xfrm>
-            <a:off x="1259632" y="0"/>
-            <a:ext cx="7344816" cy="7173416"/>
-            <a:chOff x="1259632" y="0"/>
-            <a:chExt cx="7344816" cy="7173416"/>
+            <a:off x="801912" y="0"/>
+            <a:ext cx="7370488" cy="7173416"/>
+            <a:chOff x="801912" y="0"/>
+            <a:chExt cx="7370488" cy="7173416"/>
           </a:xfrm>
         </p:grpSpPr>
-        <p:sp>
-          <p:nvSpPr>
-            <p:cNvPr id="4" name="3 Rectángulo"/>
-            <p:cNvSpPr/>
-            <p:nvPr/>
-          </p:nvSpPr>
-          <p:spPr>
-            <a:xfrm>
-              <a:off x="1259632" y="0"/>
-              <a:ext cx="7344816" cy="1052736"/>
-            </a:xfrm>
-            <a:prstGeom prst="rect">
-              <a:avLst/>
-            </a:prstGeom>
-          </p:spPr>
-          <p:style>
-            <a:lnRef idx="1">
-              <a:schemeClr val="accent3"/>
-            </a:lnRef>
-            <a:fillRef idx="3">
-              <a:schemeClr val="accent3"/>
-            </a:fillRef>
-            <a:effectRef idx="2">
-              <a:schemeClr val="accent3"/>
-            </a:effectRef>
-            <a:fontRef idx="minor">
-              <a:schemeClr val="lt1"/>
-            </a:fontRef>
-          </p:style>
-          <p:txBody>
-            <a:bodyPr rtlCol="0" anchor="ctr"/>
-            <a:lstStyle/>
-            <a:p>
-              <a:r>
-                <a:rPr lang="es-MX" dirty="0" smtClean="0"/>
-                <a:t>       Cliente (Navegador Web)</a:t>
-              </a:r>
-              <a:endParaRPr lang="es-CO" dirty="0"/>
-            </a:p>
-          </p:txBody>
-        </p:sp>
         <p:sp>
           <p:nvSpPr>
             <p:cNvPr id="6" name="5 Cilindro"/>
@@ -3158,7 +3630,7 @@
           </p:nvSpPr>
           <p:spPr>
             <a:xfrm>
-              <a:off x="4139952" y="6525344"/>
+              <a:off x="3707904" y="6525344"/>
               <a:ext cx="1584176" cy="648072"/>
             </a:xfrm>
             <a:prstGeom prst="can">
@@ -3186,7 +3658,7 @@
               <a:pPr algn="ctr"/>
               <a:r>
                 <a:rPr lang="es-MX" dirty="0" smtClean="0"/>
-                <a:t>DBMS</a:t>
+                <a:t>Datos</a:t>
               </a:r>
               <a:endParaRPr lang="es-CO" dirty="0"/>
             </a:p>
@@ -3194,16 +3666,393 @@
         </p:sp>
         <p:grpSp>
           <p:nvGrpSpPr>
-            <p:cNvPr id="52" name="51 Grupo"/>
+            <p:cNvPr id="3" name="2 Grupo"/>
             <p:cNvGrpSpPr/>
             <p:nvPr/>
           </p:nvGrpSpPr>
           <p:grpSpPr>
             <a:xfrm>
-              <a:off x="1259632" y="1268243"/>
-              <a:ext cx="6768752" cy="5041588"/>
-              <a:chOff x="1259632" y="1268243"/>
-              <a:chExt cx="6768752" cy="5041588"/>
+              <a:off x="827584" y="0"/>
+              <a:ext cx="7344816" cy="1052736"/>
+              <a:chOff x="1259632" y="0"/>
+              <a:chExt cx="7344816" cy="1052736"/>
+            </a:xfrm>
+          </p:grpSpPr>
+          <p:sp>
+            <p:nvSpPr>
+              <p:cNvPr id="4" name="3 Rectángulo"/>
+              <p:cNvSpPr/>
+              <p:nvPr/>
+            </p:nvSpPr>
+            <p:spPr>
+              <a:xfrm>
+                <a:off x="1259632" y="0"/>
+                <a:ext cx="7344816" cy="1052736"/>
+              </a:xfrm>
+              <a:prstGeom prst="rect">
+                <a:avLst/>
+              </a:prstGeom>
+            </p:spPr>
+            <p:style>
+              <a:lnRef idx="1">
+                <a:schemeClr val="accent3"/>
+              </a:lnRef>
+              <a:fillRef idx="3">
+                <a:schemeClr val="accent3"/>
+              </a:fillRef>
+              <a:effectRef idx="2">
+                <a:schemeClr val="accent3"/>
+              </a:effectRef>
+              <a:fontRef idx="minor">
+                <a:schemeClr val="lt1"/>
+              </a:fontRef>
+            </p:style>
+            <p:txBody>
+              <a:bodyPr rtlCol="0" anchor="ctr"/>
+              <a:lstStyle/>
+              <a:p>
+                <a:r>
+                  <a:rPr lang="es-MX" dirty="0" smtClean="0"/>
+                  <a:t>Cliente </a:t>
+                </a:r>
+                <a:r>
+                  <a:rPr lang="es-MX" dirty="0" smtClean="0"/>
+                  <a:t>(Navegador Web)</a:t>
+                </a:r>
+                <a:endParaRPr lang="es-CO" dirty="0"/>
+              </a:p>
+            </p:txBody>
+          </p:sp>
+          <p:grpSp>
+            <p:nvGrpSpPr>
+              <p:cNvPr id="2" name="1 Grupo"/>
+              <p:cNvGrpSpPr/>
+              <p:nvPr/>
+            </p:nvGrpSpPr>
+            <p:grpSpPr>
+              <a:xfrm>
+                <a:off x="3851920" y="161910"/>
+                <a:ext cx="4536504" cy="746810"/>
+                <a:chOff x="3851920" y="161910"/>
+                <a:chExt cx="4536504" cy="746810"/>
+              </a:xfrm>
+            </p:grpSpPr>
+            <p:sp>
+              <p:nvSpPr>
+                <p:cNvPr id="43" name="42 Rectángulo"/>
+                <p:cNvSpPr/>
+                <p:nvPr/>
+              </p:nvSpPr>
+              <p:spPr>
+                <a:xfrm>
+                  <a:off x="6228184" y="161911"/>
+                  <a:ext cx="1008112" cy="288032"/>
+                </a:xfrm>
+                <a:prstGeom prst="rect">
+                  <a:avLst/>
+                </a:prstGeom>
+              </p:spPr>
+              <p:style>
+                <a:lnRef idx="1">
+                  <a:schemeClr val="accent5"/>
+                </a:lnRef>
+                <a:fillRef idx="3">
+                  <a:schemeClr val="accent5"/>
+                </a:fillRef>
+                <a:effectRef idx="2">
+                  <a:schemeClr val="accent5"/>
+                </a:effectRef>
+                <a:fontRef idx="minor">
+                  <a:schemeClr val="lt1"/>
+                </a:fontRef>
+              </p:style>
+              <p:txBody>
+                <a:bodyPr rtlCol="0" anchor="ctr"/>
+                <a:lstStyle/>
+                <a:p>
+                  <a:pPr algn="ctr"/>
+                  <a:r>
+                    <a:rPr lang="es-MX" dirty="0" err="1" smtClean="0"/>
+                    <a:t>JQuery</a:t>
+                  </a:r>
+                  <a:endParaRPr lang="es-CO" dirty="0"/>
+                </a:p>
+              </p:txBody>
+            </p:sp>
+            <p:sp>
+              <p:nvSpPr>
+                <p:cNvPr id="44" name="43 Rectángulo"/>
+                <p:cNvSpPr/>
+                <p:nvPr/>
+              </p:nvSpPr>
+              <p:spPr>
+                <a:xfrm>
+                  <a:off x="6228184" y="620688"/>
+                  <a:ext cx="1008112" cy="288032"/>
+                </a:xfrm>
+                <a:prstGeom prst="rect">
+                  <a:avLst/>
+                </a:prstGeom>
+              </p:spPr>
+              <p:style>
+                <a:lnRef idx="1">
+                  <a:schemeClr val="accent5"/>
+                </a:lnRef>
+                <a:fillRef idx="3">
+                  <a:schemeClr val="accent5"/>
+                </a:fillRef>
+                <a:effectRef idx="2">
+                  <a:schemeClr val="accent5"/>
+                </a:effectRef>
+                <a:fontRef idx="minor">
+                  <a:schemeClr val="lt1"/>
+                </a:fontRef>
+              </p:style>
+              <p:txBody>
+                <a:bodyPr rtlCol="0" anchor="ctr"/>
+                <a:lstStyle/>
+                <a:p>
+                  <a:pPr algn="ctr"/>
+                  <a:r>
+                    <a:rPr lang="es-MX" dirty="0" smtClean="0"/>
+                    <a:t>HTML</a:t>
+                  </a:r>
+                  <a:endParaRPr lang="es-CO" dirty="0"/>
+                </a:p>
+              </p:txBody>
+            </p:sp>
+            <p:sp>
+              <p:nvSpPr>
+                <p:cNvPr id="45" name="44 Rectángulo"/>
+                <p:cNvSpPr/>
+                <p:nvPr/>
+              </p:nvSpPr>
+              <p:spPr>
+                <a:xfrm>
+                  <a:off x="5076056" y="161911"/>
+                  <a:ext cx="1008112" cy="288032"/>
+                </a:xfrm>
+                <a:prstGeom prst="rect">
+                  <a:avLst/>
+                </a:prstGeom>
+              </p:spPr>
+              <p:style>
+                <a:lnRef idx="1">
+                  <a:schemeClr val="accent5"/>
+                </a:lnRef>
+                <a:fillRef idx="3">
+                  <a:schemeClr val="accent5"/>
+                </a:fillRef>
+                <a:effectRef idx="2">
+                  <a:schemeClr val="accent5"/>
+                </a:effectRef>
+                <a:fontRef idx="minor">
+                  <a:schemeClr val="lt1"/>
+                </a:fontRef>
+              </p:style>
+              <p:txBody>
+                <a:bodyPr rtlCol="0" anchor="ctr"/>
+                <a:lstStyle/>
+                <a:p>
+                  <a:pPr algn="ctr"/>
+                  <a:r>
+                    <a:rPr lang="es-MX" dirty="0" smtClean="0"/>
+                    <a:t>CSS</a:t>
+                  </a:r>
+                  <a:endParaRPr lang="es-CO" dirty="0"/>
+                </a:p>
+              </p:txBody>
+            </p:sp>
+            <p:sp>
+              <p:nvSpPr>
+                <p:cNvPr id="46" name="45 Rectángulo"/>
+                <p:cNvSpPr/>
+                <p:nvPr/>
+              </p:nvSpPr>
+              <p:spPr>
+                <a:xfrm>
+                  <a:off x="5076056" y="620688"/>
+                  <a:ext cx="1008112" cy="288032"/>
+                </a:xfrm>
+                <a:prstGeom prst="rect">
+                  <a:avLst/>
+                </a:prstGeom>
+              </p:spPr>
+              <p:style>
+                <a:lnRef idx="1">
+                  <a:schemeClr val="accent5"/>
+                </a:lnRef>
+                <a:fillRef idx="3">
+                  <a:schemeClr val="accent5"/>
+                </a:fillRef>
+                <a:effectRef idx="2">
+                  <a:schemeClr val="accent5"/>
+                </a:effectRef>
+                <a:fontRef idx="minor">
+                  <a:schemeClr val="lt1"/>
+                </a:fontRef>
+              </p:style>
+              <p:txBody>
+                <a:bodyPr rtlCol="0" anchor="ctr"/>
+                <a:lstStyle/>
+                <a:p>
+                  <a:pPr algn="ctr"/>
+                  <a:r>
+                    <a:rPr lang="es-MX" sz="1600" dirty="0" smtClean="0"/>
+                    <a:t>JavaScript</a:t>
+                  </a:r>
+                  <a:endParaRPr lang="es-CO" sz="1600" dirty="0"/>
+                </a:p>
+              </p:txBody>
+            </p:sp>
+            <p:sp>
+              <p:nvSpPr>
+                <p:cNvPr id="47" name="46 Rectángulo"/>
+                <p:cNvSpPr/>
+                <p:nvPr/>
+              </p:nvSpPr>
+              <p:spPr>
+                <a:xfrm>
+                  <a:off x="3851920" y="161910"/>
+                  <a:ext cx="1080120" cy="746809"/>
+                </a:xfrm>
+                <a:prstGeom prst="rect">
+                  <a:avLst/>
+                </a:prstGeom>
+              </p:spPr>
+              <p:style>
+                <a:lnRef idx="1">
+                  <a:schemeClr val="accent6"/>
+                </a:lnRef>
+                <a:fillRef idx="3">
+                  <a:schemeClr val="accent6"/>
+                </a:fillRef>
+                <a:effectRef idx="2">
+                  <a:schemeClr val="accent6"/>
+                </a:effectRef>
+                <a:fontRef idx="minor">
+                  <a:schemeClr val="lt1"/>
+                </a:fontRef>
+              </p:style>
+              <p:txBody>
+                <a:bodyPr rtlCol="0" anchor="ctr"/>
+                <a:lstStyle/>
+                <a:p>
+                  <a:pPr algn="ctr"/>
+                  <a:r>
+                    <a:rPr lang="es-MX" dirty="0" err="1" smtClean="0"/>
+                    <a:t>mxGraph</a:t>
+                  </a:r>
+                  <a:r>
+                    <a:rPr lang="es-MX" dirty="0" smtClean="0"/>
+                    <a:t> </a:t>
+                  </a:r>
+                  <a:r>
+                    <a:rPr lang="es-MX" dirty="0" err="1" smtClean="0"/>
+                    <a:t>Client</a:t>
+                  </a:r>
+                  <a:endParaRPr lang="es-CO" dirty="0"/>
+                </a:p>
+              </p:txBody>
+            </p:sp>
+            <p:sp>
+              <p:nvSpPr>
+                <p:cNvPr id="50" name="49 Rectángulo"/>
+                <p:cNvSpPr/>
+                <p:nvPr/>
+              </p:nvSpPr>
+              <p:spPr>
+                <a:xfrm>
+                  <a:off x="7380312" y="161910"/>
+                  <a:ext cx="1008112" cy="288032"/>
+                </a:xfrm>
+                <a:prstGeom prst="rect">
+                  <a:avLst/>
+                </a:prstGeom>
+              </p:spPr>
+              <p:style>
+                <a:lnRef idx="1">
+                  <a:schemeClr val="accent5"/>
+                </a:lnRef>
+                <a:fillRef idx="3">
+                  <a:schemeClr val="accent5"/>
+                </a:fillRef>
+                <a:effectRef idx="2">
+                  <a:schemeClr val="accent5"/>
+                </a:effectRef>
+                <a:fontRef idx="minor">
+                  <a:schemeClr val="lt1"/>
+                </a:fontRef>
+              </p:style>
+              <p:txBody>
+                <a:bodyPr rtlCol="0" anchor="ctr"/>
+                <a:lstStyle/>
+                <a:p>
+                  <a:pPr algn="ctr"/>
+                  <a:r>
+                    <a:rPr lang="es-MX" dirty="0" smtClean="0"/>
+                    <a:t>XML</a:t>
+                  </a:r>
+                  <a:endParaRPr lang="es-CO" dirty="0"/>
+                </a:p>
+              </p:txBody>
+            </p:sp>
+            <p:sp>
+              <p:nvSpPr>
+                <p:cNvPr id="51" name="50 Rectángulo"/>
+                <p:cNvSpPr/>
+                <p:nvPr/>
+              </p:nvSpPr>
+              <p:spPr>
+                <a:xfrm>
+                  <a:off x="7380312" y="620688"/>
+                  <a:ext cx="1008112" cy="288032"/>
+                </a:xfrm>
+                <a:prstGeom prst="rect">
+                  <a:avLst/>
+                </a:prstGeom>
+              </p:spPr>
+              <p:style>
+                <a:lnRef idx="1">
+                  <a:schemeClr val="accent5"/>
+                </a:lnRef>
+                <a:fillRef idx="3">
+                  <a:schemeClr val="accent5"/>
+                </a:fillRef>
+                <a:effectRef idx="2">
+                  <a:schemeClr val="accent5"/>
+                </a:effectRef>
+                <a:fontRef idx="minor">
+                  <a:schemeClr val="lt1"/>
+                </a:fontRef>
+              </p:style>
+              <p:txBody>
+                <a:bodyPr rtlCol="0" anchor="ctr"/>
+                <a:lstStyle/>
+                <a:p>
+                  <a:pPr algn="ctr"/>
+                  <a:r>
+                    <a:rPr lang="es-MX" dirty="0" smtClean="0"/>
+                    <a:t>SVG</a:t>
+                  </a:r>
+                  <a:endParaRPr lang="es-CO" dirty="0"/>
+                </a:p>
+              </p:txBody>
+            </p:sp>
+          </p:grpSp>
+        </p:grpSp>
+        <p:grpSp>
+          <p:nvGrpSpPr>
+            <p:cNvPr id="61" name="60 Grupo"/>
+            <p:cNvGrpSpPr/>
+            <p:nvPr/>
+          </p:nvGrpSpPr>
+          <p:grpSpPr>
+            <a:xfrm>
+              <a:off x="801912" y="1273843"/>
+              <a:ext cx="7370487" cy="5185093"/>
+              <a:chOff x="801912" y="1273843"/>
+              <a:chExt cx="7370487" cy="5185093"/>
             </a:xfrm>
           </p:grpSpPr>
           <p:sp>
@@ -3214,8 +4063,8 @@
             </p:nvSpPr>
             <p:spPr>
               <a:xfrm>
-                <a:off x="1259632" y="1268243"/>
-                <a:ext cx="6768752" cy="5041588"/>
+                <a:off x="801912" y="1273843"/>
+                <a:ext cx="7370487" cy="5185093"/>
               </a:xfrm>
               <a:prstGeom prst="rect">
                 <a:avLst/>
@@ -3246,13 +4095,55 @@
           </p:sp>
           <p:sp>
             <p:nvSpPr>
+              <p:cNvPr id="49" name="48 Rectángulo"/>
+              <p:cNvSpPr/>
+              <p:nvPr/>
+            </p:nvSpPr>
+            <p:spPr>
+              <a:xfrm rot="16200000">
+                <a:off x="5315147" y="3645022"/>
+                <a:ext cx="4896548" cy="432048"/>
+              </a:xfrm>
+              <a:prstGeom prst="rect">
+                <a:avLst/>
+              </a:prstGeom>
+            </p:spPr>
+            <p:style>
+              <a:lnRef idx="1">
+                <a:schemeClr val="accent3"/>
+              </a:lnRef>
+              <a:fillRef idx="3">
+                <a:schemeClr val="accent3"/>
+              </a:fillRef>
+              <a:effectRef idx="2">
+                <a:schemeClr val="accent3"/>
+              </a:effectRef>
+              <a:fontRef idx="minor">
+                <a:schemeClr val="lt1"/>
+              </a:fontRef>
+            </p:style>
+            <p:txBody>
+              <a:bodyPr rtlCol="0" anchor="ctr"/>
+              <a:lstStyle/>
+              <a:p>
+                <a:pPr algn="ctr"/>
+                <a:r>
+                  <a:rPr lang="es-MX" dirty="0" smtClean="0"/>
+                  <a:t>Seguridad</a:t>
+                </a:r>
+                <a:endParaRPr lang="es-CO" dirty="0"/>
+              </a:p>
+            </p:txBody>
+          </p:sp>
+          <p:sp>
+            <p:nvSpPr>
               <p:cNvPr id="10" name="9 CuadroTexto"/>
               <p:cNvSpPr txBox="1"/>
               <p:nvPr/>
             </p:nvSpPr>
             <p:spPr>
               <a:xfrm rot="16200000">
-                <a:off x="-13324" y="3414549"/>
+                <a:off x="-445372" y="3414549"/>
                 <a:ext cx="3219598" cy="369332"/>
               </a:xfrm>
               <a:prstGeom prst="rect">
@@ -3267,37 +4158,45 @@
               <a:lstStyle/>
               <a:p>
                 <a:r>
-                  <a:rPr lang="es-MX" dirty="0" smtClean="0"/>
+                  <a:rPr lang="es-MX" dirty="0" smtClean="0">
+                    <a:solidFill>
+                      <a:schemeClr val="bg1"/>
+                    </a:solidFill>
+                  </a:rPr>
                   <a:t>Servidor de Aplicaciones (J2EE)</a:t>
                 </a:r>
-                <a:endParaRPr lang="es-CO" dirty="0"/>
+                <a:endParaRPr lang="es-CO" dirty="0">
+                  <a:solidFill>
+                    <a:schemeClr val="bg1"/>
+                  </a:solidFill>
+                </a:endParaRPr>
               </a:p>
             </p:txBody>
           </p:sp>
           <p:grpSp>
             <p:nvGrpSpPr>
-              <p:cNvPr id="38" name="37 Grupo"/>
+              <p:cNvPr id="25" name="24 Grupo"/>
               <p:cNvGrpSpPr/>
               <p:nvPr/>
             </p:nvGrpSpPr>
             <p:grpSpPr>
               <a:xfrm>
-                <a:off x="1964325" y="1412773"/>
-                <a:ext cx="5848035" cy="2160368"/>
-                <a:chOff x="1964325" y="1124230"/>
-                <a:chExt cx="5848035" cy="2160368"/>
+                <a:off x="1547664" y="3671223"/>
+                <a:ext cx="5832648" cy="2638097"/>
+                <a:chOff x="1979712" y="3671223"/>
+                <a:chExt cx="5832648" cy="2638097"/>
               </a:xfrm>
             </p:grpSpPr>
             <p:sp>
               <p:nvSpPr>
-                <p:cNvPr id="8" name="7 Rectángulo"/>
+                <p:cNvPr id="9" name="8 Rectángulo"/>
                 <p:cNvSpPr/>
                 <p:nvPr/>
               </p:nvSpPr>
               <p:spPr>
                 <a:xfrm>
-                  <a:off x="1979712" y="1124230"/>
-                  <a:ext cx="5832648" cy="2160368"/>
+                  <a:off x="1979712" y="3671223"/>
+                  <a:ext cx="5832648" cy="2638097"/>
                 </a:xfrm>
                 <a:prstGeom prst="rect">
                   <a:avLst/>
@@ -3326,556 +4225,6 @@
                 </a:p>
               </p:txBody>
             </p:sp>
-            <p:sp>
-              <p:nvSpPr>
-                <p:cNvPr id="11" name="10 CuadroTexto"/>
-                <p:cNvSpPr txBox="1"/>
-                <p:nvPr/>
-              </p:nvSpPr>
-              <p:spPr>
-                <a:xfrm rot="16200000">
-                  <a:off x="1157295" y="2025649"/>
-                  <a:ext cx="1921838" cy="307777"/>
-                </a:xfrm>
-                <a:prstGeom prst="rect">
-                  <a:avLst/>
-                </a:prstGeom>
-                <a:noFill/>
-              </p:spPr>
-              <p:txBody>
-                <a:bodyPr wrap="square" rtlCol="0">
-                  <a:spAutoFit/>
-                </a:bodyPr>
-                <a:lstStyle/>
-                <a:p>
-                  <a:r>
-                    <a:rPr lang="es-MX" sz="1400" dirty="0" smtClean="0">
-                      <a:solidFill>
-                        <a:schemeClr val="bg1"/>
-                      </a:solidFill>
-                    </a:rPr>
-                    <a:t>Presentación y Control</a:t>
-                  </a:r>
-                  <a:endParaRPr lang="es-CO" sz="1400" dirty="0">
-                    <a:solidFill>
-                      <a:schemeClr val="bg1"/>
-                    </a:solidFill>
-                  </a:endParaRPr>
-                </a:p>
-              </p:txBody>
-            </p:sp>
-            <p:grpSp>
-              <p:nvGrpSpPr>
-                <p:cNvPr id="37" name="36 Grupo"/>
-                <p:cNvGrpSpPr/>
-                <p:nvPr/>
-              </p:nvGrpSpPr>
-              <p:grpSpPr>
-                <a:xfrm>
-                  <a:off x="2397460" y="1340768"/>
-                  <a:ext cx="5270884" cy="1750314"/>
-                  <a:chOff x="2397460" y="1340768"/>
-                  <a:chExt cx="5270884" cy="1750314"/>
-                </a:xfrm>
-              </p:grpSpPr>
-              <p:grpSp>
-                <p:nvGrpSpPr>
-                  <p:cNvPr id="35" name="34 Grupo"/>
-                  <p:cNvGrpSpPr/>
-                  <p:nvPr/>
-                </p:nvGrpSpPr>
-                <p:grpSpPr>
-                  <a:xfrm>
-                    <a:off x="2397460" y="1340768"/>
-                    <a:ext cx="3456384" cy="1260140"/>
-                    <a:chOff x="2411760" y="1520788"/>
-                    <a:chExt cx="3456384" cy="1260140"/>
-                  </a:xfrm>
-                </p:grpSpPr>
-                <p:sp>
-                  <p:nvSpPr>
-                    <p:cNvPr id="16" name="15 Rectángulo redondeado"/>
-                    <p:cNvSpPr/>
-                    <p:nvPr/>
-                  </p:nvSpPr>
-                  <p:spPr>
-                    <a:xfrm>
-                      <a:off x="2411760" y="1520788"/>
-                      <a:ext cx="3456384" cy="1260140"/>
-                    </a:xfrm>
-                    <a:prstGeom prst="roundRect">
-                      <a:avLst>
-                        <a:gd name="adj" fmla="val 0"/>
-                      </a:avLst>
-                    </a:prstGeom>
-                  </p:spPr>
-                  <p:style>
-                    <a:lnRef idx="1">
-                      <a:schemeClr val="accent3"/>
-                    </a:lnRef>
-                    <a:fillRef idx="3">
-                      <a:schemeClr val="accent3"/>
-                    </a:fillRef>
-                    <a:effectRef idx="2">
-                      <a:schemeClr val="accent3"/>
-                    </a:effectRef>
-                    <a:fontRef idx="minor">
-                      <a:schemeClr val="lt1"/>
-                    </a:fontRef>
-                  </p:style>
-                  <p:txBody>
-                    <a:bodyPr rtlCol="0" anchor="ctr"/>
-                    <a:lstStyle/>
-                    <a:p>
-                      <a:pPr algn="ctr"/>
-                      <a:r>
-                        <a:rPr lang="es-MX" dirty="0" smtClean="0"/>
-                        <a:t>JSF</a:t>
-                      </a:r>
-                      <a:endParaRPr lang="es-CO" dirty="0"/>
-                    </a:p>
-                  </p:txBody>
-                </p:sp>
-                <p:sp>
-                  <p:nvSpPr>
-                    <p:cNvPr id="17" name="16 Rectángulo redondeado"/>
-                    <p:cNvSpPr/>
-                    <p:nvPr/>
-                  </p:nvSpPr>
-                  <p:spPr>
-                    <a:xfrm>
-                      <a:off x="2707120" y="1674799"/>
-                      <a:ext cx="2952328" cy="288032"/>
-                    </a:xfrm>
-                    <a:prstGeom prst="roundRect">
-                      <a:avLst>
-                        <a:gd name="adj" fmla="val 0"/>
-                      </a:avLst>
-                    </a:prstGeom>
-                  </p:spPr>
-                  <p:style>
-                    <a:lnRef idx="1">
-                      <a:schemeClr val="accent5"/>
-                    </a:lnRef>
-                    <a:fillRef idx="3">
-                      <a:schemeClr val="accent5"/>
-                    </a:fillRef>
-                    <a:effectRef idx="2">
-                      <a:schemeClr val="accent5"/>
-                    </a:effectRef>
-                    <a:fontRef idx="minor">
-                      <a:schemeClr val="lt1"/>
-                    </a:fontRef>
-                  </p:style>
-                  <p:txBody>
-                    <a:bodyPr rtlCol="0" anchor="ctr"/>
-                    <a:lstStyle/>
-                    <a:p>
-                      <a:pPr algn="ctr"/>
-                      <a:r>
-                        <a:rPr lang="es-MX" dirty="0" err="1" smtClean="0"/>
-                        <a:t>PrimeFaces</a:t>
-                      </a:r>
-                      <a:endParaRPr lang="es-CO" dirty="0"/>
-                    </a:p>
-                  </p:txBody>
-                </p:sp>
-                <p:sp>
-                  <p:nvSpPr>
-                    <p:cNvPr id="18" name="17 Rectángulo redondeado"/>
-                    <p:cNvSpPr/>
-                    <p:nvPr/>
-                  </p:nvSpPr>
-                  <p:spPr>
-                    <a:xfrm>
-                      <a:off x="2707120" y="2348880"/>
-                      <a:ext cx="2952328" cy="288032"/>
-                    </a:xfrm>
-                    <a:prstGeom prst="roundRect">
-                      <a:avLst>
-                        <a:gd name="adj" fmla="val 0"/>
-                      </a:avLst>
-                    </a:prstGeom>
-                  </p:spPr>
-                  <p:style>
-                    <a:lnRef idx="1">
-                      <a:schemeClr val="accent5"/>
-                    </a:lnRef>
-                    <a:fillRef idx="3">
-                      <a:schemeClr val="accent5"/>
-                    </a:fillRef>
-                    <a:effectRef idx="2">
-                      <a:schemeClr val="accent5"/>
-                    </a:effectRef>
-                    <a:fontRef idx="minor">
-                      <a:schemeClr val="lt1"/>
-                    </a:fontRef>
-                  </p:style>
-                  <p:txBody>
-                    <a:bodyPr rtlCol="0" anchor="ctr"/>
-                    <a:lstStyle/>
-                    <a:p>
-                      <a:pPr algn="ctr"/>
-                      <a:r>
-                        <a:rPr lang="es-MX" dirty="0" err="1" smtClean="0"/>
-                        <a:t>Facelets</a:t>
-                      </a:r>
-                      <a:endParaRPr lang="es-MX" dirty="0" smtClean="0"/>
-                    </a:p>
-                  </p:txBody>
-                </p:sp>
-              </p:grpSp>
-              <p:sp>
-                <p:nvSpPr>
-                  <p:cNvPr id="20" name="19 Rectángulo"/>
-                  <p:cNvSpPr/>
-                  <p:nvPr/>
-                </p:nvSpPr>
-                <p:spPr>
-                  <a:xfrm>
-                    <a:off x="2397460" y="2708920"/>
-                    <a:ext cx="5256584" cy="382162"/>
-                  </a:xfrm>
-                  <a:prstGeom prst="rect">
-                    <a:avLst/>
-                  </a:prstGeom>
-                </p:spPr>
-                <p:style>
-                  <a:lnRef idx="1">
-                    <a:schemeClr val="accent6"/>
-                  </a:lnRef>
-                  <a:fillRef idx="3">
-                    <a:schemeClr val="accent6"/>
-                  </a:fillRef>
-                  <a:effectRef idx="2">
-                    <a:schemeClr val="accent6"/>
-                  </a:effectRef>
-                  <a:fontRef idx="minor">
-                    <a:schemeClr val="lt1"/>
-                  </a:fontRef>
-                </p:style>
-                <p:txBody>
-                  <a:bodyPr rtlCol="0" anchor="ctr"/>
-                  <a:lstStyle/>
-                  <a:p>
-                    <a:pPr algn="ctr"/>
-                    <a:r>
-                      <a:rPr lang="es-MX" dirty="0" smtClean="0"/>
-                      <a:t>Controlador Java Server Faces</a:t>
-                    </a:r>
-                    <a:endParaRPr lang="es-CO" dirty="0"/>
-                  </a:p>
-                </p:txBody>
-              </p:sp>
-              <p:grpSp>
-                <p:nvGrpSpPr>
-                  <p:cNvPr id="36" name="35 Grupo"/>
-                  <p:cNvGrpSpPr/>
-                  <p:nvPr/>
-                </p:nvGrpSpPr>
-                <p:grpSpPr>
-                  <a:xfrm>
-                    <a:off x="6012160" y="1340768"/>
-                    <a:ext cx="1656184" cy="1260140"/>
-                    <a:chOff x="6012160" y="1340768"/>
-                    <a:chExt cx="1656184" cy="1260140"/>
-                  </a:xfrm>
-                </p:grpSpPr>
-                <p:sp>
-                  <p:nvSpPr>
-                    <p:cNvPr id="19" name="18 Rectángulo"/>
-                    <p:cNvSpPr/>
-                    <p:nvPr/>
-                  </p:nvSpPr>
-                  <p:spPr>
-                    <a:xfrm>
-                      <a:off x="6012160" y="1340768"/>
-                      <a:ext cx="1656184" cy="360040"/>
-                    </a:xfrm>
-                    <a:prstGeom prst="rect">
-                      <a:avLst/>
-                    </a:prstGeom>
-                  </p:spPr>
-                  <p:style>
-                    <a:lnRef idx="1">
-                      <a:schemeClr val="accent5"/>
-                    </a:lnRef>
-                    <a:fillRef idx="3">
-                      <a:schemeClr val="accent5"/>
-                    </a:fillRef>
-                    <a:effectRef idx="2">
-                      <a:schemeClr val="accent5"/>
-                    </a:effectRef>
-                    <a:fontRef idx="minor">
-                      <a:schemeClr val="lt1"/>
-                    </a:fontRef>
-                  </p:style>
-                  <p:txBody>
-                    <a:bodyPr rtlCol="0" anchor="ctr"/>
-                    <a:lstStyle/>
-                    <a:p>
-                      <a:pPr algn="ctr"/>
-                      <a:r>
-                        <a:rPr lang="es-MX" dirty="0" smtClean="0"/>
-                        <a:t>XHTML</a:t>
-                      </a:r>
-                      <a:endParaRPr lang="es-CO" dirty="0"/>
-                    </a:p>
-                  </p:txBody>
-                </p:sp>
-                <p:sp>
-                  <p:nvSpPr>
-                    <p:cNvPr id="23" name="22 Rectángulo"/>
-                    <p:cNvSpPr/>
-                    <p:nvPr/>
-                  </p:nvSpPr>
-                  <p:spPr>
-                    <a:xfrm>
-                      <a:off x="6012160" y="1772816"/>
-                      <a:ext cx="1656184" cy="360040"/>
-                    </a:xfrm>
-                    <a:prstGeom prst="rect">
-                      <a:avLst/>
-                    </a:prstGeom>
-                  </p:spPr>
-                  <p:style>
-                    <a:lnRef idx="1">
-                      <a:schemeClr val="accent5"/>
-                    </a:lnRef>
-                    <a:fillRef idx="3">
-                      <a:schemeClr val="accent5"/>
-                    </a:fillRef>
-                    <a:effectRef idx="2">
-                      <a:schemeClr val="accent5"/>
-                    </a:effectRef>
-                    <a:fontRef idx="minor">
-                      <a:schemeClr val="lt1"/>
-                    </a:fontRef>
-                  </p:style>
-                  <p:txBody>
-                    <a:bodyPr rtlCol="0" anchor="ctr"/>
-                    <a:lstStyle/>
-                    <a:p>
-                      <a:pPr algn="ctr"/>
-                      <a:r>
-                        <a:rPr lang="es-MX" dirty="0" smtClean="0"/>
-                        <a:t>Tag Libs</a:t>
-                      </a:r>
-                      <a:endParaRPr lang="es-CO" dirty="0"/>
-                    </a:p>
-                  </p:txBody>
-                </p:sp>
-                <p:sp>
-                  <p:nvSpPr>
-                    <p:cNvPr id="24" name="23 Rectángulo"/>
-                    <p:cNvSpPr/>
-                    <p:nvPr/>
-                  </p:nvSpPr>
-                  <p:spPr>
-                    <a:xfrm>
-                      <a:off x="6012160" y="2204864"/>
-                      <a:ext cx="1656184" cy="396044"/>
-                    </a:xfrm>
-                    <a:prstGeom prst="rect">
-                      <a:avLst/>
-                    </a:prstGeom>
-                  </p:spPr>
-                  <p:style>
-                    <a:lnRef idx="1">
-                      <a:schemeClr val="accent5"/>
-                    </a:lnRef>
-                    <a:fillRef idx="3">
-                      <a:schemeClr val="accent5"/>
-                    </a:fillRef>
-                    <a:effectRef idx="2">
-                      <a:schemeClr val="accent5"/>
-                    </a:effectRef>
-                    <a:fontRef idx="minor">
-                      <a:schemeClr val="lt1"/>
-                    </a:fontRef>
-                  </p:style>
-                  <p:txBody>
-                    <a:bodyPr rtlCol="0" anchor="ctr"/>
-                    <a:lstStyle/>
-                    <a:p>
-                      <a:pPr algn="ctr"/>
-                      <a:r>
-                        <a:rPr lang="es-MX" dirty="0" smtClean="0"/>
-                        <a:t>Servlets</a:t>
-                      </a:r>
-                      <a:endParaRPr lang="es-CO" dirty="0"/>
-                    </a:p>
-                  </p:txBody>
-                </p:sp>
-              </p:grpSp>
-            </p:grpSp>
-          </p:grpSp>
-          <p:grpSp>
-            <p:nvGrpSpPr>
-              <p:cNvPr id="41" name="40 Grupo"/>
-              <p:cNvGrpSpPr/>
-              <p:nvPr/>
-            </p:nvGrpSpPr>
-            <p:grpSpPr>
-              <a:xfrm>
-                <a:off x="1951443" y="3671224"/>
-                <a:ext cx="5860917" cy="2638096"/>
-                <a:chOff x="1951443" y="3382681"/>
-                <a:chExt cx="5860917" cy="2638096"/>
-              </a:xfrm>
-            </p:grpSpPr>
-            <p:sp>
-              <p:nvSpPr>
-                <p:cNvPr id="9" name="8 Rectángulo"/>
-                <p:cNvSpPr/>
-                <p:nvPr/>
-              </p:nvSpPr>
-              <p:spPr>
-                <a:xfrm>
-                  <a:off x="1979712" y="3500494"/>
-                  <a:ext cx="5832648" cy="2376778"/>
-                </a:xfrm>
-                <a:prstGeom prst="rect">
-                  <a:avLst/>
-                </a:prstGeom>
-              </p:spPr>
-              <p:style>
-                <a:lnRef idx="1">
-                  <a:schemeClr val="accent2"/>
-                </a:lnRef>
-                <a:fillRef idx="3">
-                  <a:schemeClr val="accent2"/>
-                </a:fillRef>
-                <a:effectRef idx="2">
-                  <a:schemeClr val="accent2"/>
-                </a:effectRef>
-                <a:fontRef idx="minor">
-                  <a:schemeClr val="lt1"/>
-                </a:fontRef>
-              </p:style>
-              <p:txBody>
-                <a:bodyPr rtlCol="0" anchor="ctr"/>
-                <a:lstStyle/>
-                <a:p>
-                  <a:pPr algn="ctr"/>
-                  <a:endParaRPr lang="es-CO"/>
-                </a:p>
-              </p:txBody>
-            </p:sp>
-            <p:cxnSp>
-              <p:nvCxnSpPr>
-                <p:cNvPr id="26" name="25 Conector recto"/>
-                <p:cNvCxnSpPr/>
-                <p:nvPr/>
-              </p:nvCxnSpPr>
-              <p:spPr>
-                <a:xfrm>
-                  <a:off x="2217891" y="5084673"/>
-                  <a:ext cx="5522461" cy="0"/>
-                </a:xfrm>
-                <a:prstGeom prst="line">
-                  <a:avLst/>
-                </a:prstGeom>
-                <a:ln w="19050">
-                  <a:solidFill>
-                    <a:schemeClr val="accent1">
-                      <a:lumMod val="50000"/>
-                    </a:schemeClr>
-                  </a:solidFill>
-                  <a:prstDash val="sysDash"/>
-                </a:ln>
-              </p:spPr>
-              <p:style>
-                <a:lnRef idx="1">
-                  <a:schemeClr val="accent1"/>
-                </a:lnRef>
-                <a:fillRef idx="0">
-                  <a:schemeClr val="accent1"/>
-                </a:fillRef>
-                <a:effectRef idx="0">
-                  <a:schemeClr val="accent1"/>
-                </a:effectRef>
-                <a:fontRef idx="minor">
-                  <a:schemeClr val="tx1"/>
-                </a:fontRef>
-              </p:style>
-            </p:cxnSp>
-            <p:sp>
-              <p:nvSpPr>
-                <p:cNvPr id="27" name="26 CuadroTexto"/>
-                <p:cNvSpPr txBox="1"/>
-                <p:nvPr/>
-              </p:nvSpPr>
-              <p:spPr>
-                <a:xfrm rot="16200000">
-                  <a:off x="1290340" y="4043784"/>
-                  <a:ext cx="1629984" cy="307777"/>
-                </a:xfrm>
-                <a:prstGeom prst="rect">
-                  <a:avLst/>
-                </a:prstGeom>
-                <a:noFill/>
-              </p:spPr>
-              <p:txBody>
-                <a:bodyPr wrap="square" rtlCol="0">
-                  <a:spAutoFit/>
-                </a:bodyPr>
-                <a:lstStyle/>
-                <a:p>
-                  <a:r>
-                    <a:rPr lang="es-MX" sz="1400" dirty="0" smtClean="0">
-                      <a:solidFill>
-                        <a:schemeClr val="bg1"/>
-                      </a:solidFill>
-                    </a:rPr>
-                    <a:t>Lógica de Negocio</a:t>
-                  </a:r>
-                  <a:endParaRPr lang="es-CO" sz="1400" dirty="0">
-                    <a:solidFill>
-                      <a:schemeClr val="bg1"/>
-                    </a:solidFill>
-                  </a:endParaRPr>
-                </a:p>
-              </p:txBody>
-            </p:sp>
-            <p:sp>
-              <p:nvSpPr>
-                <p:cNvPr id="28" name="27 CuadroTexto"/>
-                <p:cNvSpPr txBox="1"/>
-                <p:nvPr/>
-              </p:nvSpPr>
-              <p:spPr>
-                <a:xfrm rot="16200000">
-                  <a:off x="1575688" y="5324363"/>
-                  <a:ext cx="1085050" cy="307777"/>
-                </a:xfrm>
-                <a:prstGeom prst="rect">
-                  <a:avLst/>
-                </a:prstGeom>
-                <a:noFill/>
-              </p:spPr>
-              <p:txBody>
-                <a:bodyPr wrap="square" rtlCol="0">
-                  <a:spAutoFit/>
-                </a:bodyPr>
-                <a:lstStyle/>
-                <a:p>
-                  <a:r>
-                    <a:rPr lang="es-MX" sz="1400" dirty="0" smtClean="0">
-                      <a:solidFill>
-                        <a:schemeClr val="bg1"/>
-                      </a:solidFill>
-                    </a:rPr>
-                    <a:t>Integración</a:t>
-                  </a:r>
-                  <a:endParaRPr lang="es-CO" sz="1400" dirty="0">
-                    <a:solidFill>
-                      <a:schemeClr val="bg1"/>
-                    </a:solidFill>
-                  </a:endParaRPr>
-                </a:p>
-              </p:txBody>
-            </p:sp>
             <p:grpSp>
               <p:nvGrpSpPr>
                 <p:cNvPr id="40" name="39 Grupo"/>
@@ -3884,7 +4233,7 @@
               </p:nvGrpSpPr>
               <p:grpSpPr>
                 <a:xfrm>
-                  <a:off x="3304191" y="5228689"/>
+                  <a:off x="3304191" y="5589240"/>
                   <a:ext cx="3284033" cy="504056"/>
                   <a:chOff x="3304191" y="5228689"/>
                   <a:chExt cx="3284033" cy="504056"/>
@@ -3983,7 +4332,7 @@
               </p:nvGrpSpPr>
               <p:grpSpPr>
                 <a:xfrm>
-                  <a:off x="2397460" y="3596333"/>
+                  <a:off x="2397460" y="3884876"/>
                   <a:ext cx="5184576" cy="1357325"/>
                   <a:chOff x="2397460" y="3596333"/>
                   <a:chExt cx="5184576" cy="1357325"/>
@@ -4170,283 +4519,513 @@
                 </p:txBody>
               </p:sp>
             </p:grpSp>
+            <p:cxnSp>
+              <p:nvCxnSpPr>
+                <p:cNvPr id="26" name="25 Conector recto"/>
+                <p:cNvCxnSpPr/>
+                <p:nvPr/>
+              </p:nvCxnSpPr>
+              <p:spPr>
+                <a:xfrm>
+                  <a:off x="2217891" y="5373216"/>
+                  <a:ext cx="5522461" cy="0"/>
+                </a:xfrm>
+                <a:prstGeom prst="line">
+                  <a:avLst/>
+                </a:prstGeom>
+                <a:ln w="19050">
+                  <a:solidFill>
+                    <a:schemeClr val="accent1">
+                      <a:lumMod val="50000"/>
+                    </a:schemeClr>
+                  </a:solidFill>
+                  <a:prstDash val="sysDash"/>
+                </a:ln>
+              </p:spPr>
+              <p:style>
+                <a:lnRef idx="1">
+                  <a:schemeClr val="accent1"/>
+                </a:lnRef>
+                <a:fillRef idx="0">
+                  <a:schemeClr val="accent1"/>
+                </a:fillRef>
+                <a:effectRef idx="0">
+                  <a:schemeClr val="accent1"/>
+                </a:effectRef>
+                <a:fontRef idx="minor">
+                  <a:schemeClr val="tx1"/>
+                </a:fontRef>
+              </p:style>
+            </p:cxnSp>
+          </p:grpSp>
+          <p:grpSp>
+            <p:nvGrpSpPr>
+              <p:cNvPr id="58" name="57 Grupo"/>
+              <p:cNvGrpSpPr/>
+              <p:nvPr/>
+            </p:nvGrpSpPr>
+            <p:grpSpPr>
+              <a:xfrm>
+                <a:off x="1532277" y="1412773"/>
+                <a:ext cx="5848035" cy="2160368"/>
+                <a:chOff x="-736989" y="1412773"/>
+                <a:chExt cx="5848035" cy="2160368"/>
+              </a:xfrm>
+            </p:grpSpPr>
+            <p:sp>
+              <p:nvSpPr>
+                <p:cNvPr id="8" name="7 Rectángulo"/>
+                <p:cNvSpPr/>
+                <p:nvPr/>
+              </p:nvSpPr>
+              <p:spPr>
+                <a:xfrm>
+                  <a:off x="-721602" y="1412773"/>
+                  <a:ext cx="5832648" cy="2160368"/>
+                </a:xfrm>
+                <a:prstGeom prst="rect">
+                  <a:avLst/>
+                </a:prstGeom>
+              </p:spPr>
+              <p:style>
+                <a:lnRef idx="1">
+                  <a:schemeClr val="accent2"/>
+                </a:lnRef>
+                <a:fillRef idx="3">
+                  <a:schemeClr val="accent2"/>
+                </a:fillRef>
+                <a:effectRef idx="2">
+                  <a:schemeClr val="accent2"/>
+                </a:effectRef>
+                <a:fontRef idx="minor">
+                  <a:schemeClr val="lt1"/>
+                </a:fontRef>
+              </p:style>
+              <p:txBody>
+                <a:bodyPr rtlCol="0" anchor="ctr"/>
+                <a:lstStyle/>
+                <a:p>
+                  <a:pPr algn="ctr"/>
+                  <a:endParaRPr lang="es-CO"/>
+                </a:p>
+              </p:txBody>
+            </p:sp>
+            <p:sp>
+              <p:nvSpPr>
+                <p:cNvPr id="11" name="10 CuadroTexto"/>
+                <p:cNvSpPr txBox="1"/>
+                <p:nvPr/>
+              </p:nvSpPr>
+              <p:spPr>
+                <a:xfrm rot="16200000">
+                  <a:off x="-1544019" y="2314192"/>
+                  <a:ext cx="1921838" cy="307777"/>
+                </a:xfrm>
+                <a:prstGeom prst="rect">
+                  <a:avLst/>
+                </a:prstGeom>
+                <a:noFill/>
+              </p:spPr>
+              <p:txBody>
+                <a:bodyPr wrap="square" rtlCol="0">
+                  <a:spAutoFit/>
+                </a:bodyPr>
+                <a:lstStyle/>
+                <a:p>
+                  <a:r>
+                    <a:rPr lang="es-MX" sz="1400" dirty="0" smtClean="0">
+                      <a:solidFill>
+                        <a:schemeClr val="bg1"/>
+                      </a:solidFill>
+                    </a:rPr>
+                    <a:t>Presentación y Control</a:t>
+                  </a:r>
+                  <a:endParaRPr lang="es-CO" sz="1400" dirty="0">
+                    <a:solidFill>
+                      <a:schemeClr val="bg1"/>
+                    </a:solidFill>
+                  </a:endParaRPr>
+                </a:p>
+              </p:txBody>
+            </p:sp>
+            <p:grpSp>
+              <p:nvGrpSpPr>
+                <p:cNvPr id="35" name="34 Grupo"/>
+                <p:cNvGrpSpPr/>
+                <p:nvPr/>
+              </p:nvGrpSpPr>
+              <p:grpSpPr>
+                <a:xfrm>
+                  <a:off x="-303854" y="1629311"/>
+                  <a:ext cx="3456384" cy="1260140"/>
+                  <a:chOff x="2411760" y="1520788"/>
+                  <a:chExt cx="3456384" cy="1260140"/>
+                </a:xfrm>
+              </p:grpSpPr>
+              <p:sp>
+                <p:nvSpPr>
+                  <p:cNvPr id="16" name="15 Rectángulo redondeado"/>
+                  <p:cNvSpPr/>
+                  <p:nvPr/>
+                </p:nvSpPr>
+                <p:spPr>
+                  <a:xfrm>
+                    <a:off x="2411760" y="1520788"/>
+                    <a:ext cx="3456384" cy="1260140"/>
+                  </a:xfrm>
+                  <a:prstGeom prst="roundRect">
+                    <a:avLst>
+                      <a:gd name="adj" fmla="val 0"/>
+                    </a:avLst>
+                  </a:prstGeom>
+                </p:spPr>
+                <p:style>
+                  <a:lnRef idx="1">
+                    <a:schemeClr val="accent3"/>
+                  </a:lnRef>
+                  <a:fillRef idx="3">
+                    <a:schemeClr val="accent3"/>
+                  </a:fillRef>
+                  <a:effectRef idx="2">
+                    <a:schemeClr val="accent3"/>
+                  </a:effectRef>
+                  <a:fontRef idx="minor">
+                    <a:schemeClr val="lt1"/>
+                  </a:fontRef>
+                </p:style>
+                <p:txBody>
+                  <a:bodyPr rtlCol="0" anchor="ctr"/>
+                  <a:lstStyle/>
+                  <a:p>
+                    <a:pPr algn="ctr"/>
+                    <a:r>
+                      <a:rPr lang="es-MX" dirty="0" smtClean="0"/>
+                      <a:t>JSF</a:t>
+                    </a:r>
+                    <a:endParaRPr lang="es-CO" dirty="0"/>
+                  </a:p>
+                </p:txBody>
+              </p:sp>
+              <p:sp>
+                <p:nvSpPr>
+                  <p:cNvPr id="17" name="16 Rectángulo redondeado"/>
+                  <p:cNvSpPr/>
+                  <p:nvPr/>
+                </p:nvSpPr>
+                <p:spPr>
+                  <a:xfrm>
+                    <a:off x="2707120" y="1674799"/>
+                    <a:ext cx="2952328" cy="288032"/>
+                  </a:xfrm>
+                  <a:prstGeom prst="roundRect">
+                    <a:avLst>
+                      <a:gd name="adj" fmla="val 0"/>
+                    </a:avLst>
+                  </a:prstGeom>
+                </p:spPr>
+                <p:style>
+                  <a:lnRef idx="1">
+                    <a:schemeClr val="accent5"/>
+                  </a:lnRef>
+                  <a:fillRef idx="3">
+                    <a:schemeClr val="accent5"/>
+                  </a:fillRef>
+                  <a:effectRef idx="2">
+                    <a:schemeClr val="accent5"/>
+                  </a:effectRef>
+                  <a:fontRef idx="minor">
+                    <a:schemeClr val="lt1"/>
+                  </a:fontRef>
+                </p:style>
+                <p:txBody>
+                  <a:bodyPr rtlCol="0" anchor="ctr"/>
+                  <a:lstStyle/>
+                  <a:p>
+                    <a:pPr algn="ctr"/>
+                    <a:r>
+                      <a:rPr lang="es-MX" dirty="0" err="1" smtClean="0"/>
+                      <a:t>PrimeFaces</a:t>
+                    </a:r>
+                    <a:endParaRPr lang="es-CO" dirty="0"/>
+                  </a:p>
+                </p:txBody>
+              </p:sp>
+              <p:sp>
+                <p:nvSpPr>
+                  <p:cNvPr id="18" name="17 Rectángulo redondeado"/>
+                  <p:cNvSpPr/>
+                  <p:nvPr/>
+                </p:nvSpPr>
+                <p:spPr>
+                  <a:xfrm>
+                    <a:off x="2707120" y="2348880"/>
+                    <a:ext cx="2952328" cy="288032"/>
+                  </a:xfrm>
+                  <a:prstGeom prst="roundRect">
+                    <a:avLst>
+                      <a:gd name="adj" fmla="val 0"/>
+                    </a:avLst>
+                  </a:prstGeom>
+                </p:spPr>
+                <p:style>
+                  <a:lnRef idx="1">
+                    <a:schemeClr val="accent5"/>
+                  </a:lnRef>
+                  <a:fillRef idx="3">
+                    <a:schemeClr val="accent5"/>
+                  </a:fillRef>
+                  <a:effectRef idx="2">
+                    <a:schemeClr val="accent5"/>
+                  </a:effectRef>
+                  <a:fontRef idx="minor">
+                    <a:schemeClr val="lt1"/>
+                  </a:fontRef>
+                </p:style>
+                <p:txBody>
+                  <a:bodyPr rtlCol="0" anchor="ctr"/>
+                  <a:lstStyle/>
+                  <a:p>
+                    <a:pPr algn="ctr"/>
+                    <a:r>
+                      <a:rPr lang="es-MX" dirty="0" err="1" smtClean="0"/>
+                      <a:t>Facelets</a:t>
+                    </a:r>
+                    <a:endParaRPr lang="es-MX" dirty="0" smtClean="0"/>
+                  </a:p>
+                </p:txBody>
+              </p:sp>
+            </p:grpSp>
+            <p:sp>
+              <p:nvSpPr>
+                <p:cNvPr id="20" name="19 Rectángulo"/>
+                <p:cNvSpPr/>
+                <p:nvPr/>
+              </p:nvSpPr>
+              <p:spPr>
+                <a:xfrm>
+                  <a:off x="-303854" y="2997463"/>
+                  <a:ext cx="3465146" cy="382162"/>
+                </a:xfrm>
+                <a:prstGeom prst="rect">
+                  <a:avLst/>
+                </a:prstGeom>
+              </p:spPr>
+              <p:style>
+                <a:lnRef idx="1">
+                  <a:schemeClr val="accent6"/>
+                </a:lnRef>
+                <a:fillRef idx="3">
+                  <a:schemeClr val="accent6"/>
+                </a:fillRef>
+                <a:effectRef idx="2">
+                  <a:schemeClr val="accent6"/>
+                </a:effectRef>
+                <a:fontRef idx="minor">
+                  <a:schemeClr val="lt1"/>
+                </a:fontRef>
+              </p:style>
+              <p:txBody>
+                <a:bodyPr rtlCol="0" anchor="ctr"/>
+                <a:lstStyle/>
+                <a:p>
+                  <a:pPr algn="ctr"/>
+                  <a:r>
+                    <a:rPr lang="es-MX" dirty="0" smtClean="0"/>
+                    <a:t>Controlador Java Server Faces</a:t>
+                  </a:r>
+                  <a:endParaRPr lang="es-CO" dirty="0"/>
+                </a:p>
+              </p:txBody>
+            </p:sp>
+            <p:grpSp>
+              <p:nvGrpSpPr>
+                <p:cNvPr id="57" name="56 Grupo"/>
+                <p:cNvGrpSpPr/>
+                <p:nvPr/>
+              </p:nvGrpSpPr>
+              <p:grpSpPr>
+                <a:xfrm>
+                  <a:off x="3310846" y="1629311"/>
+                  <a:ext cx="1663802" cy="1764196"/>
+                  <a:chOff x="3310846" y="1629311"/>
+                  <a:chExt cx="1663802" cy="1764196"/>
+                </a:xfrm>
+              </p:grpSpPr>
+              <p:sp>
+                <p:nvSpPr>
+                  <p:cNvPr id="19" name="18 Rectángulo"/>
+                  <p:cNvSpPr/>
+                  <p:nvPr/>
+                </p:nvSpPr>
+                <p:spPr>
+                  <a:xfrm>
+                    <a:off x="3310846" y="1629311"/>
+                    <a:ext cx="1656184" cy="360040"/>
+                  </a:xfrm>
+                  <a:prstGeom prst="rect">
+                    <a:avLst/>
+                  </a:prstGeom>
+                </p:spPr>
+                <p:style>
+                  <a:lnRef idx="1">
+                    <a:schemeClr val="accent5"/>
+                  </a:lnRef>
+                  <a:fillRef idx="3">
+                    <a:schemeClr val="accent5"/>
+                  </a:fillRef>
+                  <a:effectRef idx="2">
+                    <a:schemeClr val="accent5"/>
+                  </a:effectRef>
+                  <a:fontRef idx="minor">
+                    <a:schemeClr val="lt1"/>
+                  </a:fontRef>
+                </p:style>
+                <p:txBody>
+                  <a:bodyPr rtlCol="0" anchor="ctr"/>
+                  <a:lstStyle/>
+                  <a:p>
+                    <a:pPr algn="ctr"/>
+                    <a:r>
+                      <a:rPr lang="es-MX" dirty="0" smtClean="0"/>
+                      <a:t>XHTML</a:t>
+                    </a:r>
+                    <a:endParaRPr lang="es-CO" dirty="0"/>
+                  </a:p>
+                </p:txBody>
+              </p:sp>
+              <p:sp>
+                <p:nvSpPr>
+                  <p:cNvPr id="23" name="22 Rectángulo"/>
+                  <p:cNvSpPr/>
+                  <p:nvPr/>
+                </p:nvSpPr>
+                <p:spPr>
+                  <a:xfrm>
+                    <a:off x="3310846" y="2061359"/>
+                    <a:ext cx="1656184" cy="360040"/>
+                  </a:xfrm>
+                  <a:prstGeom prst="rect">
+                    <a:avLst/>
+                  </a:prstGeom>
+                </p:spPr>
+                <p:style>
+                  <a:lnRef idx="1">
+                    <a:schemeClr val="accent5"/>
+                  </a:lnRef>
+                  <a:fillRef idx="3">
+                    <a:schemeClr val="accent5"/>
+                  </a:fillRef>
+                  <a:effectRef idx="2">
+                    <a:schemeClr val="accent5"/>
+                  </a:effectRef>
+                  <a:fontRef idx="minor">
+                    <a:schemeClr val="lt1"/>
+                  </a:fontRef>
+                </p:style>
+                <p:txBody>
+                  <a:bodyPr rtlCol="0" anchor="ctr"/>
+                  <a:lstStyle/>
+                  <a:p>
+                    <a:pPr algn="ctr"/>
+                    <a:r>
+                      <a:rPr lang="es-MX" dirty="0" smtClean="0"/>
+                      <a:t>XML </a:t>
+                    </a:r>
+                    <a:r>
+                      <a:rPr lang="es-MX" dirty="0" err="1" smtClean="0"/>
+                      <a:t>Parser</a:t>
+                    </a:r>
+                    <a:endParaRPr lang="es-CO" dirty="0"/>
+                  </a:p>
+                </p:txBody>
+              </p:sp>
+              <p:sp>
+                <p:nvSpPr>
+                  <p:cNvPr id="24" name="23 Rectángulo"/>
+                  <p:cNvSpPr/>
+                  <p:nvPr/>
+                </p:nvSpPr>
+                <p:spPr>
+                  <a:xfrm>
+                    <a:off x="3318464" y="2997463"/>
+                    <a:ext cx="1656184" cy="396044"/>
+                  </a:xfrm>
+                  <a:prstGeom prst="rect">
+                    <a:avLst/>
+                  </a:prstGeom>
+                </p:spPr>
+                <p:style>
+                  <a:lnRef idx="1">
+                    <a:schemeClr val="accent5"/>
+                  </a:lnRef>
+                  <a:fillRef idx="3">
+                    <a:schemeClr val="accent5"/>
+                  </a:fillRef>
+                  <a:effectRef idx="2">
+                    <a:schemeClr val="accent5"/>
+                  </a:effectRef>
+                  <a:fontRef idx="minor">
+                    <a:schemeClr val="lt1"/>
+                  </a:fontRef>
+                </p:style>
+                <p:txBody>
+                  <a:bodyPr rtlCol="0" anchor="ctr"/>
+                  <a:lstStyle/>
+                  <a:p>
+                    <a:pPr algn="ctr"/>
+                    <a:r>
+                      <a:rPr lang="es-MX" dirty="0" smtClean="0"/>
+                      <a:t>Servlets</a:t>
+                    </a:r>
+                    <a:endParaRPr lang="es-CO" dirty="0"/>
+                  </a:p>
+                </p:txBody>
+              </p:sp>
+              <p:sp>
+                <p:nvSpPr>
+                  <p:cNvPr id="42" name="41 Rectángulo"/>
+                  <p:cNvSpPr/>
+                  <p:nvPr/>
+                </p:nvSpPr>
+                <p:spPr>
+                  <a:xfrm>
+                    <a:off x="3310846" y="2529411"/>
+                    <a:ext cx="1656184" cy="360040"/>
+                  </a:xfrm>
+                  <a:prstGeom prst="rect">
+                    <a:avLst/>
+                  </a:prstGeom>
+                </p:spPr>
+                <p:style>
+                  <a:lnRef idx="1">
+                    <a:schemeClr val="accent5"/>
+                  </a:lnRef>
+                  <a:fillRef idx="3">
+                    <a:schemeClr val="accent5"/>
+                  </a:fillRef>
+                  <a:effectRef idx="2">
+                    <a:schemeClr val="accent5"/>
+                  </a:effectRef>
+                  <a:fontRef idx="minor">
+                    <a:schemeClr val="lt1"/>
+                  </a:fontRef>
+                </p:style>
+                <p:txBody>
+                  <a:bodyPr rtlCol="0" anchor="ctr"/>
+                  <a:lstStyle/>
+                  <a:p>
+                    <a:pPr algn="ctr"/>
+                    <a:r>
+                      <a:rPr lang="es-MX" dirty="0" err="1" smtClean="0"/>
+                      <a:t>FileUpload</a:t>
+                    </a:r>
+                    <a:endParaRPr lang="es-CO" dirty="0"/>
+                  </a:p>
+                </p:txBody>
+              </p:sp>
+            </p:grpSp>
           </p:grpSp>
         </p:grpSp>
-        <p:grpSp>
-          <p:nvGrpSpPr>
-            <p:cNvPr id="48" name="47 Grupo"/>
-            <p:cNvGrpSpPr/>
-            <p:nvPr/>
-          </p:nvGrpSpPr>
-          <p:grpSpPr>
-            <a:xfrm>
-              <a:off x="4584464" y="161910"/>
-              <a:ext cx="3708412" cy="746810"/>
-              <a:chOff x="4031940" y="188639"/>
-              <a:chExt cx="3708412" cy="746810"/>
-            </a:xfrm>
-          </p:grpSpPr>
-          <p:sp>
-            <p:nvSpPr>
-              <p:cNvPr id="43" name="42 Rectángulo"/>
-              <p:cNvSpPr/>
-              <p:nvPr/>
-            </p:nvSpPr>
-            <p:spPr>
-              <a:xfrm>
-                <a:off x="6588224" y="188640"/>
-                <a:ext cx="1152128" cy="288032"/>
-              </a:xfrm>
-              <a:prstGeom prst="rect">
-                <a:avLst/>
-              </a:prstGeom>
-            </p:spPr>
-            <p:style>
-              <a:lnRef idx="1">
-                <a:schemeClr val="accent5"/>
-              </a:lnRef>
-              <a:fillRef idx="3">
-                <a:schemeClr val="accent5"/>
-              </a:fillRef>
-              <a:effectRef idx="2">
-                <a:schemeClr val="accent5"/>
-              </a:effectRef>
-              <a:fontRef idx="minor">
-                <a:schemeClr val="lt1"/>
-              </a:fontRef>
-            </p:style>
-            <p:txBody>
-              <a:bodyPr rtlCol="0" anchor="ctr"/>
-              <a:lstStyle/>
-              <a:p>
-                <a:pPr algn="ctr"/>
-                <a:r>
-                  <a:rPr lang="es-MX" dirty="0" err="1" smtClean="0"/>
-                  <a:t>JQuery</a:t>
-                </a:r>
-                <a:endParaRPr lang="es-CO" dirty="0"/>
-              </a:p>
-            </p:txBody>
-          </p:sp>
-          <p:sp>
-            <p:nvSpPr>
-              <p:cNvPr id="44" name="43 Rectángulo"/>
-              <p:cNvSpPr/>
-              <p:nvPr/>
-            </p:nvSpPr>
-            <p:spPr>
-              <a:xfrm>
-                <a:off x="6588224" y="647417"/>
-                <a:ext cx="1152128" cy="288032"/>
-              </a:xfrm>
-              <a:prstGeom prst="rect">
-                <a:avLst/>
-              </a:prstGeom>
-            </p:spPr>
-            <p:style>
-              <a:lnRef idx="1">
-                <a:schemeClr val="accent5"/>
-              </a:lnRef>
-              <a:fillRef idx="3">
-                <a:schemeClr val="accent5"/>
-              </a:fillRef>
-              <a:effectRef idx="2">
-                <a:schemeClr val="accent5"/>
-              </a:effectRef>
-              <a:fontRef idx="minor">
-                <a:schemeClr val="lt1"/>
-              </a:fontRef>
-            </p:style>
-            <p:txBody>
-              <a:bodyPr rtlCol="0" anchor="ctr"/>
-              <a:lstStyle/>
-              <a:p>
-                <a:pPr algn="ctr"/>
-                <a:r>
-                  <a:rPr lang="es-MX" dirty="0" smtClean="0"/>
-                  <a:t>HTML</a:t>
-                </a:r>
-                <a:endParaRPr lang="es-CO" dirty="0"/>
-              </a:p>
-            </p:txBody>
-          </p:sp>
-          <p:sp>
-            <p:nvSpPr>
-              <p:cNvPr id="45" name="44 Rectángulo"/>
-              <p:cNvSpPr/>
-              <p:nvPr/>
-            </p:nvSpPr>
-            <p:spPr>
-              <a:xfrm>
-                <a:off x="5310082" y="188640"/>
-                <a:ext cx="1152128" cy="288032"/>
-              </a:xfrm>
-              <a:prstGeom prst="rect">
-                <a:avLst/>
-              </a:prstGeom>
-            </p:spPr>
-            <p:style>
-              <a:lnRef idx="1">
-                <a:schemeClr val="accent5"/>
-              </a:lnRef>
-              <a:fillRef idx="3">
-                <a:schemeClr val="accent5"/>
-              </a:fillRef>
-              <a:effectRef idx="2">
-                <a:schemeClr val="accent5"/>
-              </a:effectRef>
-              <a:fontRef idx="minor">
-                <a:schemeClr val="lt1"/>
-              </a:fontRef>
-            </p:style>
-            <p:txBody>
-              <a:bodyPr rtlCol="0" anchor="ctr"/>
-              <a:lstStyle/>
-              <a:p>
-                <a:pPr algn="ctr"/>
-                <a:r>
-                  <a:rPr lang="es-MX" dirty="0" smtClean="0"/>
-                  <a:t>CSS</a:t>
-                </a:r>
-                <a:endParaRPr lang="es-CO" dirty="0"/>
-              </a:p>
-            </p:txBody>
-          </p:sp>
-          <p:sp>
-            <p:nvSpPr>
-              <p:cNvPr id="46" name="45 Rectángulo"/>
-              <p:cNvSpPr/>
-              <p:nvPr/>
-            </p:nvSpPr>
-            <p:spPr>
-              <a:xfrm>
-                <a:off x="5310082" y="647417"/>
-                <a:ext cx="1152128" cy="288032"/>
-              </a:xfrm>
-              <a:prstGeom prst="rect">
-                <a:avLst/>
-              </a:prstGeom>
-            </p:spPr>
-            <p:style>
-              <a:lnRef idx="1">
-                <a:schemeClr val="accent5"/>
-              </a:lnRef>
-              <a:fillRef idx="3">
-                <a:schemeClr val="accent5"/>
-              </a:fillRef>
-              <a:effectRef idx="2">
-                <a:schemeClr val="accent5"/>
-              </a:effectRef>
-              <a:fontRef idx="minor">
-                <a:schemeClr val="lt1"/>
-              </a:fontRef>
-            </p:style>
-            <p:txBody>
-              <a:bodyPr rtlCol="0" anchor="ctr"/>
-              <a:lstStyle/>
-              <a:p>
-                <a:pPr algn="ctr"/>
-                <a:r>
-                  <a:rPr lang="es-MX" dirty="0" smtClean="0"/>
-                  <a:t>JavaScript</a:t>
-                </a:r>
-                <a:endParaRPr lang="es-CO" dirty="0"/>
-              </a:p>
-            </p:txBody>
-          </p:sp>
-          <p:sp>
-            <p:nvSpPr>
-              <p:cNvPr id="47" name="46 Rectángulo"/>
-              <p:cNvSpPr/>
-              <p:nvPr/>
-            </p:nvSpPr>
-            <p:spPr>
-              <a:xfrm>
-                <a:off x="4031940" y="188639"/>
-                <a:ext cx="1152128" cy="746809"/>
-              </a:xfrm>
-              <a:prstGeom prst="rect">
-                <a:avLst/>
-              </a:prstGeom>
-            </p:spPr>
-            <p:style>
-              <a:lnRef idx="1">
-                <a:schemeClr val="accent6"/>
-              </a:lnRef>
-              <a:fillRef idx="3">
-                <a:schemeClr val="accent6"/>
-              </a:fillRef>
-              <a:effectRef idx="2">
-                <a:schemeClr val="accent6"/>
-              </a:effectRef>
-              <a:fontRef idx="minor">
-                <a:schemeClr val="lt1"/>
-              </a:fontRef>
-            </p:style>
-            <p:txBody>
-              <a:bodyPr rtlCol="0" anchor="ctr"/>
-              <a:lstStyle/>
-              <a:p>
-                <a:pPr algn="ctr"/>
-                <a:r>
-                  <a:rPr lang="es-MX" dirty="0" err="1" smtClean="0"/>
-                  <a:t>mxGraph</a:t>
-                </a:r>
-                <a:r>
-                  <a:rPr lang="es-MX" dirty="0" smtClean="0"/>
-                  <a:t> </a:t>
-                </a:r>
-                <a:r>
-                  <a:rPr lang="es-MX" dirty="0" err="1" smtClean="0"/>
-                  <a:t>Client</a:t>
-                </a:r>
-                <a:endParaRPr lang="es-CO" dirty="0"/>
-              </a:p>
-            </p:txBody>
-          </p:sp>
-        </p:grpSp>
-        <p:sp>
-          <p:nvSpPr>
-            <p:cNvPr id="49" name="48 Rectángulo"/>
-            <p:cNvSpPr/>
-            <p:nvPr/>
-          </p:nvSpPr>
-          <p:spPr>
-            <a:xfrm rot="16200000">
-              <a:off x="5870430" y="3575813"/>
-              <a:ext cx="5035988" cy="432048"/>
-            </a:xfrm>
-            <a:prstGeom prst="rect">
-              <a:avLst/>
-            </a:prstGeom>
-          </p:spPr>
-          <p:style>
-            <a:lnRef idx="1">
-              <a:schemeClr val="accent3"/>
-            </a:lnRef>
-            <a:fillRef idx="3">
-              <a:schemeClr val="accent3"/>
-            </a:fillRef>
-            <a:effectRef idx="2">
-              <a:schemeClr val="accent3"/>
-            </a:effectRef>
-            <a:fontRef idx="minor">
-              <a:schemeClr val="lt1"/>
-            </a:fontRef>
-          </p:style>
-          <p:txBody>
-            <a:bodyPr rtlCol="0" anchor="ctr"/>
-            <a:lstStyle/>
-            <a:p>
-              <a:pPr algn="ctr"/>
-              <a:r>
-                <a:rPr lang="es-MX" dirty="0" smtClean="0"/>
-                <a:t>Seguridad</a:t>
-              </a:r>
-              <a:endParaRPr lang="es-CO" dirty="0"/>
-            </a:p>
-          </p:txBody>
-        </p:sp>
       </p:grpSp>
     </p:spTree>
     <p:extLst>
@@ -4744,4 +5323,289 @@
   <a:objectDefaults/>
   <a:extraClrSchemeLst/>
 </a:theme>
+</file>
+
+<file path=ppt/theme/theme2.xml><?xml version="1.0" encoding="utf-8"?>
+<a:theme xmlns:a="http://schemas.openxmlformats.org/drawingml/2006/main" name="Tema de Office">
+  <a:themeElements>
+    <a:clrScheme name="Office">
+      <a:dk1>
+        <a:sysClr val="windowText" lastClr="000000"/>
+      </a:dk1>
+      <a:lt1>
+        <a:sysClr val="window" lastClr="FFFFFF"/>
+      </a:lt1>
+      <a:dk2>
+        <a:srgbClr val="1F497D"/>
+      </a:dk2>
+      <a:lt2>
+        <a:srgbClr val="EEECE1"/>
+      </a:lt2>
+      <a:accent1>
+        <a:srgbClr val="4F81BD"/>
+      </a:accent1>
+      <a:accent2>
+        <a:srgbClr val="C0504D"/>
+      </a:accent2>
+      <a:accent3>
+        <a:srgbClr val="9BBB59"/>
+      </a:accent3>
+      <a:accent4>
+        <a:srgbClr val="8064A2"/>
+      </a:accent4>
+      <a:accent5>
+        <a:srgbClr val="4BACC6"/>
+      </a:accent5>
+      <a:accent6>
+        <a:srgbClr val="F79646"/>
+      </a:accent6>
+      <a:hlink>
+        <a:srgbClr val="0000FF"/>
+      </a:hlink>
+      <a:folHlink>
+        <a:srgbClr val="800080"/>
+      </a:folHlink>
+    </a:clrScheme>
+    <a:fontScheme name="Office">
+      <a:majorFont>
+        <a:latin typeface="Calibri"/>
+        <a:ea typeface=""/>
+        <a:cs typeface=""/>
+        <a:font script="Jpan" typeface="ＭＳ Ｐゴシック"/>
+        <a:font script="Hang" typeface="맑은 고딕"/>
+        <a:font script="Hans" typeface="宋体"/>
+        <a:font script="Hant" typeface="新細明體"/>
+        <a:font script="Arab" typeface="Times New Roman"/>
+        <a:font script="Hebr" typeface="Times New Roman"/>
+        <a:font script="Thai" typeface="Angsana New"/>
+        <a:font script="Ethi" typeface="Nyala"/>
+        <a:font script="Beng" typeface="Vrinda"/>
+        <a:font script="Gujr" typeface="Shruti"/>
+        <a:font script="Khmr" typeface="MoolBoran"/>
+        <a:font script="Knda" typeface="Tunga"/>
+        <a:font script="Guru" typeface="Raavi"/>
+        <a:font script="Cans" typeface="Euphemia"/>
+        <a:font script="Cher" typeface="Plantagenet Cherokee"/>
+        <a:font script="Yiii" typeface="Microsoft Yi Baiti"/>
+        <a:font script="Tibt" typeface="Microsoft Himalaya"/>
+        <a:font script="Thaa" typeface="MV Boli"/>
+        <a:font script="Deva" typeface="Mangal"/>
+        <a:font script="Telu" typeface="Gautami"/>
+        <a:font script="Taml" typeface="Latha"/>
+        <a:font script="Syrc" typeface="Estrangelo Edessa"/>
+        <a:font script="Orya" typeface="Kalinga"/>
+        <a:font script="Mlym" typeface="Kartika"/>
+        <a:font script="Laoo" typeface="DokChampa"/>
+        <a:font script="Sinh" typeface="Iskoola Pota"/>
+        <a:font script="Mong" typeface="Mongolian Baiti"/>
+        <a:font script="Viet" typeface="Times New Roman"/>
+        <a:font script="Uigh" typeface="Microsoft Uighur"/>
+        <a:font script="Geor" typeface="Sylfaen"/>
+      </a:majorFont>
+      <a:minorFont>
+        <a:latin typeface="Calibri"/>
+        <a:ea typeface=""/>
+        <a:cs typeface=""/>
+        <a:font script="Jpan" typeface="ＭＳ Ｐゴシック"/>
+        <a:font script="Hang" typeface="맑은 고딕"/>
+        <a:font script="Hans" typeface="宋体"/>
+        <a:font script="Hant" typeface="新細明體"/>
+        <a:font script="Arab" typeface="Arial"/>
+        <a:font script="Hebr" typeface="Arial"/>
+        <a:font script="Thai" typeface="Cordia New"/>
+        <a:font script="Ethi" typeface="Nyala"/>
+        <a:font script="Beng" typeface="Vrinda"/>
+        <a:font script="Gujr" typeface="Shruti"/>
+        <a:font script="Khmr" typeface="DaunPenh"/>
+        <a:font script="Knda" typeface="Tunga"/>
+        <a:font script="Guru" typeface="Raavi"/>
+        <a:font script="Cans" typeface="Euphemia"/>
+        <a:font script="Cher" typeface="Plantagenet Cherokee"/>
+        <a:font script="Yiii" typeface="Microsoft Yi Baiti"/>
+        <a:font script="Tibt" typeface="Microsoft Himalaya"/>
+        <a:font script="Thaa" typeface="MV Boli"/>
+        <a:font script="Deva" typeface="Mangal"/>
+        <a:font script="Telu" typeface="Gautami"/>
+        <a:font script="Taml" typeface="Latha"/>
+        <a:font script="Syrc" typeface="Estrangelo Edessa"/>
+        <a:font script="Orya" typeface="Kalinga"/>
+        <a:font script="Mlym" typeface="Kartika"/>
+        <a:font script="Laoo" typeface="DokChampa"/>
+        <a:font script="Sinh" typeface="Iskoola Pota"/>
+        <a:font script="Mong" typeface="Mongolian Baiti"/>
+        <a:font script="Viet" typeface="Arial"/>
+        <a:font script="Uigh" typeface="Microsoft Uighur"/>
+        <a:font script="Geor" typeface="Sylfaen"/>
+      </a:minorFont>
+    </a:fontScheme>
+    <a:fmtScheme name="Office">
+      <a:fillStyleLst>
+        <a:solidFill>
+          <a:schemeClr val="phClr"/>
+        </a:solidFill>
+        <a:gradFill rotWithShape="1">
+          <a:gsLst>
+            <a:gs pos="0">
+              <a:schemeClr val="phClr">
+                <a:tint val="50000"/>
+                <a:satMod val="300000"/>
+              </a:schemeClr>
+            </a:gs>
+            <a:gs pos="35000">
+              <a:schemeClr val="phClr">
+                <a:tint val="37000"/>
+                <a:satMod val="300000"/>
+              </a:schemeClr>
+            </a:gs>
+            <a:gs pos="100000">
+              <a:schemeClr val="phClr">
+                <a:tint val="15000"/>
+                <a:satMod val="350000"/>
+              </a:schemeClr>
+            </a:gs>
+          </a:gsLst>
+          <a:lin ang="16200000" scaled="1"/>
+        </a:gradFill>
+        <a:gradFill rotWithShape="1">
+          <a:gsLst>
+            <a:gs pos="0">
+              <a:schemeClr val="phClr">
+                <a:shade val="51000"/>
+                <a:satMod val="130000"/>
+              </a:schemeClr>
+            </a:gs>
+            <a:gs pos="80000">
+              <a:schemeClr val="phClr">
+                <a:shade val="93000"/>
+                <a:satMod val="130000"/>
+              </a:schemeClr>
+            </a:gs>
+            <a:gs pos="100000">
+              <a:schemeClr val="phClr">
+                <a:shade val="94000"/>
+                <a:satMod val="135000"/>
+              </a:schemeClr>
+            </a:gs>
+          </a:gsLst>
+          <a:lin ang="16200000" scaled="0"/>
+        </a:gradFill>
+      </a:fillStyleLst>
+      <a:lnStyleLst>
+        <a:ln w="9525" cap="flat" cmpd="sng" algn="ctr">
+          <a:solidFill>
+            <a:schemeClr val="phClr">
+              <a:shade val="95000"/>
+              <a:satMod val="105000"/>
+            </a:schemeClr>
+          </a:solidFill>
+          <a:prstDash val="solid"/>
+        </a:ln>
+        <a:ln w="25400" cap="flat" cmpd="sng" algn="ctr">
+          <a:solidFill>
+            <a:schemeClr val="phClr"/>
+          </a:solidFill>
+          <a:prstDash val="solid"/>
+        </a:ln>
+        <a:ln w="38100" cap="flat" cmpd="sng" algn="ctr">
+          <a:solidFill>
+            <a:schemeClr val="phClr"/>
+          </a:solidFill>
+          <a:prstDash val="solid"/>
+        </a:ln>
+      </a:lnStyleLst>
+      <a:effectStyleLst>
+        <a:effectStyle>
+          <a:effectLst>
+            <a:outerShdw blurRad="40000" dist="20000" dir="5400000" rotWithShape="0">
+              <a:srgbClr val="000000">
+                <a:alpha val="38000"/>
+              </a:srgbClr>
+            </a:outerShdw>
+          </a:effectLst>
+        </a:effectStyle>
+        <a:effectStyle>
+          <a:effectLst>
+            <a:outerShdw blurRad="40000" dist="23000" dir="5400000" rotWithShape="0">
+              <a:srgbClr val="000000">
+                <a:alpha val="35000"/>
+              </a:srgbClr>
+            </a:outerShdw>
+          </a:effectLst>
+        </a:effectStyle>
+        <a:effectStyle>
+          <a:effectLst>
+            <a:outerShdw blurRad="40000" dist="23000" dir="5400000" rotWithShape="0">
+              <a:srgbClr val="000000">
+                <a:alpha val="35000"/>
+              </a:srgbClr>
+            </a:outerShdw>
+          </a:effectLst>
+          <a:scene3d>
+            <a:camera prst="orthographicFront">
+              <a:rot lat="0" lon="0" rev="0"/>
+            </a:camera>
+            <a:lightRig rig="threePt" dir="t">
+              <a:rot lat="0" lon="0" rev="1200000"/>
+            </a:lightRig>
+          </a:scene3d>
+          <a:sp3d>
+            <a:bevelT w="63500" h="25400"/>
+          </a:sp3d>
+        </a:effectStyle>
+      </a:effectStyleLst>
+      <a:bgFillStyleLst>
+        <a:solidFill>
+          <a:schemeClr val="phClr"/>
+        </a:solidFill>
+        <a:gradFill rotWithShape="1">
+          <a:gsLst>
+            <a:gs pos="0">
+              <a:schemeClr val="phClr">
+                <a:tint val="40000"/>
+                <a:satMod val="350000"/>
+              </a:schemeClr>
+            </a:gs>
+            <a:gs pos="40000">
+              <a:schemeClr val="phClr">
+                <a:tint val="45000"/>
+                <a:shade val="99000"/>
+                <a:satMod val="350000"/>
+              </a:schemeClr>
+            </a:gs>
+            <a:gs pos="100000">
+              <a:schemeClr val="phClr">
+                <a:shade val="20000"/>
+                <a:satMod val="255000"/>
+              </a:schemeClr>
+            </a:gs>
+          </a:gsLst>
+          <a:path path="circle">
+            <a:fillToRect l="50000" t="-80000" r="50000" b="180000"/>
+          </a:path>
+        </a:gradFill>
+        <a:gradFill rotWithShape="1">
+          <a:gsLst>
+            <a:gs pos="0">
+              <a:schemeClr val="phClr">
+                <a:tint val="80000"/>
+                <a:satMod val="300000"/>
+              </a:schemeClr>
+            </a:gs>
+            <a:gs pos="100000">
+              <a:schemeClr val="phClr">
+                <a:shade val="30000"/>
+                <a:satMod val="200000"/>
+              </a:schemeClr>
+            </a:gs>
+          </a:gsLst>
+          <a:path path="circle">
+            <a:fillToRect l="50000" t="50000" r="50000" b="50000"/>
+          </a:path>
+        </a:gradFill>
+      </a:bgFillStyleLst>
+    </a:fmtScheme>
+  </a:themeElements>
+  <a:objectDefaults/>
+  <a:extraClrSchemeLst/>
+</a:theme>
 </file>
--- a/documentation/CLASS Modeler - Architecture.pptx
+++ b/documentation/CLASS Modeler - Architecture.pptx
@@ -5,10 +5,11 @@
     <p:sldMasterId id="2147483648" r:id="rId1"/>
   </p:sldMasterIdLst>
   <p:notesMasterIdLst>
-    <p:notesMasterId r:id="rId3"/>
+    <p:notesMasterId r:id="rId4"/>
   </p:notesMasterIdLst>
   <p:sldIdLst>
     <p:sldId id="256" r:id="rId2"/>
+    <p:sldId id="257" r:id="rId3"/>
   </p:sldIdLst>
   <p:sldSz cx="9144000" cy="6858000" type="screen4x3"/>
   <p:notesSz cx="6858000" cy="9144000"/>
@@ -192,7 +193,7 @@
           <a:p>
             <a:fld id="{509A3F4F-0BA0-4B22-9A96-AD8854429484}" type="datetimeFigureOut">
               <a:rPr lang="es-CO" smtClean="0"/>
-              <a:t>31/08/2013</a:t>
+              <a:t>09/09/2013</a:t>
             </a:fld>
             <a:endParaRPr lang="es-CO"/>
           </a:p>
@@ -725,7 +726,7 @@
           <a:p>
             <a:fld id="{C9465191-5304-47B4-B0A3-6FBFCBDFE76C}" type="datetimeFigureOut">
               <a:rPr lang="es-CO" smtClean="0"/>
-              <a:t>31/08/2013</a:t>
+              <a:t>09/09/2013</a:t>
             </a:fld>
             <a:endParaRPr lang="es-CO"/>
           </a:p>
@@ -895,7 +896,7 @@
           <a:p>
             <a:fld id="{C9465191-5304-47B4-B0A3-6FBFCBDFE76C}" type="datetimeFigureOut">
               <a:rPr lang="es-CO" smtClean="0"/>
-              <a:t>31/08/2013</a:t>
+              <a:t>09/09/2013</a:t>
             </a:fld>
             <a:endParaRPr lang="es-CO"/>
           </a:p>
@@ -1075,7 +1076,7 @@
           <a:p>
             <a:fld id="{C9465191-5304-47B4-B0A3-6FBFCBDFE76C}" type="datetimeFigureOut">
               <a:rPr lang="es-CO" smtClean="0"/>
-              <a:t>31/08/2013</a:t>
+              <a:t>09/09/2013</a:t>
             </a:fld>
             <a:endParaRPr lang="es-CO"/>
           </a:p>
@@ -1245,7 +1246,7 @@
           <a:p>
             <a:fld id="{C9465191-5304-47B4-B0A3-6FBFCBDFE76C}" type="datetimeFigureOut">
               <a:rPr lang="es-CO" smtClean="0"/>
-              <a:t>31/08/2013</a:t>
+              <a:t>09/09/2013</a:t>
             </a:fld>
             <a:endParaRPr lang="es-CO"/>
           </a:p>
@@ -1491,7 +1492,7 @@
           <a:p>
             <a:fld id="{C9465191-5304-47B4-B0A3-6FBFCBDFE76C}" type="datetimeFigureOut">
               <a:rPr lang="es-CO" smtClean="0"/>
-              <a:t>31/08/2013</a:t>
+              <a:t>09/09/2013</a:t>
             </a:fld>
             <a:endParaRPr lang="es-CO"/>
           </a:p>
@@ -1779,7 +1780,7 @@
           <a:p>
             <a:fld id="{C9465191-5304-47B4-B0A3-6FBFCBDFE76C}" type="datetimeFigureOut">
               <a:rPr lang="es-CO" smtClean="0"/>
-              <a:t>31/08/2013</a:t>
+              <a:t>09/09/2013</a:t>
             </a:fld>
             <a:endParaRPr lang="es-CO"/>
           </a:p>
@@ -2201,7 +2202,7 @@
           <a:p>
             <a:fld id="{C9465191-5304-47B4-B0A3-6FBFCBDFE76C}" type="datetimeFigureOut">
               <a:rPr lang="es-CO" smtClean="0"/>
-              <a:t>31/08/2013</a:t>
+              <a:t>09/09/2013</a:t>
             </a:fld>
             <a:endParaRPr lang="es-CO"/>
           </a:p>
@@ -2319,7 +2320,7 @@
           <a:p>
             <a:fld id="{C9465191-5304-47B4-B0A3-6FBFCBDFE76C}" type="datetimeFigureOut">
               <a:rPr lang="es-CO" smtClean="0"/>
-              <a:t>31/08/2013</a:t>
+              <a:t>09/09/2013</a:t>
             </a:fld>
             <a:endParaRPr lang="es-CO"/>
           </a:p>
@@ -2414,7 +2415,7 @@
           <a:p>
             <a:fld id="{C9465191-5304-47B4-B0A3-6FBFCBDFE76C}" type="datetimeFigureOut">
               <a:rPr lang="es-CO" smtClean="0"/>
-              <a:t>31/08/2013</a:t>
+              <a:t>09/09/2013</a:t>
             </a:fld>
             <a:endParaRPr lang="es-CO"/>
           </a:p>
@@ -2691,7 +2692,7 @@
           <a:p>
             <a:fld id="{C9465191-5304-47B4-B0A3-6FBFCBDFE76C}" type="datetimeFigureOut">
               <a:rPr lang="es-CO" smtClean="0"/>
-              <a:t>31/08/2013</a:t>
+              <a:t>09/09/2013</a:t>
             </a:fld>
             <a:endParaRPr lang="es-CO"/>
           </a:p>
@@ -2944,7 +2945,7 @@
           <a:p>
             <a:fld id="{C9465191-5304-47B4-B0A3-6FBFCBDFE76C}" type="datetimeFigureOut">
               <a:rPr lang="es-CO" smtClean="0"/>
-              <a:t>31/08/2013</a:t>
+              <a:t>09/09/2013</a:t>
             </a:fld>
             <a:endParaRPr lang="es-CO"/>
           </a:p>
@@ -3157,7 +3158,7 @@
           <a:p>
             <a:fld id="{C9465191-5304-47B4-B0A3-6FBFCBDFE76C}" type="datetimeFigureOut">
               <a:rPr lang="es-CO" smtClean="0"/>
-              <a:t>31/08/2013</a:t>
+              <a:t>09/09/2013</a:t>
             </a:fld>
             <a:endParaRPr lang="es-CO"/>
           </a:p>
@@ -3713,11 +3714,7 @@
               <a:p>
                 <a:r>
                   <a:rPr lang="es-MX" dirty="0" smtClean="0"/>
-                  <a:t>Cliente </a:t>
-                </a:r>
-                <a:r>
-                  <a:rPr lang="es-MX" dirty="0" smtClean="0"/>
-                  <a:t>(Navegador Web)</a:t>
+                  <a:t>Cliente (Navegador Web)</a:t>
                 </a:r>
                 <a:endParaRPr lang="es-CO" dirty="0"/>
               </a:p>
@@ -5040,6 +5037,36 @@
 </p:sld>
 </file>
 
+<file path=ppt/slides/slide2.xml><?xml version="1.0" encoding="utf-8"?>
+<p:sld xmlns:a="http://schemas.openxmlformats.org/drawingml/2006/main" xmlns:r="http://schemas.openxmlformats.org/officeDocument/2006/relationships" xmlns:p="http://schemas.openxmlformats.org/presentationml/2006/main">
+  <p:cSld>
+    <p:spTree>
+      <p:nvGrpSpPr>
+        <p:cNvPr id="1" name=""/>
+        <p:cNvGrpSpPr/>
+        <p:nvPr/>
+      </p:nvGrpSpPr>
+      <p:grpSpPr>
+        <a:xfrm>
+          <a:off x="0" y="0"/>
+          <a:ext cx="0" cy="0"/>
+          <a:chOff x="0" y="0"/>
+          <a:chExt cx="0" cy="0"/>
+        </a:xfrm>
+      </p:grpSpPr>
+    </p:spTree>
+    <p:extLst>
+      <p:ext uri="{BB962C8B-B14F-4D97-AF65-F5344CB8AC3E}">
+        <p14:creationId xmlns:p14="http://schemas.microsoft.com/office/powerpoint/2010/main" val="3685214909"/>
+      </p:ext>
+    </p:extLst>
+  </p:cSld>
+  <p:clrMapOvr>
+    <a:masterClrMapping/>
+  </p:clrMapOvr>
+</p:sld>
+</file>
+
 <file path=ppt/theme/theme1.xml><?xml version="1.0" encoding="utf-8"?>
 <a:theme xmlns:a="http://schemas.openxmlformats.org/drawingml/2006/main" name="Tema de Office">
   <a:themeElements>

--- a/documentation/CLASS Modeler - Architecture.pptx
+++ b/documentation/CLASS Modeler - Architecture.pptx
@@ -3609,62 +3609,100 @@
           </a:p>
         </p:txBody>
       </p:sp>
+      <p:sp>
+        <p:nvSpPr>
+          <p:cNvPr id="6" name="5 Cilindro"/>
+          <p:cNvSpPr/>
+          <p:nvPr/>
+        </p:nvSpPr>
+        <p:spPr>
+          <a:xfrm>
+            <a:off x="3707904" y="6525344"/>
+            <a:ext cx="1584176" cy="648072"/>
+          </a:xfrm>
+          <a:prstGeom prst="can">
+            <a:avLst/>
+          </a:prstGeom>
+        </p:spPr>
+        <p:style>
+          <a:lnRef idx="1">
+            <a:schemeClr val="accent1"/>
+          </a:lnRef>
+          <a:fillRef idx="3">
+            <a:schemeClr val="accent1"/>
+          </a:fillRef>
+          <a:effectRef idx="2">
+            <a:schemeClr val="accent1"/>
+          </a:effectRef>
+          <a:fontRef idx="minor">
+            <a:schemeClr val="lt1"/>
+          </a:fontRef>
+        </p:style>
+        <p:txBody>
+          <a:bodyPr rtlCol="0" anchor="ctr"/>
+          <a:lstStyle/>
+          <a:p>
+            <a:pPr algn="ctr"/>
+            <a:r>
+              <a:rPr lang="es-MX" dirty="0" smtClean="0"/>
+              <a:t>Datos</a:t>
+            </a:r>
+            <a:endParaRPr lang="es-CO" dirty="0"/>
+          </a:p>
+        </p:txBody>
+      </p:sp>
+      <p:cxnSp>
+        <p:nvCxnSpPr>
+          <p:cNvPr id="26" name="25 Conector recto"/>
+          <p:cNvCxnSpPr/>
+          <p:nvPr/>
+        </p:nvCxnSpPr>
+        <p:spPr>
+          <a:xfrm>
+            <a:off x="1785843" y="5373216"/>
+            <a:ext cx="5522461" cy="0"/>
+          </a:xfrm>
+          <a:prstGeom prst="line">
+            <a:avLst/>
+          </a:prstGeom>
+          <a:ln w="19050">
+            <a:solidFill>
+              <a:schemeClr val="accent1">
+                <a:lumMod val="50000"/>
+              </a:schemeClr>
+            </a:solidFill>
+            <a:prstDash val="sysDash"/>
+          </a:ln>
+        </p:spPr>
+        <p:style>
+          <a:lnRef idx="1">
+            <a:schemeClr val="accent1"/>
+          </a:lnRef>
+          <a:fillRef idx="0">
+            <a:schemeClr val="accent1"/>
+          </a:fillRef>
+          <a:effectRef idx="0">
+            <a:schemeClr val="accent1"/>
+          </a:effectRef>
+          <a:fontRef idx="minor">
+            <a:schemeClr val="tx1"/>
+          </a:fontRef>
+        </p:style>
+      </p:cxnSp>
       <p:grpSp>
         <p:nvGrpSpPr>
-          <p:cNvPr id="62" name="61 Grupo"/>
+          <p:cNvPr id="13" name="12 Grupo"/>
           <p:cNvGrpSpPr/>
           <p:nvPr/>
         </p:nvGrpSpPr>
         <p:grpSpPr>
           <a:xfrm>
             <a:off x="801912" y="0"/>
-            <a:ext cx="7370488" cy="7173416"/>
+            <a:ext cx="7370488" cy="6458936"/>
             <a:chOff x="801912" y="0"/>
-            <a:chExt cx="7370488" cy="7173416"/>
+            <a:chExt cx="7370488" cy="6458936"/>
           </a:xfrm>
         </p:grpSpPr>
-        <p:sp>
-          <p:nvSpPr>
-            <p:cNvPr id="6" name="5 Cilindro"/>
-            <p:cNvSpPr/>
-            <p:nvPr/>
-          </p:nvSpPr>
-          <p:spPr>
-            <a:xfrm>
-              <a:off x="3707904" y="6525344"/>
-              <a:ext cx="1584176" cy="648072"/>
-            </a:xfrm>
-            <a:prstGeom prst="can">
-              <a:avLst/>
-            </a:prstGeom>
-          </p:spPr>
-          <p:style>
-            <a:lnRef idx="1">
-              <a:schemeClr val="accent1"/>
-            </a:lnRef>
-            <a:fillRef idx="3">
-              <a:schemeClr val="accent1"/>
-            </a:fillRef>
-            <a:effectRef idx="2">
-              <a:schemeClr val="accent1"/>
-            </a:effectRef>
-            <a:fontRef idx="minor">
-              <a:schemeClr val="lt1"/>
-            </a:fontRef>
-          </p:style>
-          <p:txBody>
-            <a:bodyPr rtlCol="0" anchor="ctr"/>
-            <a:lstStyle/>
-            <a:p>
-              <a:pPr algn="ctr"/>
-              <a:r>
-                <a:rPr lang="es-MX" dirty="0" smtClean="0"/>
-                <a:t>Datos</a:t>
-              </a:r>
-              <a:endParaRPr lang="es-CO" dirty="0"/>
-            </a:p>
-          </p:txBody>
-        </p:sp>
         <p:grpSp>
           <p:nvGrpSpPr>
             <p:cNvPr id="3" name="2 Grupo"/>
@@ -4040,7 +4078,7 @@
         </p:grpSp>
         <p:grpSp>
           <p:nvGrpSpPr>
-            <p:cNvPr id="61" name="60 Grupo"/>
+            <p:cNvPr id="12" name="11 Grupo"/>
             <p:cNvGrpSpPr/>
             <p:nvPr/>
           </p:nvGrpSpPr>
@@ -4170,391 +4208,6 @@
               </a:p>
             </p:txBody>
           </p:sp>
-          <p:grpSp>
-            <p:nvGrpSpPr>
-              <p:cNvPr id="25" name="24 Grupo"/>
-              <p:cNvGrpSpPr/>
-              <p:nvPr/>
-            </p:nvGrpSpPr>
-            <p:grpSpPr>
-              <a:xfrm>
-                <a:off x="1547664" y="3671223"/>
-                <a:ext cx="5832648" cy="2638097"/>
-                <a:chOff x="1979712" y="3671223"/>
-                <a:chExt cx="5832648" cy="2638097"/>
-              </a:xfrm>
-            </p:grpSpPr>
-            <p:sp>
-              <p:nvSpPr>
-                <p:cNvPr id="9" name="8 Rectángulo"/>
-                <p:cNvSpPr/>
-                <p:nvPr/>
-              </p:nvSpPr>
-              <p:spPr>
-                <a:xfrm>
-                  <a:off x="1979712" y="3671223"/>
-                  <a:ext cx="5832648" cy="2638097"/>
-                </a:xfrm>
-                <a:prstGeom prst="rect">
-                  <a:avLst/>
-                </a:prstGeom>
-              </p:spPr>
-              <p:style>
-                <a:lnRef idx="1">
-                  <a:schemeClr val="accent2"/>
-                </a:lnRef>
-                <a:fillRef idx="3">
-                  <a:schemeClr val="accent2"/>
-                </a:fillRef>
-                <a:effectRef idx="2">
-                  <a:schemeClr val="accent2"/>
-                </a:effectRef>
-                <a:fontRef idx="minor">
-                  <a:schemeClr val="lt1"/>
-                </a:fontRef>
-              </p:style>
-              <p:txBody>
-                <a:bodyPr rtlCol="0" anchor="ctr"/>
-                <a:lstStyle/>
-                <a:p>
-                  <a:pPr algn="ctr"/>
-                  <a:endParaRPr lang="es-CO"/>
-                </a:p>
-              </p:txBody>
-            </p:sp>
-            <p:grpSp>
-              <p:nvGrpSpPr>
-                <p:cNvPr id="40" name="39 Grupo"/>
-                <p:cNvGrpSpPr/>
-                <p:nvPr/>
-              </p:nvGrpSpPr>
-              <p:grpSpPr>
-                <a:xfrm>
-                  <a:off x="3304191" y="5589240"/>
-                  <a:ext cx="3284033" cy="504056"/>
-                  <a:chOff x="3304191" y="5228689"/>
-                  <a:chExt cx="3284033" cy="504056"/>
-                </a:xfrm>
-              </p:grpSpPr>
-              <p:sp>
-                <p:nvSpPr>
-                  <p:cNvPr id="29" name="28 Rectángulo"/>
-                  <p:cNvSpPr/>
-                  <p:nvPr/>
-                </p:nvSpPr>
-                <p:spPr>
-                  <a:xfrm>
-                    <a:off x="3304191" y="5228689"/>
-                    <a:ext cx="1314146" cy="504056"/>
-                  </a:xfrm>
-                  <a:prstGeom prst="rect">
-                    <a:avLst/>
-                  </a:prstGeom>
-                </p:spPr>
-                <p:style>
-                  <a:lnRef idx="1">
-                    <a:schemeClr val="accent5"/>
-                  </a:lnRef>
-                  <a:fillRef idx="3">
-                    <a:schemeClr val="accent5"/>
-                  </a:fillRef>
-                  <a:effectRef idx="2">
-                    <a:schemeClr val="accent5"/>
-                  </a:effectRef>
-                  <a:fontRef idx="minor">
-                    <a:schemeClr val="lt1"/>
-                  </a:fontRef>
-                </p:style>
-                <p:txBody>
-                  <a:bodyPr rtlCol="0" anchor="ctr"/>
-                  <a:lstStyle/>
-                  <a:p>
-                    <a:pPr algn="ctr"/>
-                    <a:r>
-                      <a:rPr lang="es-MX" dirty="0" smtClean="0"/>
-                      <a:t>JPA</a:t>
-                    </a:r>
-                    <a:endParaRPr lang="es-CO" dirty="0"/>
-                  </a:p>
-                </p:txBody>
-              </p:sp>
-              <p:sp>
-                <p:nvSpPr>
-                  <p:cNvPr id="30" name="29 Rectángulo"/>
-                  <p:cNvSpPr/>
-                  <p:nvPr/>
-                </p:nvSpPr>
-                <p:spPr>
-                  <a:xfrm>
-                    <a:off x="5184068" y="5228689"/>
-                    <a:ext cx="1404156" cy="504056"/>
-                  </a:xfrm>
-                  <a:prstGeom prst="rect">
-                    <a:avLst/>
-                  </a:prstGeom>
-                </p:spPr>
-                <p:style>
-                  <a:lnRef idx="1">
-                    <a:schemeClr val="accent5"/>
-                  </a:lnRef>
-                  <a:fillRef idx="3">
-                    <a:schemeClr val="accent5"/>
-                  </a:fillRef>
-                  <a:effectRef idx="2">
-                    <a:schemeClr val="accent5"/>
-                  </a:effectRef>
-                  <a:fontRef idx="minor">
-                    <a:schemeClr val="lt1"/>
-                  </a:fontRef>
-                </p:style>
-                <p:txBody>
-                  <a:bodyPr rtlCol="0" anchor="ctr"/>
-                  <a:lstStyle/>
-                  <a:p>
-                    <a:pPr algn="ctr"/>
-                    <a:r>
-                      <a:rPr lang="es-MX" dirty="0" smtClean="0"/>
-                      <a:t>JDBC</a:t>
-                    </a:r>
-                    <a:endParaRPr lang="es-CO" dirty="0"/>
-                  </a:p>
-                </p:txBody>
-              </p:sp>
-            </p:grpSp>
-            <p:grpSp>
-              <p:nvGrpSpPr>
-                <p:cNvPr id="39" name="38 Grupo"/>
-                <p:cNvGrpSpPr/>
-                <p:nvPr/>
-              </p:nvGrpSpPr>
-              <p:grpSpPr>
-                <a:xfrm>
-                  <a:off x="2397460" y="3884876"/>
-                  <a:ext cx="5184576" cy="1357325"/>
-                  <a:chOff x="2397460" y="3596333"/>
-                  <a:chExt cx="5184576" cy="1357325"/>
-                </a:xfrm>
-              </p:grpSpPr>
-              <p:sp>
-                <p:nvSpPr>
-                  <p:cNvPr id="31" name="30 Rectángulo"/>
-                  <p:cNvSpPr/>
-                  <p:nvPr/>
-                </p:nvSpPr>
-                <p:spPr>
-                  <a:xfrm>
-                    <a:off x="2397460" y="3601294"/>
-                    <a:ext cx="1641884" cy="375743"/>
-                  </a:xfrm>
-                  <a:prstGeom prst="rect">
-                    <a:avLst/>
-                  </a:prstGeom>
-                </p:spPr>
-                <p:style>
-                  <a:lnRef idx="1">
-                    <a:schemeClr val="accent5"/>
-                  </a:lnRef>
-                  <a:fillRef idx="3">
-                    <a:schemeClr val="accent5"/>
-                  </a:fillRef>
-                  <a:effectRef idx="2">
-                    <a:schemeClr val="accent5"/>
-                  </a:effectRef>
-                  <a:fontRef idx="minor">
-                    <a:schemeClr val="lt1"/>
-                  </a:fontRef>
-                </p:style>
-                <p:txBody>
-                  <a:bodyPr rtlCol="0" anchor="ctr"/>
-                  <a:lstStyle/>
-                  <a:p>
-                    <a:pPr algn="ctr"/>
-                    <a:r>
-                      <a:rPr lang="es-MX" sz="1600" dirty="0" err="1" smtClean="0"/>
-                      <a:t>JavaMail</a:t>
-                    </a:r>
-                    <a:endParaRPr lang="es-CO" sz="1600" dirty="0"/>
-                  </a:p>
-                </p:txBody>
-              </p:sp>
-              <p:sp>
-                <p:nvSpPr>
-                  <p:cNvPr id="32" name="31 Rectángulo"/>
-                  <p:cNvSpPr/>
-                  <p:nvPr/>
-                </p:nvSpPr>
-                <p:spPr>
-                  <a:xfrm>
-                    <a:off x="2397460" y="4091929"/>
-                    <a:ext cx="5184576" cy="861729"/>
-                  </a:xfrm>
-                  <a:prstGeom prst="rect">
-                    <a:avLst/>
-                  </a:prstGeom>
-                </p:spPr>
-                <p:style>
-                  <a:lnRef idx="1">
-                    <a:schemeClr val="accent6"/>
-                  </a:lnRef>
-                  <a:fillRef idx="3">
-                    <a:schemeClr val="accent6"/>
-                  </a:fillRef>
-                  <a:effectRef idx="2">
-                    <a:schemeClr val="accent6"/>
-                  </a:effectRef>
-                  <a:fontRef idx="minor">
-                    <a:schemeClr val="lt1"/>
-                  </a:fontRef>
-                </p:style>
-                <p:txBody>
-                  <a:bodyPr rtlCol="0" anchor="ctr"/>
-                  <a:lstStyle/>
-                  <a:p>
-                    <a:pPr algn="ctr"/>
-                    <a:r>
-                      <a:rPr lang="es-MX" dirty="0" smtClean="0"/>
-                      <a:t>Enterprise Java </a:t>
-                    </a:r>
-                    <a:r>
-                      <a:rPr lang="es-MX" dirty="0" err="1" smtClean="0"/>
-                      <a:t>Beans</a:t>
-                    </a:r>
-                    <a:endParaRPr lang="es-CO" dirty="0"/>
-                  </a:p>
-                </p:txBody>
-              </p:sp>
-              <p:sp>
-                <p:nvSpPr>
-                  <p:cNvPr id="33" name="32 Rectángulo"/>
-                  <p:cNvSpPr/>
-                  <p:nvPr/>
-                </p:nvSpPr>
-                <p:spPr>
-                  <a:xfrm>
-                    <a:off x="5940152" y="3601294"/>
-                    <a:ext cx="1641884" cy="385663"/>
-                  </a:xfrm>
-                  <a:prstGeom prst="rect">
-                    <a:avLst/>
-                  </a:prstGeom>
-                </p:spPr>
-                <p:style>
-                  <a:lnRef idx="1">
-                    <a:schemeClr val="accent5"/>
-                  </a:lnRef>
-                  <a:fillRef idx="3">
-                    <a:schemeClr val="accent5"/>
-                  </a:fillRef>
-                  <a:effectRef idx="2">
-                    <a:schemeClr val="accent5"/>
-                  </a:effectRef>
-                  <a:fontRef idx="minor">
-                    <a:schemeClr val="lt1"/>
-                  </a:fontRef>
-                </p:style>
-                <p:txBody>
-                  <a:bodyPr rtlCol="0" anchor="ctr"/>
-                  <a:lstStyle/>
-                  <a:p>
-                    <a:pPr algn="ctr"/>
-                    <a:r>
-                      <a:rPr lang="es-MX" sz="1600" dirty="0" smtClean="0"/>
-                      <a:t>Eclipse UML2</a:t>
-                    </a:r>
-                    <a:endParaRPr lang="es-CO" sz="1600" dirty="0"/>
-                  </a:p>
-                </p:txBody>
-              </p:sp>
-              <p:sp>
-                <p:nvSpPr>
-                  <p:cNvPr id="34" name="33 Rectángulo"/>
-                  <p:cNvSpPr/>
-                  <p:nvPr/>
-                </p:nvSpPr>
-                <p:spPr>
-                  <a:xfrm>
-                    <a:off x="4168984" y="3596333"/>
-                    <a:ext cx="1641884" cy="385663"/>
-                  </a:xfrm>
-                  <a:prstGeom prst="rect">
-                    <a:avLst/>
-                  </a:prstGeom>
-                </p:spPr>
-                <p:style>
-                  <a:lnRef idx="1">
-                    <a:schemeClr val="accent5"/>
-                  </a:lnRef>
-                  <a:fillRef idx="3">
-                    <a:schemeClr val="accent5"/>
-                  </a:fillRef>
-                  <a:effectRef idx="2">
-                    <a:schemeClr val="accent5"/>
-                  </a:effectRef>
-                  <a:fontRef idx="minor">
-                    <a:schemeClr val="lt1"/>
-                  </a:fontRef>
-                </p:style>
-                <p:txBody>
-                  <a:bodyPr rtlCol="0" anchor="ctr"/>
-                  <a:lstStyle/>
-                  <a:p>
-                    <a:pPr algn="ctr"/>
-                    <a:r>
-                      <a:rPr lang="es-MX" sz="1600" dirty="0" err="1" smtClean="0"/>
-                      <a:t>mxGraph</a:t>
-                    </a:r>
-                    <a:r>
-                      <a:rPr lang="es-MX" sz="1600" dirty="0" smtClean="0"/>
-                      <a:t> </a:t>
-                    </a:r>
-                    <a:r>
-                      <a:rPr lang="es-MX" sz="1600" dirty="0" err="1" smtClean="0"/>
-                      <a:t>Core</a:t>
-                    </a:r>
-                    <a:endParaRPr lang="es-CO" sz="1600" dirty="0"/>
-                  </a:p>
-                </p:txBody>
-              </p:sp>
-            </p:grpSp>
-            <p:cxnSp>
-              <p:nvCxnSpPr>
-                <p:cNvPr id="26" name="25 Conector recto"/>
-                <p:cNvCxnSpPr/>
-                <p:nvPr/>
-              </p:nvCxnSpPr>
-              <p:spPr>
-                <a:xfrm>
-                  <a:off x="2217891" y="5373216"/>
-                  <a:ext cx="5522461" cy="0"/>
-                </a:xfrm>
-                <a:prstGeom prst="line">
-                  <a:avLst/>
-                </a:prstGeom>
-                <a:ln w="19050">
-                  <a:solidFill>
-                    <a:schemeClr val="accent1">
-                      <a:lumMod val="50000"/>
-                    </a:schemeClr>
-                  </a:solidFill>
-                  <a:prstDash val="sysDash"/>
-                </a:ln>
-              </p:spPr>
-              <p:style>
-                <a:lnRef idx="1">
-                  <a:schemeClr val="accent1"/>
-                </a:lnRef>
-                <a:fillRef idx="0">
-                  <a:schemeClr val="accent1"/>
-                </a:fillRef>
-                <a:effectRef idx="0">
-                  <a:schemeClr val="accent1"/>
-                </a:effectRef>
-                <a:fontRef idx="minor">
-                  <a:schemeClr val="tx1"/>
-                </a:fontRef>
-              </p:style>
-            </p:cxnSp>
-          </p:grpSp>
           <p:grpSp>
             <p:nvGrpSpPr>
               <p:cNvPr id="58" name="57 Grupo"/>
@@ -5022,6 +4675,429 @@
               </p:sp>
             </p:grpSp>
           </p:grpSp>
+          <p:grpSp>
+            <p:nvGrpSpPr>
+              <p:cNvPr id="7" name="6 Grupo"/>
+              <p:cNvGrpSpPr/>
+              <p:nvPr/>
+            </p:nvGrpSpPr>
+            <p:grpSpPr>
+              <a:xfrm>
+                <a:off x="1547664" y="3671223"/>
+                <a:ext cx="5832648" cy="2696664"/>
+                <a:chOff x="1547664" y="3671223"/>
+                <a:chExt cx="5832648" cy="2696664"/>
+              </a:xfrm>
+            </p:grpSpPr>
+            <p:sp>
+              <p:nvSpPr>
+                <p:cNvPr id="9" name="8 Rectángulo"/>
+                <p:cNvSpPr/>
+                <p:nvPr/>
+              </p:nvSpPr>
+              <p:spPr>
+                <a:xfrm>
+                  <a:off x="1547664" y="3671223"/>
+                  <a:ext cx="5832648" cy="2638097"/>
+                </a:xfrm>
+                <a:prstGeom prst="rect">
+                  <a:avLst/>
+                </a:prstGeom>
+              </p:spPr>
+              <p:style>
+                <a:lnRef idx="1">
+                  <a:schemeClr val="accent2"/>
+                </a:lnRef>
+                <a:fillRef idx="3">
+                  <a:schemeClr val="accent2"/>
+                </a:fillRef>
+                <a:effectRef idx="2">
+                  <a:schemeClr val="accent2"/>
+                </a:effectRef>
+                <a:fontRef idx="minor">
+                  <a:schemeClr val="lt1"/>
+                </a:fontRef>
+              </p:style>
+              <p:txBody>
+                <a:bodyPr rtlCol="0" anchor="ctr"/>
+                <a:lstStyle/>
+                <a:p>
+                  <a:pPr algn="ctr"/>
+                  <a:endParaRPr lang="es-CO"/>
+                </a:p>
+              </p:txBody>
+            </p:sp>
+            <p:grpSp>
+              <p:nvGrpSpPr>
+                <p:cNvPr id="40" name="39 Grupo"/>
+                <p:cNvGrpSpPr/>
+                <p:nvPr/>
+              </p:nvGrpSpPr>
+              <p:grpSpPr>
+                <a:xfrm>
+                  <a:off x="2872143" y="5589240"/>
+                  <a:ext cx="3284033" cy="504056"/>
+                  <a:chOff x="3304191" y="5228689"/>
+                  <a:chExt cx="3284033" cy="504056"/>
+                </a:xfrm>
+              </p:grpSpPr>
+              <p:sp>
+                <p:nvSpPr>
+                  <p:cNvPr id="29" name="28 Rectángulo"/>
+                  <p:cNvSpPr/>
+                  <p:nvPr/>
+                </p:nvSpPr>
+                <p:spPr>
+                  <a:xfrm>
+                    <a:off x="3304191" y="5228689"/>
+                    <a:ext cx="1314146" cy="504056"/>
+                  </a:xfrm>
+                  <a:prstGeom prst="rect">
+                    <a:avLst/>
+                  </a:prstGeom>
+                </p:spPr>
+                <p:style>
+                  <a:lnRef idx="1">
+                    <a:schemeClr val="accent5"/>
+                  </a:lnRef>
+                  <a:fillRef idx="3">
+                    <a:schemeClr val="accent5"/>
+                  </a:fillRef>
+                  <a:effectRef idx="2">
+                    <a:schemeClr val="accent5"/>
+                  </a:effectRef>
+                  <a:fontRef idx="minor">
+                    <a:schemeClr val="lt1"/>
+                  </a:fontRef>
+                </p:style>
+                <p:txBody>
+                  <a:bodyPr rtlCol="0" anchor="ctr"/>
+                  <a:lstStyle/>
+                  <a:p>
+                    <a:pPr algn="ctr"/>
+                    <a:r>
+                      <a:rPr lang="es-MX" dirty="0" smtClean="0"/>
+                      <a:t>JPA</a:t>
+                    </a:r>
+                    <a:endParaRPr lang="es-CO" dirty="0"/>
+                  </a:p>
+                </p:txBody>
+              </p:sp>
+              <p:sp>
+                <p:nvSpPr>
+                  <p:cNvPr id="30" name="29 Rectángulo"/>
+                  <p:cNvSpPr/>
+                  <p:nvPr/>
+                </p:nvSpPr>
+                <p:spPr>
+                  <a:xfrm>
+                    <a:off x="5184068" y="5228689"/>
+                    <a:ext cx="1404156" cy="504056"/>
+                  </a:xfrm>
+                  <a:prstGeom prst="rect">
+                    <a:avLst/>
+                  </a:prstGeom>
+                </p:spPr>
+                <p:style>
+                  <a:lnRef idx="1">
+                    <a:schemeClr val="accent5"/>
+                  </a:lnRef>
+                  <a:fillRef idx="3">
+                    <a:schemeClr val="accent5"/>
+                  </a:fillRef>
+                  <a:effectRef idx="2">
+                    <a:schemeClr val="accent5"/>
+                  </a:effectRef>
+                  <a:fontRef idx="minor">
+                    <a:schemeClr val="lt1"/>
+                  </a:fontRef>
+                </p:style>
+                <p:txBody>
+                  <a:bodyPr rtlCol="0" anchor="ctr"/>
+                  <a:lstStyle/>
+                  <a:p>
+                    <a:pPr algn="ctr"/>
+                    <a:r>
+                      <a:rPr lang="es-MX" dirty="0" smtClean="0"/>
+                      <a:t>JDBC</a:t>
+                    </a:r>
+                    <a:endParaRPr lang="es-CO" dirty="0"/>
+                  </a:p>
+                </p:txBody>
+              </p:sp>
+            </p:grpSp>
+            <p:grpSp>
+              <p:nvGrpSpPr>
+                <p:cNvPr id="39" name="38 Grupo"/>
+                <p:cNvGrpSpPr/>
+                <p:nvPr/>
+              </p:nvGrpSpPr>
+              <p:grpSpPr>
+                <a:xfrm>
+                  <a:off x="1965412" y="3884876"/>
+                  <a:ext cx="5184576" cy="1357325"/>
+                  <a:chOff x="2397460" y="3596333"/>
+                  <a:chExt cx="5184576" cy="1357325"/>
+                </a:xfrm>
+              </p:grpSpPr>
+              <p:sp>
+                <p:nvSpPr>
+                  <p:cNvPr id="31" name="30 Rectángulo"/>
+                  <p:cNvSpPr/>
+                  <p:nvPr/>
+                </p:nvSpPr>
+                <p:spPr>
+                  <a:xfrm>
+                    <a:off x="2397460" y="3601294"/>
+                    <a:ext cx="1641884" cy="375743"/>
+                  </a:xfrm>
+                  <a:prstGeom prst="rect">
+                    <a:avLst/>
+                  </a:prstGeom>
+                </p:spPr>
+                <p:style>
+                  <a:lnRef idx="1">
+                    <a:schemeClr val="accent5"/>
+                  </a:lnRef>
+                  <a:fillRef idx="3">
+                    <a:schemeClr val="accent5"/>
+                  </a:fillRef>
+                  <a:effectRef idx="2">
+                    <a:schemeClr val="accent5"/>
+                  </a:effectRef>
+                  <a:fontRef idx="minor">
+                    <a:schemeClr val="lt1"/>
+                  </a:fontRef>
+                </p:style>
+                <p:txBody>
+                  <a:bodyPr rtlCol="0" anchor="ctr"/>
+                  <a:lstStyle/>
+                  <a:p>
+                    <a:pPr algn="ctr"/>
+                    <a:r>
+                      <a:rPr lang="es-MX" sz="1600" dirty="0" err="1" smtClean="0"/>
+                      <a:t>JavaMail</a:t>
+                    </a:r>
+                    <a:endParaRPr lang="es-CO" sz="1600" dirty="0"/>
+                  </a:p>
+                </p:txBody>
+              </p:sp>
+              <p:sp>
+                <p:nvSpPr>
+                  <p:cNvPr id="32" name="31 Rectángulo"/>
+                  <p:cNvSpPr/>
+                  <p:nvPr/>
+                </p:nvSpPr>
+                <p:spPr>
+                  <a:xfrm>
+                    <a:off x="2397460" y="4091929"/>
+                    <a:ext cx="5184576" cy="861729"/>
+                  </a:xfrm>
+                  <a:prstGeom prst="rect">
+                    <a:avLst/>
+                  </a:prstGeom>
+                </p:spPr>
+                <p:style>
+                  <a:lnRef idx="1">
+                    <a:schemeClr val="accent6"/>
+                  </a:lnRef>
+                  <a:fillRef idx="3">
+                    <a:schemeClr val="accent6"/>
+                  </a:fillRef>
+                  <a:effectRef idx="2">
+                    <a:schemeClr val="accent6"/>
+                  </a:effectRef>
+                  <a:fontRef idx="minor">
+                    <a:schemeClr val="lt1"/>
+                  </a:fontRef>
+                </p:style>
+                <p:txBody>
+                  <a:bodyPr rtlCol="0" anchor="ctr"/>
+                  <a:lstStyle/>
+                  <a:p>
+                    <a:pPr algn="ctr"/>
+                    <a:r>
+                      <a:rPr lang="es-MX" dirty="0" smtClean="0"/>
+                      <a:t>Enterprise Java </a:t>
+                    </a:r>
+                    <a:r>
+                      <a:rPr lang="es-MX" dirty="0" err="1" smtClean="0"/>
+                      <a:t>Beans</a:t>
+                    </a:r>
+                    <a:endParaRPr lang="es-CO" dirty="0"/>
+                  </a:p>
+                </p:txBody>
+              </p:sp>
+              <p:sp>
+                <p:nvSpPr>
+                  <p:cNvPr id="33" name="32 Rectángulo"/>
+                  <p:cNvSpPr/>
+                  <p:nvPr/>
+                </p:nvSpPr>
+                <p:spPr>
+                  <a:xfrm>
+                    <a:off x="5940152" y="3601294"/>
+                    <a:ext cx="1641884" cy="385663"/>
+                  </a:xfrm>
+                  <a:prstGeom prst="rect">
+                    <a:avLst/>
+                  </a:prstGeom>
+                </p:spPr>
+                <p:style>
+                  <a:lnRef idx="1">
+                    <a:schemeClr val="accent5"/>
+                  </a:lnRef>
+                  <a:fillRef idx="3">
+                    <a:schemeClr val="accent5"/>
+                  </a:fillRef>
+                  <a:effectRef idx="2">
+                    <a:schemeClr val="accent5"/>
+                  </a:effectRef>
+                  <a:fontRef idx="minor">
+                    <a:schemeClr val="lt1"/>
+                  </a:fontRef>
+                </p:style>
+                <p:txBody>
+                  <a:bodyPr rtlCol="0" anchor="ctr"/>
+                  <a:lstStyle/>
+                  <a:p>
+                    <a:pPr algn="ctr"/>
+                    <a:r>
+                      <a:rPr lang="es-MX" sz="1600" dirty="0" smtClean="0"/>
+                      <a:t>Eclipse UML2</a:t>
+                    </a:r>
+                    <a:endParaRPr lang="es-CO" sz="1600" dirty="0"/>
+                  </a:p>
+                </p:txBody>
+              </p:sp>
+              <p:sp>
+                <p:nvSpPr>
+                  <p:cNvPr id="34" name="33 Rectángulo"/>
+                  <p:cNvSpPr/>
+                  <p:nvPr/>
+                </p:nvSpPr>
+                <p:spPr>
+                  <a:xfrm>
+                    <a:off x="4168984" y="3596333"/>
+                    <a:ext cx="1641884" cy="385663"/>
+                  </a:xfrm>
+                  <a:prstGeom prst="rect">
+                    <a:avLst/>
+                  </a:prstGeom>
+                </p:spPr>
+                <p:style>
+                  <a:lnRef idx="1">
+                    <a:schemeClr val="accent5"/>
+                  </a:lnRef>
+                  <a:fillRef idx="3">
+                    <a:schemeClr val="accent5"/>
+                  </a:fillRef>
+                  <a:effectRef idx="2">
+                    <a:schemeClr val="accent5"/>
+                  </a:effectRef>
+                  <a:fontRef idx="minor">
+                    <a:schemeClr val="lt1"/>
+                  </a:fontRef>
+                </p:style>
+                <p:txBody>
+                  <a:bodyPr rtlCol="0" anchor="ctr"/>
+                  <a:lstStyle/>
+                  <a:p>
+                    <a:pPr algn="ctr"/>
+                    <a:r>
+                      <a:rPr lang="es-MX" sz="1600" dirty="0" err="1" smtClean="0"/>
+                      <a:t>mxGraph</a:t>
+                    </a:r>
+                    <a:r>
+                      <a:rPr lang="es-MX" sz="1600" dirty="0" smtClean="0"/>
+                      <a:t> </a:t>
+                    </a:r>
+                    <a:r>
+                      <a:rPr lang="es-MX" sz="1600" dirty="0" err="1" smtClean="0"/>
+                      <a:t>Core</a:t>
+                    </a:r>
+                    <a:endParaRPr lang="es-CO" sz="1600" dirty="0"/>
+                  </a:p>
+                </p:txBody>
+              </p:sp>
+            </p:grpSp>
+            <p:sp>
+              <p:nvSpPr>
+                <p:cNvPr id="48" name="47 CuadroTexto"/>
+                <p:cNvSpPr txBox="1"/>
+                <p:nvPr/>
+              </p:nvSpPr>
+              <p:spPr>
+                <a:xfrm rot="16200000">
+                  <a:off x="922907" y="4298553"/>
+                  <a:ext cx="1557295" cy="307779"/>
+                </a:xfrm>
+                <a:prstGeom prst="rect">
+                  <a:avLst/>
+                </a:prstGeom>
+                <a:noFill/>
+              </p:spPr>
+              <p:txBody>
+                <a:bodyPr wrap="square" rtlCol="0">
+                  <a:spAutoFit/>
+                </a:bodyPr>
+                <a:lstStyle/>
+                <a:p>
+                  <a:r>
+                    <a:rPr lang="es-MX" sz="1400" dirty="0" smtClean="0">
+                      <a:solidFill>
+                        <a:schemeClr val="bg1"/>
+                      </a:solidFill>
+                    </a:rPr>
+                    <a:t>Lógica de negocio</a:t>
+                  </a:r>
+                  <a:endParaRPr lang="es-CO" sz="1400" dirty="0">
+                    <a:solidFill>
+                      <a:schemeClr val="bg1"/>
+                    </a:solidFill>
+                  </a:endParaRPr>
+                </a:p>
+              </p:txBody>
+            </p:sp>
+            <p:sp>
+              <p:nvSpPr>
+                <p:cNvPr id="52" name="51 CuadroTexto"/>
+                <p:cNvSpPr txBox="1"/>
+                <p:nvPr/>
+              </p:nvSpPr>
+              <p:spPr>
+                <a:xfrm rot="16200000">
+                  <a:off x="1126306" y="5634562"/>
+                  <a:ext cx="1158873" cy="307777"/>
+                </a:xfrm>
+                <a:prstGeom prst="rect">
+                  <a:avLst/>
+                </a:prstGeom>
+                <a:noFill/>
+              </p:spPr>
+              <p:txBody>
+                <a:bodyPr wrap="square" rtlCol="0">
+                  <a:spAutoFit/>
+                </a:bodyPr>
+                <a:lstStyle/>
+                <a:p>
+                  <a:r>
+                    <a:rPr lang="es-MX" sz="1400" dirty="0" smtClean="0">
+                      <a:solidFill>
+                        <a:schemeClr val="bg1"/>
+                      </a:solidFill>
+                    </a:rPr>
+                    <a:t>Presentación</a:t>
+                  </a:r>
+                  <a:endParaRPr lang="es-CO" sz="1400" dirty="0">
+                    <a:solidFill>
+                      <a:schemeClr val="bg1"/>
+                    </a:solidFill>
+                  </a:endParaRPr>
+                </a:p>
+              </p:txBody>
+            </p:sp>
+          </p:grpSp>
         </p:grpSp>
       </p:grpSp>
     </p:spTree>
@@ -5054,6 +5130,191 @@
           <a:chExt cx="0" cy="0"/>
         </a:xfrm>
       </p:grpSpPr>
+      <p:grpSp>
+        <p:nvGrpSpPr>
+          <p:cNvPr id="15" name="14 Grupo"/>
+          <p:cNvGrpSpPr/>
+          <p:nvPr/>
+        </p:nvGrpSpPr>
+        <p:grpSpPr>
+          <a:xfrm>
+            <a:off x="1187624" y="1052736"/>
+            <a:ext cx="6120680" cy="4392488"/>
+            <a:chOff x="1187624" y="1052736"/>
+            <a:chExt cx="6120680" cy="4392488"/>
+          </a:xfrm>
+        </p:grpSpPr>
+        <p:sp>
+          <p:nvSpPr>
+            <p:cNvPr id="2" name="1 Rectángulo redondeado"/>
+            <p:cNvSpPr/>
+            <p:nvPr/>
+          </p:nvSpPr>
+          <p:spPr>
+            <a:xfrm>
+              <a:off x="1187624" y="1052736"/>
+              <a:ext cx="6120680" cy="4392488"/>
+            </a:xfrm>
+            <a:prstGeom prst="roundRect">
+              <a:avLst>
+                <a:gd name="adj" fmla="val 3945"/>
+              </a:avLst>
+            </a:prstGeom>
+          </p:spPr>
+          <p:style>
+            <a:lnRef idx="1">
+              <a:schemeClr val="accent1"/>
+            </a:lnRef>
+            <a:fillRef idx="2">
+              <a:schemeClr val="accent1"/>
+            </a:fillRef>
+            <a:effectRef idx="1">
+              <a:schemeClr val="accent1"/>
+            </a:effectRef>
+            <a:fontRef idx="minor">
+              <a:schemeClr val="dk1"/>
+            </a:fontRef>
+          </p:style>
+          <p:txBody>
+            <a:bodyPr rtlCol="0" anchor="ctr"/>
+            <a:lstStyle/>
+            <a:p>
+              <a:pPr algn="ctr"/>
+              <a:r>
+                <a:rPr lang="es-MX" dirty="0" err="1" smtClean="0"/>
+                <a:t>CLASSModeler</a:t>
+              </a:r>
+              <a:endParaRPr lang="es-CO" dirty="0"/>
+            </a:p>
+          </p:txBody>
+        </p:sp>
+        <p:sp>
+          <p:nvSpPr>
+            <p:cNvPr id="3" name="2 Elipse"/>
+            <p:cNvSpPr/>
+            <p:nvPr/>
+          </p:nvSpPr>
+          <p:spPr>
+            <a:xfrm>
+              <a:off x="1386136" y="1463204"/>
+              <a:ext cx="2681808" cy="1224136"/>
+            </a:xfrm>
+            <a:prstGeom prst="ellipse">
+              <a:avLst/>
+            </a:prstGeom>
+          </p:spPr>
+          <p:style>
+            <a:lnRef idx="1">
+              <a:schemeClr val="accent4"/>
+            </a:lnRef>
+            <a:fillRef idx="2">
+              <a:schemeClr val="accent4"/>
+            </a:fillRef>
+            <a:effectRef idx="1">
+              <a:schemeClr val="accent4"/>
+            </a:effectRef>
+            <a:fontRef idx="minor">
+              <a:schemeClr val="dk1"/>
+            </a:fontRef>
+          </p:style>
+          <p:txBody>
+            <a:bodyPr rtlCol="0" anchor="ctr"/>
+            <a:lstStyle/>
+            <a:p>
+              <a:pPr algn="ctr"/>
+              <a:r>
+                <a:rPr lang="es-MX" dirty="0" err="1" smtClean="0"/>
+                <a:t>CLASSModelerEJB</a:t>
+              </a:r>
+              <a:endParaRPr lang="es-CO" dirty="0"/>
+            </a:p>
+          </p:txBody>
+        </p:sp>
+        <p:sp>
+          <p:nvSpPr>
+            <p:cNvPr id="4" name="3 Rectángulo"/>
+            <p:cNvSpPr/>
+            <p:nvPr/>
+          </p:nvSpPr>
+          <p:spPr>
+            <a:xfrm>
+              <a:off x="4572000" y="1509998"/>
+              <a:ext cx="2376264" cy="1130548"/>
+            </a:xfrm>
+            <a:prstGeom prst="rect">
+              <a:avLst/>
+            </a:prstGeom>
+          </p:spPr>
+          <p:style>
+            <a:lnRef idx="1">
+              <a:schemeClr val="accent6"/>
+            </a:lnRef>
+            <a:fillRef idx="2">
+              <a:schemeClr val="accent6"/>
+            </a:fillRef>
+            <a:effectRef idx="1">
+              <a:schemeClr val="accent6"/>
+            </a:effectRef>
+            <a:fontRef idx="minor">
+              <a:schemeClr val="dk1"/>
+            </a:fontRef>
+          </p:style>
+          <p:txBody>
+            <a:bodyPr rtlCol="0" anchor="ctr"/>
+            <a:lstStyle/>
+            <a:p>
+              <a:pPr algn="ctr"/>
+              <a:r>
+                <a:rPr lang="es-MX" dirty="0" err="1" smtClean="0"/>
+                <a:t>CLASSModelerWeb</a:t>
+              </a:r>
+              <a:endParaRPr lang="es-CO" dirty="0"/>
+            </a:p>
+          </p:txBody>
+        </p:sp>
+        <p:sp>
+          <p:nvSpPr>
+            <p:cNvPr id="6" name="5 Rectángulo redondeado"/>
+            <p:cNvSpPr/>
+            <p:nvPr/>
+          </p:nvSpPr>
+          <p:spPr>
+            <a:xfrm>
+              <a:off x="2951820" y="3789040"/>
+              <a:ext cx="2808312" cy="1224136"/>
+            </a:xfrm>
+            <a:prstGeom prst="roundRect">
+              <a:avLst/>
+            </a:prstGeom>
+          </p:spPr>
+          <p:style>
+            <a:lnRef idx="1">
+              <a:schemeClr val="accent3"/>
+            </a:lnRef>
+            <a:fillRef idx="2">
+              <a:schemeClr val="accent3"/>
+            </a:fillRef>
+            <a:effectRef idx="1">
+              <a:schemeClr val="accent3"/>
+            </a:effectRef>
+            <a:fontRef idx="minor">
+              <a:schemeClr val="dk1"/>
+            </a:fontRef>
+          </p:style>
+          <p:txBody>
+            <a:bodyPr rtlCol="0" anchor="ctr"/>
+            <a:lstStyle/>
+            <a:p>
+              <a:pPr algn="ctr"/>
+              <a:r>
+                <a:rPr lang="es-MX" dirty="0" err="1" smtClean="0"/>
+                <a:t>CLASSModelerTest</a:t>
+              </a:r>
+              <a:endParaRPr lang="es-CO" dirty="0"/>
+            </a:p>
+          </p:txBody>
+        </p:sp>
+      </p:grpSp>
     </p:spTree>
     <p:extLst>
       <p:ext uri="{BB962C8B-B14F-4D97-AF65-F5344CB8AC3E}">

--- a/documentation/CLASS Modeler - Architecture.pptx
+++ b/documentation/CLASS Modeler - Architecture.pptx
@@ -5,11 +5,13 @@
     <p:sldMasterId id="2147483648" r:id="rId1"/>
   </p:sldMasterIdLst>
   <p:notesMasterIdLst>
-    <p:notesMasterId r:id="rId4"/>
+    <p:notesMasterId r:id="rId6"/>
   </p:notesMasterIdLst>
   <p:sldIdLst>
     <p:sldId id="256" r:id="rId2"/>
     <p:sldId id="257" r:id="rId3"/>
+    <p:sldId id="258" r:id="rId4"/>
+    <p:sldId id="259" r:id="rId5"/>
   </p:sldIdLst>
   <p:sldSz cx="9144000" cy="6858000" type="screen4x3"/>
   <p:notesSz cx="6858000" cy="9144000"/>
@@ -3535,44 +3537,6 @@
       </p:grpSpPr>
       <p:sp>
         <p:nvSpPr>
-          <p:cNvPr id="27" name="26 CuadroTexto"/>
-          <p:cNvSpPr txBox="1"/>
-          <p:nvPr/>
-        </p:nvSpPr>
-        <p:spPr>
-          <a:xfrm rot="16200000">
-            <a:off x="1290340" y="4332327"/>
-            <a:ext cx="1629984" cy="307777"/>
-          </a:xfrm>
-          <a:prstGeom prst="rect">
-            <a:avLst/>
-          </a:prstGeom>
-          <a:noFill/>
-        </p:spPr>
-        <p:txBody>
-          <a:bodyPr wrap="square" rtlCol="0">
-            <a:spAutoFit/>
-          </a:bodyPr>
-          <a:lstStyle/>
-          <a:p>
-            <a:r>
-              <a:rPr lang="es-MX" sz="1400" dirty="0" smtClean="0">
-                <a:solidFill>
-                  <a:schemeClr val="bg1"/>
-                </a:solidFill>
-              </a:rPr>
-              <a:t>Lógica de Negocio</a:t>
-            </a:r>
-            <a:endParaRPr lang="es-CO" sz="1400" dirty="0">
-              <a:solidFill>
-                <a:schemeClr val="bg1"/>
-              </a:solidFill>
-            </a:endParaRPr>
-          </a:p>
-        </p:txBody>
-      </p:sp>
-      <p:sp>
-        <p:nvSpPr>
           <p:cNvPr id="28" name="27 CuadroTexto"/>
           <p:cNvSpPr txBox="1"/>
           <p:nvPr/>
@@ -3609,100 +3573,62 @@
           </a:p>
         </p:txBody>
       </p:sp>
-      <p:sp>
-        <p:nvSpPr>
-          <p:cNvPr id="6" name="5 Cilindro"/>
-          <p:cNvSpPr/>
-          <p:nvPr/>
-        </p:nvSpPr>
-        <p:spPr>
-          <a:xfrm>
-            <a:off x="3707904" y="6525344"/>
-            <a:ext cx="1584176" cy="648072"/>
-          </a:xfrm>
-          <a:prstGeom prst="can">
-            <a:avLst/>
-          </a:prstGeom>
-        </p:spPr>
-        <p:style>
-          <a:lnRef idx="1">
-            <a:schemeClr val="accent1"/>
-          </a:lnRef>
-          <a:fillRef idx="3">
-            <a:schemeClr val="accent1"/>
-          </a:fillRef>
-          <a:effectRef idx="2">
-            <a:schemeClr val="accent1"/>
-          </a:effectRef>
-          <a:fontRef idx="minor">
-            <a:schemeClr val="lt1"/>
-          </a:fontRef>
-        </p:style>
-        <p:txBody>
-          <a:bodyPr rtlCol="0" anchor="ctr"/>
-          <a:lstStyle/>
-          <a:p>
-            <a:pPr algn="ctr"/>
-            <a:r>
-              <a:rPr lang="es-MX" dirty="0" smtClean="0"/>
-              <a:t>Datos</a:t>
-            </a:r>
-            <a:endParaRPr lang="es-CO" dirty="0"/>
-          </a:p>
-        </p:txBody>
-      </p:sp>
-      <p:cxnSp>
-        <p:nvCxnSpPr>
-          <p:cNvPr id="26" name="25 Conector recto"/>
-          <p:cNvCxnSpPr/>
-          <p:nvPr/>
-        </p:nvCxnSpPr>
-        <p:spPr>
-          <a:xfrm>
-            <a:off x="1785843" y="5373216"/>
-            <a:ext cx="5522461" cy="0"/>
-          </a:xfrm>
-          <a:prstGeom prst="line">
-            <a:avLst/>
-          </a:prstGeom>
-          <a:ln w="19050">
-            <a:solidFill>
-              <a:schemeClr val="accent1">
-                <a:lumMod val="50000"/>
-              </a:schemeClr>
-            </a:solidFill>
-            <a:prstDash val="sysDash"/>
-          </a:ln>
-        </p:spPr>
-        <p:style>
-          <a:lnRef idx="1">
-            <a:schemeClr val="accent1"/>
-          </a:lnRef>
-          <a:fillRef idx="0">
-            <a:schemeClr val="accent1"/>
-          </a:fillRef>
-          <a:effectRef idx="0">
-            <a:schemeClr val="accent1"/>
-          </a:effectRef>
-          <a:fontRef idx="minor">
-            <a:schemeClr val="tx1"/>
-          </a:fontRef>
-        </p:style>
-      </p:cxnSp>
       <p:grpSp>
         <p:nvGrpSpPr>
-          <p:cNvPr id="13" name="12 Grupo"/>
+          <p:cNvPr id="22" name="21 Grupo"/>
           <p:cNvGrpSpPr/>
           <p:nvPr/>
         </p:nvGrpSpPr>
         <p:grpSpPr>
           <a:xfrm>
-            <a:off x="801912" y="0"/>
-            <a:ext cx="7370488" cy="6458936"/>
-            <a:chOff x="801912" y="0"/>
-            <a:chExt cx="7370488" cy="6458936"/>
+            <a:off x="807386" y="-173839"/>
+            <a:ext cx="7370488" cy="7232955"/>
+            <a:chOff x="807386" y="-173839"/>
+            <a:chExt cx="7370488" cy="7232955"/>
           </a:xfrm>
         </p:grpSpPr>
+        <p:sp>
+          <p:nvSpPr>
+            <p:cNvPr id="6" name="5 Cilindro"/>
+            <p:cNvSpPr/>
+            <p:nvPr/>
+          </p:nvSpPr>
+          <p:spPr>
+            <a:xfrm>
+              <a:off x="3929402" y="6411044"/>
+              <a:ext cx="1584176" cy="648072"/>
+            </a:xfrm>
+            <a:prstGeom prst="can">
+              <a:avLst/>
+            </a:prstGeom>
+          </p:spPr>
+          <p:style>
+            <a:lnRef idx="1">
+              <a:schemeClr val="accent1"/>
+            </a:lnRef>
+            <a:fillRef idx="3">
+              <a:schemeClr val="accent1"/>
+            </a:fillRef>
+            <a:effectRef idx="2">
+              <a:schemeClr val="accent1"/>
+            </a:effectRef>
+            <a:fontRef idx="minor">
+              <a:schemeClr val="lt1"/>
+            </a:fontRef>
+          </p:style>
+          <p:txBody>
+            <a:bodyPr rtlCol="0" anchor="ctr"/>
+            <a:lstStyle/>
+            <a:p>
+              <a:pPr algn="ctr"/>
+              <a:r>
+                <a:rPr lang="es-MX" dirty="0" smtClean="0"/>
+                <a:t>Datos</a:t>
+              </a:r>
+              <a:endParaRPr lang="es-CO" dirty="0"/>
+            </a:p>
+          </p:txBody>
+        </p:sp>
         <p:grpSp>
           <p:nvGrpSpPr>
             <p:cNvPr id="3" name="2 Grupo"/>
@@ -3711,7 +3637,7 @@
           </p:nvGrpSpPr>
           <p:grpSpPr>
             <a:xfrm>
-              <a:off x="827584" y="0"/>
+              <a:off x="833058" y="-173839"/>
               <a:ext cx="7344816" cy="1052736"/>
               <a:chOff x="1259632" y="0"/>
               <a:chExt cx="7344816" cy="1052736"/>
@@ -4078,15 +4004,15 @@
         </p:grpSp>
         <p:grpSp>
           <p:nvGrpSpPr>
-            <p:cNvPr id="12" name="11 Grupo"/>
+            <p:cNvPr id="15" name="14 Grupo"/>
             <p:cNvGrpSpPr/>
             <p:nvPr/>
           </p:nvGrpSpPr>
           <p:grpSpPr>
             <a:xfrm>
-              <a:off x="801912" y="1273843"/>
+              <a:off x="807386" y="1100004"/>
               <a:ext cx="7370487" cy="5185093"/>
-              <a:chOff x="801912" y="1273843"/>
+              <a:chOff x="-6060364" y="1050671"/>
               <a:chExt cx="7370487" cy="5185093"/>
             </a:xfrm>
           </p:grpSpPr>
@@ -4098,7 +4024,7 @@
             </p:nvSpPr>
             <p:spPr>
               <a:xfrm>
-                <a:off x="801912" y="1273843"/>
+                <a:off x="-6060364" y="1050671"/>
                 <a:ext cx="7370487" cy="5185093"/>
               </a:xfrm>
               <a:prstGeom prst="rect">
@@ -4136,7 +4062,7 @@
             </p:nvSpPr>
             <p:spPr>
               <a:xfrm rot="16200000">
-                <a:off x="5315147" y="3645022"/>
+                <a:off x="-1547129" y="3421850"/>
                 <a:ext cx="4896548" cy="432048"/>
               </a:xfrm>
               <a:prstGeom prst="rect">
@@ -4178,7 +4104,7 @@
             </p:nvSpPr>
             <p:spPr>
               <a:xfrm rot="16200000">
-                <a:off x="-445372" y="3414549"/>
+                <a:off x="-7307648" y="3191377"/>
                 <a:ext cx="3219598" cy="369332"/>
               </a:xfrm>
               <a:prstGeom prst="rect">
@@ -4216,7 +4142,7 @@
             </p:nvGrpSpPr>
             <p:grpSpPr>
               <a:xfrm>
-                <a:off x="1532277" y="1412773"/>
+                <a:off x="-5329999" y="1189601"/>
                 <a:ext cx="5848035" cy="2160368"/>
                 <a:chOff x="-736989" y="1412773"/>
                 <a:chExt cx="5848035" cy="2160368"/>
@@ -4677,16 +4603,16 @@
           </p:grpSp>
           <p:grpSp>
             <p:nvGrpSpPr>
-              <p:cNvPr id="7" name="6 Grupo"/>
+              <p:cNvPr id="14" name="13 Grupo"/>
               <p:cNvGrpSpPr/>
               <p:nvPr/>
             </p:nvGrpSpPr>
             <p:grpSpPr>
               <a:xfrm>
-                <a:off x="1547664" y="3671223"/>
-                <a:ext cx="5832648" cy="2696664"/>
-                <a:chOff x="1547664" y="3671223"/>
-                <a:chExt cx="5832648" cy="2696664"/>
+                <a:off x="-5314612" y="3381303"/>
+                <a:ext cx="5832648" cy="2763412"/>
+                <a:chOff x="-5314612" y="3381303"/>
+                <a:chExt cx="5832648" cy="2763412"/>
               </a:xfrm>
             </p:grpSpPr>
             <p:sp>
@@ -4697,7 +4623,7 @@
               </p:nvSpPr>
               <p:spPr>
                 <a:xfrm>
-                  <a:off x="1547664" y="3671223"/>
+                  <a:off x="-5314612" y="3448051"/>
                   <a:ext cx="5832648" cy="2638097"/>
                 </a:xfrm>
                 <a:prstGeom prst="rect">
@@ -4735,7 +4661,7 @@
               </p:nvGrpSpPr>
               <p:grpSpPr>
                 <a:xfrm>
-                  <a:off x="2872143" y="5589240"/>
+                  <a:off x="-3990133" y="5366068"/>
                   <a:ext cx="3284033" cy="504056"/>
                   <a:chOff x="3304191" y="5228689"/>
                   <a:chExt cx="3284033" cy="504056"/>
@@ -4834,10 +4760,10 @@
               </p:nvGrpSpPr>
               <p:grpSpPr>
                 <a:xfrm>
-                  <a:off x="1965412" y="3884876"/>
-                  <a:ext cx="5184576" cy="1357325"/>
+                  <a:off x="-4896864" y="3661704"/>
+                  <a:ext cx="5184576" cy="1207457"/>
                   <a:chOff x="2397460" y="3596333"/>
-                  <a:chExt cx="5184576" cy="1357325"/>
+                  <a:chExt cx="5184576" cy="1207457"/>
                 </a:xfrm>
               </p:grpSpPr>
               <p:sp>
@@ -4890,8 +4816,8 @@
                 </p:nvSpPr>
                 <p:spPr>
                   <a:xfrm>
-                    <a:off x="2397460" y="4091929"/>
-                    <a:ext cx="5184576" cy="861729"/>
+                    <a:off x="2397460" y="4091930"/>
+                    <a:ext cx="5184576" cy="711860"/>
                   </a:xfrm>
                   <a:prstGeom prst="rect">
                     <a:avLst/>
@@ -5029,8 +4955,8 @@
               </p:nvSpPr>
               <p:spPr>
                 <a:xfrm rot="16200000">
-                  <a:off x="922907" y="4298553"/>
-                  <a:ext cx="1557295" cy="307779"/>
+                  <a:off x="-5938561" y="4007347"/>
+                  <a:ext cx="1559865" cy="307777"/>
                 </a:xfrm>
                 <a:prstGeom prst="rect">
                   <a:avLst/>
@@ -5067,7 +4993,7 @@
               </p:nvSpPr>
               <p:spPr>
                 <a:xfrm rot="16200000">
-                  <a:off x="1126306" y="5634562"/>
+                  <a:off x="-5735970" y="5411390"/>
                   <a:ext cx="1158873" cy="307777"/>
                 </a:xfrm>
                 <a:prstGeom prst="rect">
@@ -5097,6 +5023,44 @@
                 </a:p>
               </p:txBody>
             </p:sp>
+            <p:cxnSp>
+              <p:nvCxnSpPr>
+                <p:cNvPr id="26" name="25 Conector recto"/>
+                <p:cNvCxnSpPr/>
+                <p:nvPr/>
+              </p:nvCxnSpPr>
+              <p:spPr>
+                <a:xfrm>
+                  <a:off x="-5077072" y="5013176"/>
+                  <a:ext cx="5522461" cy="0"/>
+                </a:xfrm>
+                <a:prstGeom prst="line">
+                  <a:avLst/>
+                </a:prstGeom>
+                <a:ln w="19050">
+                  <a:solidFill>
+                    <a:schemeClr val="accent1">
+                      <a:lumMod val="50000"/>
+                    </a:schemeClr>
+                  </a:solidFill>
+                  <a:prstDash val="sysDash"/>
+                </a:ln>
+              </p:spPr>
+              <p:style>
+                <a:lnRef idx="1">
+                  <a:schemeClr val="accent1"/>
+                </a:lnRef>
+                <a:fillRef idx="0">
+                  <a:schemeClr val="accent1"/>
+                </a:fillRef>
+                <a:effectRef idx="0">
+                  <a:schemeClr val="accent1"/>
+                </a:effectRef>
+                <a:fontRef idx="minor">
+                  <a:schemeClr val="tx1"/>
+                </a:fontRef>
+              </p:style>
+            </p:cxnSp>
           </p:grpSp>
         </p:grpSp>
       </p:grpSp>
@@ -5319,6 +5283,1603 @@
     <p:extLst>
       <p:ext uri="{BB962C8B-B14F-4D97-AF65-F5344CB8AC3E}">
         <p14:creationId xmlns:p14="http://schemas.microsoft.com/office/powerpoint/2010/main" val="3685214909"/>
+      </p:ext>
+    </p:extLst>
+  </p:cSld>
+  <p:clrMapOvr>
+    <a:masterClrMapping/>
+  </p:clrMapOvr>
+</p:sld>
+</file>
+
+<file path=ppt/slides/slide3.xml><?xml version="1.0" encoding="utf-8"?>
+<p:sld xmlns:a="http://schemas.openxmlformats.org/drawingml/2006/main" xmlns:r="http://schemas.openxmlformats.org/officeDocument/2006/relationships" xmlns:p="http://schemas.openxmlformats.org/presentationml/2006/main">
+  <p:cSld>
+    <p:spTree>
+      <p:nvGrpSpPr>
+        <p:cNvPr id="1" name=""/>
+        <p:cNvGrpSpPr/>
+        <p:nvPr/>
+      </p:nvGrpSpPr>
+      <p:grpSpPr>
+        <a:xfrm>
+          <a:off x="0" y="0"/>
+          <a:ext cx="0" cy="0"/>
+          <a:chOff x="0" y="0"/>
+          <a:chExt cx="0" cy="0"/>
+        </a:xfrm>
+      </p:grpSpPr>
+      <p:grpSp>
+        <p:nvGrpSpPr>
+          <p:cNvPr id="15" name="14 Grupo"/>
+          <p:cNvGrpSpPr/>
+          <p:nvPr/>
+        </p:nvGrpSpPr>
+        <p:grpSpPr>
+          <a:xfrm>
+            <a:off x="-2723256" y="1685998"/>
+            <a:ext cx="5976664" cy="4073098"/>
+            <a:chOff x="971600" y="1052736"/>
+            <a:chExt cx="5976664" cy="4073098"/>
+          </a:xfrm>
+        </p:grpSpPr>
+        <p:sp>
+          <p:nvSpPr>
+            <p:cNvPr id="12" name="11 Rectángulo"/>
+            <p:cNvSpPr/>
+            <p:nvPr/>
+          </p:nvSpPr>
+          <p:spPr>
+            <a:xfrm>
+              <a:off x="971600" y="1052736"/>
+              <a:ext cx="5976664" cy="3600400"/>
+            </a:xfrm>
+            <a:prstGeom prst="rect">
+              <a:avLst/>
+            </a:prstGeom>
+          </p:spPr>
+          <p:style>
+            <a:lnRef idx="1">
+              <a:schemeClr val="accent1"/>
+            </a:lnRef>
+            <a:fillRef idx="2">
+              <a:schemeClr val="accent1"/>
+            </a:fillRef>
+            <a:effectRef idx="1">
+              <a:schemeClr val="accent1"/>
+            </a:effectRef>
+            <a:fontRef idx="minor">
+              <a:schemeClr val="dk1"/>
+            </a:fontRef>
+          </p:style>
+          <p:txBody>
+            <a:bodyPr rtlCol="0" anchor="ctr"/>
+            <a:lstStyle/>
+            <a:p>
+              <a:pPr algn="ctr"/>
+              <a:r>
+                <a:rPr lang="es-CO" dirty="0" smtClean="0"/>
+                <a:t>(</a:t>
+              </a:r>
+              <a:r>
+                <a:rPr lang="es-CO" dirty="0" err="1" smtClean="0"/>
+                <a:t>content</a:t>
+              </a:r>
+              <a:r>
+                <a:rPr lang="es-CO" dirty="0" smtClean="0"/>
+                <a:t>)</a:t>
+              </a:r>
+              <a:endParaRPr lang="es-CO" dirty="0"/>
+            </a:p>
+          </p:txBody>
+        </p:sp>
+        <p:sp>
+          <p:nvSpPr>
+            <p:cNvPr id="13" name="12 CuadroTexto"/>
+            <p:cNvSpPr txBox="1"/>
+            <p:nvPr/>
+          </p:nvSpPr>
+          <p:spPr>
+            <a:xfrm>
+              <a:off x="3157084" y="4756502"/>
+              <a:ext cx="1605696" cy="369332"/>
+            </a:xfrm>
+            <a:prstGeom prst="rect">
+              <a:avLst/>
+            </a:prstGeom>
+            <a:noFill/>
+          </p:spPr>
+          <p:txBody>
+            <a:bodyPr wrap="none" rtlCol="0">
+              <a:spAutoFit/>
+            </a:bodyPr>
+            <a:lstStyle/>
+            <a:p>
+              <a:r>
+                <a:rPr lang="es-CO" dirty="0" err="1" smtClean="0"/>
+                <a:t>common.xhtml</a:t>
+              </a:r>
+              <a:endParaRPr lang="es-CO" dirty="0"/>
+            </a:p>
+          </p:txBody>
+        </p:sp>
+        <p:sp>
+          <p:nvSpPr>
+            <p:cNvPr id="14" name="13 Rectángulo"/>
+            <p:cNvSpPr/>
+            <p:nvPr/>
+          </p:nvSpPr>
+          <p:spPr>
+            <a:xfrm>
+              <a:off x="971600" y="4005064"/>
+              <a:ext cx="5976664" cy="648072"/>
+            </a:xfrm>
+            <a:prstGeom prst="rect">
+              <a:avLst/>
+            </a:prstGeom>
+          </p:spPr>
+          <p:style>
+            <a:lnRef idx="1">
+              <a:schemeClr val="accent6"/>
+            </a:lnRef>
+            <a:fillRef idx="2">
+              <a:schemeClr val="accent6"/>
+            </a:fillRef>
+            <a:effectRef idx="1">
+              <a:schemeClr val="accent6"/>
+            </a:effectRef>
+            <a:fontRef idx="minor">
+              <a:schemeClr val="dk1"/>
+            </a:fontRef>
+          </p:style>
+          <p:txBody>
+            <a:bodyPr rtlCol="0" anchor="ctr"/>
+            <a:lstStyle/>
+            <a:p>
+              <a:pPr algn="ctr"/>
+              <a:r>
+                <a:rPr lang="es-CO" dirty="0" smtClean="0"/>
+                <a:t>(</a:t>
+              </a:r>
+              <a:r>
+                <a:rPr lang="es-CO" dirty="0" err="1" smtClean="0"/>
+                <a:t>footer</a:t>
+              </a:r>
+              <a:r>
+                <a:rPr lang="es-CO" dirty="0" smtClean="0"/>
+                <a:t>)</a:t>
+              </a:r>
+              <a:endParaRPr lang="es-CO" dirty="0"/>
+            </a:p>
+          </p:txBody>
+        </p:sp>
+      </p:grpSp>
+      <p:grpSp>
+        <p:nvGrpSpPr>
+          <p:cNvPr id="22" name="21 Grupo"/>
+          <p:cNvGrpSpPr/>
+          <p:nvPr/>
+        </p:nvGrpSpPr>
+        <p:grpSpPr>
+          <a:xfrm>
+            <a:off x="4067944" y="1685998"/>
+            <a:ext cx="5976664" cy="4073098"/>
+            <a:chOff x="7122368" y="569005"/>
+            <a:chExt cx="5976664" cy="4073098"/>
+          </a:xfrm>
+        </p:grpSpPr>
+        <p:sp>
+          <p:nvSpPr>
+            <p:cNvPr id="17" name="16 Rectángulo"/>
+            <p:cNvSpPr/>
+            <p:nvPr/>
+          </p:nvSpPr>
+          <p:spPr>
+            <a:xfrm>
+              <a:off x="7122368" y="569005"/>
+              <a:ext cx="5976664" cy="3600400"/>
+            </a:xfrm>
+            <a:prstGeom prst="rect">
+              <a:avLst/>
+            </a:prstGeom>
+          </p:spPr>
+          <p:style>
+            <a:lnRef idx="1">
+              <a:schemeClr val="accent1"/>
+            </a:lnRef>
+            <a:fillRef idx="2">
+              <a:schemeClr val="accent1"/>
+            </a:fillRef>
+            <a:effectRef idx="1">
+              <a:schemeClr val="accent1"/>
+            </a:effectRef>
+            <a:fontRef idx="minor">
+              <a:schemeClr val="dk1"/>
+            </a:fontRef>
+          </p:style>
+          <p:txBody>
+            <a:bodyPr rtlCol="0" anchor="ctr"/>
+            <a:lstStyle/>
+            <a:p>
+              <a:pPr algn="ctr"/>
+              <a:endParaRPr lang="es-CO" dirty="0"/>
+            </a:p>
+          </p:txBody>
+        </p:sp>
+        <p:sp>
+          <p:nvSpPr>
+            <p:cNvPr id="18" name="17 CuadroTexto"/>
+            <p:cNvSpPr txBox="1"/>
+            <p:nvPr/>
+          </p:nvSpPr>
+          <p:spPr>
+            <a:xfrm>
+              <a:off x="9307852" y="4272771"/>
+              <a:ext cx="1337097" cy="369332"/>
+            </a:xfrm>
+            <a:prstGeom prst="rect">
+              <a:avLst/>
+            </a:prstGeom>
+            <a:noFill/>
+          </p:spPr>
+          <p:txBody>
+            <a:bodyPr wrap="none" rtlCol="0">
+              <a:spAutoFit/>
+            </a:bodyPr>
+            <a:lstStyle/>
+            <a:p>
+              <a:r>
+                <a:rPr lang="es-CO" dirty="0" err="1" smtClean="0"/>
+                <a:t>portal.xhtml</a:t>
+              </a:r>
+              <a:endParaRPr lang="es-CO" dirty="0"/>
+            </a:p>
+          </p:txBody>
+        </p:sp>
+        <p:sp>
+          <p:nvSpPr>
+            <p:cNvPr id="19" name="18 Rectángulo"/>
+            <p:cNvSpPr/>
+            <p:nvPr/>
+          </p:nvSpPr>
+          <p:spPr>
+            <a:xfrm>
+              <a:off x="7122368" y="3521333"/>
+              <a:ext cx="5976664" cy="648072"/>
+            </a:xfrm>
+            <a:prstGeom prst="rect">
+              <a:avLst/>
+            </a:prstGeom>
+          </p:spPr>
+          <p:style>
+            <a:lnRef idx="1">
+              <a:schemeClr val="accent6"/>
+            </a:lnRef>
+            <a:fillRef idx="2">
+              <a:schemeClr val="accent6"/>
+            </a:fillRef>
+            <a:effectRef idx="1">
+              <a:schemeClr val="accent6"/>
+            </a:effectRef>
+            <a:fontRef idx="minor">
+              <a:schemeClr val="dk1"/>
+            </a:fontRef>
+          </p:style>
+          <p:txBody>
+            <a:bodyPr rtlCol="0" anchor="ctr"/>
+            <a:lstStyle/>
+            <a:p>
+              <a:pPr algn="ctr"/>
+              <a:r>
+                <a:rPr lang="es-CO" dirty="0" smtClean="0"/>
+                <a:t>(</a:t>
+              </a:r>
+              <a:r>
+                <a:rPr lang="es-CO" dirty="0" err="1" smtClean="0"/>
+                <a:t>footer</a:t>
+              </a:r>
+              <a:r>
+                <a:rPr lang="es-CO" dirty="0" smtClean="0"/>
+                <a:t>)</a:t>
+              </a:r>
+              <a:endParaRPr lang="es-CO" dirty="0"/>
+            </a:p>
+          </p:txBody>
+        </p:sp>
+        <p:sp>
+          <p:nvSpPr>
+            <p:cNvPr id="20" name="19 Rectángulo"/>
+            <p:cNvSpPr/>
+            <p:nvPr/>
+          </p:nvSpPr>
+          <p:spPr>
+            <a:xfrm>
+              <a:off x="7596336" y="692695"/>
+              <a:ext cx="5112568" cy="2828637"/>
+            </a:xfrm>
+            <a:prstGeom prst="rect">
+              <a:avLst/>
+            </a:prstGeom>
+          </p:spPr>
+          <p:style>
+            <a:lnRef idx="1">
+              <a:schemeClr val="accent3"/>
+            </a:lnRef>
+            <a:fillRef idx="2">
+              <a:schemeClr val="accent3"/>
+            </a:fillRef>
+            <a:effectRef idx="1">
+              <a:schemeClr val="accent3"/>
+            </a:effectRef>
+            <a:fontRef idx="minor">
+              <a:schemeClr val="dk1"/>
+            </a:fontRef>
+          </p:style>
+          <p:txBody>
+            <a:bodyPr rtlCol="0" anchor="ctr"/>
+            <a:lstStyle/>
+            <a:p>
+              <a:pPr algn="ctr"/>
+              <a:r>
+                <a:rPr lang="es-CO" dirty="0" smtClean="0"/>
+                <a:t>(center)</a:t>
+              </a:r>
+              <a:endParaRPr lang="es-CO" dirty="0"/>
+            </a:p>
+          </p:txBody>
+        </p:sp>
+        <p:sp>
+          <p:nvSpPr>
+            <p:cNvPr id="21" name="20 Rectángulo"/>
+            <p:cNvSpPr/>
+            <p:nvPr/>
+          </p:nvSpPr>
+          <p:spPr>
+            <a:xfrm>
+              <a:off x="7596336" y="692695"/>
+              <a:ext cx="5112568" cy="576065"/>
+            </a:xfrm>
+            <a:prstGeom prst="rect">
+              <a:avLst/>
+            </a:prstGeom>
+          </p:spPr>
+          <p:style>
+            <a:lnRef idx="1">
+              <a:schemeClr val="accent2"/>
+            </a:lnRef>
+            <a:fillRef idx="2">
+              <a:schemeClr val="accent2"/>
+            </a:fillRef>
+            <a:effectRef idx="1">
+              <a:schemeClr val="accent2"/>
+            </a:effectRef>
+            <a:fontRef idx="minor">
+              <a:schemeClr val="dk1"/>
+            </a:fontRef>
+          </p:style>
+          <p:txBody>
+            <a:bodyPr rtlCol="0" anchor="ctr"/>
+            <a:lstStyle/>
+            <a:p>
+              <a:pPr algn="ctr"/>
+              <a:r>
+                <a:rPr lang="es-CO" dirty="0" smtClean="0"/>
+                <a:t>(</a:t>
+              </a:r>
+              <a:r>
+                <a:rPr lang="es-CO" dirty="0" err="1" smtClean="0"/>
+                <a:t>header</a:t>
+              </a:r>
+              <a:r>
+                <a:rPr lang="es-CO" dirty="0" smtClean="0"/>
+                <a:t>)</a:t>
+              </a:r>
+              <a:endParaRPr lang="es-CO" dirty="0"/>
+            </a:p>
+          </p:txBody>
+        </p:sp>
+      </p:grpSp>
+      <p:sp>
+        <p:nvSpPr>
+          <p:cNvPr id="23" name="22 Flecha izquierda"/>
+          <p:cNvSpPr/>
+          <p:nvPr/>
+        </p:nvSpPr>
+        <p:spPr>
+          <a:xfrm>
+            <a:off x="3568552" y="3355102"/>
+            <a:ext cx="288032" cy="262192"/>
+          </a:xfrm>
+          <a:prstGeom prst="leftArrow">
+            <a:avLst/>
+          </a:prstGeom>
+        </p:spPr>
+        <p:style>
+          <a:lnRef idx="1">
+            <a:schemeClr val="accent1"/>
+          </a:lnRef>
+          <a:fillRef idx="2">
+            <a:schemeClr val="accent1"/>
+          </a:fillRef>
+          <a:effectRef idx="1">
+            <a:schemeClr val="accent1"/>
+          </a:effectRef>
+          <a:fontRef idx="minor">
+            <a:schemeClr val="dk1"/>
+          </a:fontRef>
+        </p:style>
+        <p:txBody>
+          <a:bodyPr rtlCol="0" anchor="ctr"/>
+          <a:lstStyle/>
+          <a:p>
+            <a:pPr algn="ctr"/>
+            <a:endParaRPr lang="es-CO"/>
+          </a:p>
+        </p:txBody>
+      </p:sp>
+    </p:spTree>
+    <p:extLst>
+      <p:ext uri="{BB962C8B-B14F-4D97-AF65-F5344CB8AC3E}">
+        <p14:creationId xmlns:p14="http://schemas.microsoft.com/office/powerpoint/2010/main" val="3365986046"/>
+      </p:ext>
+    </p:extLst>
+  </p:cSld>
+  <p:clrMapOvr>
+    <a:masterClrMapping/>
+  </p:clrMapOvr>
+</p:sld>
+</file>
+
+<file path=ppt/slides/slide4.xml><?xml version="1.0" encoding="utf-8"?>
+<p:sld xmlns:a="http://schemas.openxmlformats.org/drawingml/2006/main" xmlns:r="http://schemas.openxmlformats.org/officeDocument/2006/relationships" xmlns:p="http://schemas.openxmlformats.org/presentationml/2006/main">
+  <p:cSld>
+    <p:spTree>
+      <p:nvGrpSpPr>
+        <p:cNvPr id="1" name=""/>
+        <p:cNvGrpSpPr/>
+        <p:nvPr/>
+      </p:nvGrpSpPr>
+      <p:grpSpPr>
+        <a:xfrm>
+          <a:off x="0" y="0"/>
+          <a:ext cx="0" cy="0"/>
+          <a:chOff x="0" y="0"/>
+          <a:chExt cx="0" cy="0"/>
+        </a:xfrm>
+      </p:grpSpPr>
+      <p:sp>
+        <p:nvSpPr>
+          <p:cNvPr id="23" name="22 Flecha izquierda"/>
+          <p:cNvSpPr/>
+          <p:nvPr/>
+        </p:nvSpPr>
+        <p:spPr>
+          <a:xfrm>
+            <a:off x="6732240" y="1461946"/>
+            <a:ext cx="288032" cy="262192"/>
+          </a:xfrm>
+          <a:prstGeom prst="leftArrow">
+            <a:avLst/>
+          </a:prstGeom>
+        </p:spPr>
+        <p:style>
+          <a:lnRef idx="1">
+            <a:schemeClr val="accent1"/>
+          </a:lnRef>
+          <a:fillRef idx="2">
+            <a:schemeClr val="accent1"/>
+          </a:fillRef>
+          <a:effectRef idx="1">
+            <a:schemeClr val="accent1"/>
+          </a:effectRef>
+          <a:fontRef idx="minor">
+            <a:schemeClr val="dk1"/>
+          </a:fontRef>
+        </p:style>
+        <p:txBody>
+          <a:bodyPr rtlCol="0" anchor="ctr"/>
+          <a:lstStyle/>
+          <a:p>
+            <a:pPr algn="ctr"/>
+            <a:endParaRPr lang="es-CO"/>
+          </a:p>
+        </p:txBody>
+      </p:sp>
+      <p:sp>
+        <p:nvSpPr>
+          <p:cNvPr id="31" name="30 Flecha izquierda"/>
+          <p:cNvSpPr/>
+          <p:nvPr/>
+        </p:nvSpPr>
+        <p:spPr>
+          <a:xfrm>
+            <a:off x="6732240" y="5483984"/>
+            <a:ext cx="288032" cy="262192"/>
+          </a:xfrm>
+          <a:prstGeom prst="leftArrow">
+            <a:avLst/>
+          </a:prstGeom>
+        </p:spPr>
+        <p:style>
+          <a:lnRef idx="1">
+            <a:schemeClr val="accent1"/>
+          </a:lnRef>
+          <a:fillRef idx="2">
+            <a:schemeClr val="accent1"/>
+          </a:fillRef>
+          <a:effectRef idx="1">
+            <a:schemeClr val="accent1"/>
+          </a:effectRef>
+          <a:fontRef idx="minor">
+            <a:schemeClr val="dk1"/>
+          </a:fontRef>
+        </p:style>
+        <p:txBody>
+          <a:bodyPr rtlCol="0" anchor="ctr"/>
+          <a:lstStyle/>
+          <a:p>
+            <a:pPr algn="ctr"/>
+            <a:endParaRPr lang="es-CO"/>
+          </a:p>
+        </p:txBody>
+      </p:sp>
+      <p:grpSp>
+        <p:nvGrpSpPr>
+          <p:cNvPr id="24" name="23 Grupo"/>
+          <p:cNvGrpSpPr/>
+          <p:nvPr/>
+        </p:nvGrpSpPr>
+        <p:grpSpPr>
+          <a:xfrm>
+            <a:off x="319056" y="-350551"/>
+            <a:ext cx="5976664" cy="4073098"/>
+            <a:chOff x="971600" y="1052736"/>
+            <a:chExt cx="5976664" cy="4073098"/>
+          </a:xfrm>
+        </p:grpSpPr>
+        <p:sp>
+          <p:nvSpPr>
+            <p:cNvPr id="32" name="31 Rectángulo"/>
+            <p:cNvSpPr/>
+            <p:nvPr/>
+          </p:nvSpPr>
+          <p:spPr>
+            <a:xfrm>
+              <a:off x="971600" y="1052736"/>
+              <a:ext cx="5976664" cy="3600400"/>
+            </a:xfrm>
+            <a:prstGeom prst="rect">
+              <a:avLst/>
+            </a:prstGeom>
+          </p:spPr>
+          <p:style>
+            <a:lnRef idx="1">
+              <a:schemeClr val="accent1"/>
+            </a:lnRef>
+            <a:fillRef idx="2">
+              <a:schemeClr val="accent1"/>
+            </a:fillRef>
+            <a:effectRef idx="1">
+              <a:schemeClr val="accent1"/>
+            </a:effectRef>
+            <a:fontRef idx="minor">
+              <a:schemeClr val="dk1"/>
+            </a:fontRef>
+          </p:style>
+          <p:txBody>
+            <a:bodyPr rtlCol="0" anchor="ctr"/>
+            <a:lstStyle/>
+            <a:p>
+              <a:pPr algn="ctr"/>
+              <a:r>
+                <a:rPr lang="es-CO" dirty="0" smtClean="0"/>
+                <a:t>(</a:t>
+              </a:r>
+              <a:r>
+                <a:rPr lang="es-CO" dirty="0" err="1" smtClean="0"/>
+                <a:t>content</a:t>
+              </a:r>
+              <a:r>
+                <a:rPr lang="es-CO" dirty="0" smtClean="0"/>
+                <a:t>)</a:t>
+              </a:r>
+              <a:endParaRPr lang="es-CO" dirty="0"/>
+            </a:p>
+          </p:txBody>
+        </p:sp>
+        <p:sp>
+          <p:nvSpPr>
+            <p:cNvPr id="33" name="32 CuadroTexto"/>
+            <p:cNvSpPr txBox="1"/>
+            <p:nvPr/>
+          </p:nvSpPr>
+          <p:spPr>
+            <a:xfrm>
+              <a:off x="3157084" y="4756502"/>
+              <a:ext cx="1605696" cy="369332"/>
+            </a:xfrm>
+            <a:prstGeom prst="rect">
+              <a:avLst/>
+            </a:prstGeom>
+            <a:noFill/>
+          </p:spPr>
+          <p:txBody>
+            <a:bodyPr wrap="none" rtlCol="0">
+              <a:spAutoFit/>
+            </a:bodyPr>
+            <a:lstStyle/>
+            <a:p>
+              <a:r>
+                <a:rPr lang="es-CO" dirty="0" err="1" smtClean="0"/>
+                <a:t>common.xhtml</a:t>
+              </a:r>
+              <a:endParaRPr lang="es-CO" dirty="0"/>
+            </a:p>
+          </p:txBody>
+        </p:sp>
+        <p:sp>
+          <p:nvSpPr>
+            <p:cNvPr id="34" name="33 Rectángulo"/>
+            <p:cNvSpPr/>
+            <p:nvPr/>
+          </p:nvSpPr>
+          <p:spPr>
+            <a:xfrm>
+              <a:off x="971600" y="4005064"/>
+              <a:ext cx="5976664" cy="648072"/>
+            </a:xfrm>
+            <a:prstGeom prst="rect">
+              <a:avLst/>
+            </a:prstGeom>
+          </p:spPr>
+          <p:style>
+            <a:lnRef idx="1">
+              <a:schemeClr val="accent6"/>
+            </a:lnRef>
+            <a:fillRef idx="2">
+              <a:schemeClr val="accent6"/>
+            </a:fillRef>
+            <a:effectRef idx="1">
+              <a:schemeClr val="accent6"/>
+            </a:effectRef>
+            <a:fontRef idx="minor">
+              <a:schemeClr val="dk1"/>
+            </a:fontRef>
+          </p:style>
+          <p:txBody>
+            <a:bodyPr rtlCol="0" anchor="ctr"/>
+            <a:lstStyle/>
+            <a:p>
+              <a:pPr algn="ctr"/>
+              <a:r>
+                <a:rPr lang="es-CO" dirty="0" smtClean="0"/>
+                <a:t>(</a:t>
+              </a:r>
+              <a:r>
+                <a:rPr lang="es-CO" dirty="0" err="1" smtClean="0"/>
+                <a:t>footer</a:t>
+              </a:r>
+              <a:r>
+                <a:rPr lang="es-CO" dirty="0" smtClean="0"/>
+                <a:t>)</a:t>
+              </a:r>
+              <a:endParaRPr lang="es-CO" dirty="0"/>
+            </a:p>
+          </p:txBody>
+        </p:sp>
+      </p:grpSp>
+      <p:grpSp>
+        <p:nvGrpSpPr>
+          <p:cNvPr id="35" name="34 Grupo"/>
+          <p:cNvGrpSpPr/>
+          <p:nvPr/>
+        </p:nvGrpSpPr>
+        <p:grpSpPr>
+          <a:xfrm>
+            <a:off x="319056" y="4077072"/>
+            <a:ext cx="5976664" cy="4073098"/>
+            <a:chOff x="7122368" y="569005"/>
+            <a:chExt cx="5976664" cy="4073098"/>
+          </a:xfrm>
+        </p:grpSpPr>
+        <p:sp>
+          <p:nvSpPr>
+            <p:cNvPr id="36" name="35 Rectángulo"/>
+            <p:cNvSpPr/>
+            <p:nvPr/>
+          </p:nvSpPr>
+          <p:spPr>
+            <a:xfrm>
+              <a:off x="7122368" y="569005"/>
+              <a:ext cx="5976664" cy="3600400"/>
+            </a:xfrm>
+            <a:prstGeom prst="rect">
+              <a:avLst/>
+            </a:prstGeom>
+          </p:spPr>
+          <p:style>
+            <a:lnRef idx="1">
+              <a:schemeClr val="accent1"/>
+            </a:lnRef>
+            <a:fillRef idx="2">
+              <a:schemeClr val="accent1"/>
+            </a:fillRef>
+            <a:effectRef idx="1">
+              <a:schemeClr val="accent1"/>
+            </a:effectRef>
+            <a:fontRef idx="minor">
+              <a:schemeClr val="dk1"/>
+            </a:fontRef>
+          </p:style>
+          <p:txBody>
+            <a:bodyPr rtlCol="0" anchor="ctr"/>
+            <a:lstStyle/>
+            <a:p>
+              <a:pPr algn="ctr"/>
+              <a:endParaRPr lang="es-CO" dirty="0"/>
+            </a:p>
+          </p:txBody>
+        </p:sp>
+        <p:sp>
+          <p:nvSpPr>
+            <p:cNvPr id="37" name="36 CuadroTexto"/>
+            <p:cNvSpPr txBox="1"/>
+            <p:nvPr/>
+          </p:nvSpPr>
+          <p:spPr>
+            <a:xfrm>
+              <a:off x="9307852" y="4272771"/>
+              <a:ext cx="1337097" cy="369332"/>
+            </a:xfrm>
+            <a:prstGeom prst="rect">
+              <a:avLst/>
+            </a:prstGeom>
+            <a:noFill/>
+          </p:spPr>
+          <p:txBody>
+            <a:bodyPr wrap="none" rtlCol="0">
+              <a:spAutoFit/>
+            </a:bodyPr>
+            <a:lstStyle/>
+            <a:p>
+              <a:r>
+                <a:rPr lang="es-CO" dirty="0" err="1" smtClean="0"/>
+                <a:t>portal.xhtml</a:t>
+              </a:r>
+              <a:endParaRPr lang="es-CO" dirty="0"/>
+            </a:p>
+          </p:txBody>
+        </p:sp>
+        <p:sp>
+          <p:nvSpPr>
+            <p:cNvPr id="38" name="37 Rectángulo"/>
+            <p:cNvSpPr/>
+            <p:nvPr/>
+          </p:nvSpPr>
+          <p:spPr>
+            <a:xfrm>
+              <a:off x="7122368" y="3521333"/>
+              <a:ext cx="5976664" cy="648072"/>
+            </a:xfrm>
+            <a:prstGeom prst="rect">
+              <a:avLst/>
+            </a:prstGeom>
+          </p:spPr>
+          <p:style>
+            <a:lnRef idx="1">
+              <a:schemeClr val="accent6"/>
+            </a:lnRef>
+            <a:fillRef idx="2">
+              <a:schemeClr val="accent6"/>
+            </a:fillRef>
+            <a:effectRef idx="1">
+              <a:schemeClr val="accent6"/>
+            </a:effectRef>
+            <a:fontRef idx="minor">
+              <a:schemeClr val="dk1"/>
+            </a:fontRef>
+          </p:style>
+          <p:txBody>
+            <a:bodyPr rtlCol="0" anchor="ctr"/>
+            <a:lstStyle/>
+            <a:p>
+              <a:pPr algn="ctr"/>
+              <a:r>
+                <a:rPr lang="es-CO" dirty="0" smtClean="0"/>
+                <a:t>(</a:t>
+              </a:r>
+              <a:r>
+                <a:rPr lang="es-CO" dirty="0" err="1" smtClean="0"/>
+                <a:t>footer</a:t>
+              </a:r>
+              <a:r>
+                <a:rPr lang="es-CO" dirty="0" smtClean="0"/>
+                <a:t>)</a:t>
+              </a:r>
+              <a:endParaRPr lang="es-CO" dirty="0"/>
+            </a:p>
+          </p:txBody>
+        </p:sp>
+        <p:sp>
+          <p:nvSpPr>
+            <p:cNvPr id="39" name="38 Rectángulo"/>
+            <p:cNvSpPr/>
+            <p:nvPr/>
+          </p:nvSpPr>
+          <p:spPr>
+            <a:xfrm>
+              <a:off x="7596336" y="692695"/>
+              <a:ext cx="5112568" cy="2828637"/>
+            </a:xfrm>
+            <a:prstGeom prst="rect">
+              <a:avLst/>
+            </a:prstGeom>
+          </p:spPr>
+          <p:style>
+            <a:lnRef idx="1">
+              <a:schemeClr val="accent3"/>
+            </a:lnRef>
+            <a:fillRef idx="2">
+              <a:schemeClr val="accent3"/>
+            </a:fillRef>
+            <a:effectRef idx="1">
+              <a:schemeClr val="accent3"/>
+            </a:effectRef>
+            <a:fontRef idx="minor">
+              <a:schemeClr val="dk1"/>
+            </a:fontRef>
+          </p:style>
+          <p:txBody>
+            <a:bodyPr rtlCol="0" anchor="ctr"/>
+            <a:lstStyle/>
+            <a:p>
+              <a:pPr algn="ctr"/>
+              <a:r>
+                <a:rPr lang="es-CO" dirty="0" smtClean="0"/>
+                <a:t>(center)</a:t>
+              </a:r>
+              <a:endParaRPr lang="es-CO" dirty="0"/>
+            </a:p>
+          </p:txBody>
+        </p:sp>
+        <p:sp>
+          <p:nvSpPr>
+            <p:cNvPr id="40" name="39 Rectángulo"/>
+            <p:cNvSpPr/>
+            <p:nvPr/>
+          </p:nvSpPr>
+          <p:spPr>
+            <a:xfrm>
+              <a:off x="7596336" y="692695"/>
+              <a:ext cx="5112568" cy="576065"/>
+            </a:xfrm>
+            <a:prstGeom prst="rect">
+              <a:avLst/>
+            </a:prstGeom>
+          </p:spPr>
+          <p:style>
+            <a:lnRef idx="1">
+              <a:schemeClr val="accent2"/>
+            </a:lnRef>
+            <a:fillRef idx="2">
+              <a:schemeClr val="accent2"/>
+            </a:fillRef>
+            <a:effectRef idx="1">
+              <a:schemeClr val="accent2"/>
+            </a:effectRef>
+            <a:fontRef idx="minor">
+              <a:schemeClr val="dk1"/>
+            </a:fontRef>
+          </p:style>
+          <p:txBody>
+            <a:bodyPr rtlCol="0" anchor="ctr"/>
+            <a:lstStyle/>
+            <a:p>
+              <a:pPr algn="ctr"/>
+              <a:r>
+                <a:rPr lang="es-CO" dirty="0" smtClean="0"/>
+                <a:t>(</a:t>
+              </a:r>
+              <a:r>
+                <a:rPr lang="es-CO" dirty="0" err="1" smtClean="0"/>
+                <a:t>header</a:t>
+              </a:r>
+              <a:r>
+                <a:rPr lang="es-CO" dirty="0" smtClean="0"/>
+                <a:t>)</a:t>
+              </a:r>
+              <a:endParaRPr lang="es-CO" dirty="0"/>
+            </a:p>
+          </p:txBody>
+        </p:sp>
+      </p:grpSp>
+      <p:grpSp>
+        <p:nvGrpSpPr>
+          <p:cNvPr id="6" name="5 Grupo"/>
+          <p:cNvGrpSpPr/>
+          <p:nvPr/>
+        </p:nvGrpSpPr>
+        <p:grpSpPr>
+          <a:xfrm>
+            <a:off x="7457628" y="-350551"/>
+            <a:ext cx="6019678" cy="4073098"/>
+            <a:chOff x="7457628" y="-350551"/>
+            <a:chExt cx="6019678" cy="4073098"/>
+          </a:xfrm>
+        </p:grpSpPr>
+        <p:sp>
+          <p:nvSpPr>
+            <p:cNvPr id="27" name="26 CuadroTexto"/>
+            <p:cNvSpPr txBox="1"/>
+            <p:nvPr/>
+          </p:nvSpPr>
+          <p:spPr>
+            <a:xfrm>
+              <a:off x="9643112" y="3353215"/>
+              <a:ext cx="1558760" cy="369332"/>
+            </a:xfrm>
+            <a:prstGeom prst="rect">
+              <a:avLst/>
+            </a:prstGeom>
+            <a:noFill/>
+          </p:spPr>
+          <p:txBody>
+            <a:bodyPr wrap="none" rtlCol="0">
+              <a:spAutoFit/>
+            </a:bodyPr>
+            <a:lstStyle/>
+            <a:p>
+              <a:r>
+                <a:rPr lang="es-CO" dirty="0" err="1" smtClean="0"/>
+                <a:t>designer.xhtml</a:t>
+              </a:r>
+              <a:endParaRPr lang="es-CO" dirty="0"/>
+            </a:p>
+          </p:txBody>
+        </p:sp>
+        <p:grpSp>
+          <p:nvGrpSpPr>
+            <p:cNvPr id="3" name="2 Grupo"/>
+            <p:cNvGrpSpPr/>
+            <p:nvPr/>
+          </p:nvGrpSpPr>
+          <p:grpSpPr>
+            <a:xfrm>
+              <a:off x="7457628" y="-350551"/>
+              <a:ext cx="6019678" cy="3600400"/>
+              <a:chOff x="8028384" y="-350551"/>
+              <a:chExt cx="6019678" cy="3600400"/>
+            </a:xfrm>
+          </p:grpSpPr>
+          <p:sp>
+            <p:nvSpPr>
+              <p:cNvPr id="26" name="25 Rectángulo"/>
+              <p:cNvSpPr/>
+              <p:nvPr/>
+            </p:nvSpPr>
+            <p:spPr>
+              <a:xfrm>
+                <a:off x="8028384" y="-350551"/>
+                <a:ext cx="5976664" cy="3600400"/>
+              </a:xfrm>
+              <a:prstGeom prst="rect">
+                <a:avLst/>
+              </a:prstGeom>
+            </p:spPr>
+            <p:style>
+              <a:lnRef idx="1">
+                <a:schemeClr val="accent1"/>
+              </a:lnRef>
+              <a:fillRef idx="2">
+                <a:schemeClr val="accent1"/>
+              </a:fillRef>
+              <a:effectRef idx="1">
+                <a:schemeClr val="accent1"/>
+              </a:effectRef>
+              <a:fontRef idx="minor">
+                <a:schemeClr val="dk1"/>
+              </a:fontRef>
+            </p:style>
+            <p:txBody>
+              <a:bodyPr rtlCol="0" anchor="ctr"/>
+              <a:lstStyle/>
+              <a:p>
+                <a:pPr algn="ctr"/>
+                <a:endParaRPr lang="es-CO" dirty="0"/>
+              </a:p>
+            </p:txBody>
+          </p:sp>
+          <p:sp>
+            <p:nvSpPr>
+              <p:cNvPr id="28" name="27 Rectángulo"/>
+              <p:cNvSpPr/>
+              <p:nvPr/>
+            </p:nvSpPr>
+            <p:spPr>
+              <a:xfrm>
+                <a:off x="8028384" y="2601777"/>
+                <a:ext cx="5976664" cy="648072"/>
+              </a:xfrm>
+              <a:prstGeom prst="rect">
+                <a:avLst/>
+              </a:prstGeom>
+            </p:spPr>
+            <p:style>
+              <a:lnRef idx="1">
+                <a:schemeClr val="accent6"/>
+              </a:lnRef>
+              <a:fillRef idx="2">
+                <a:schemeClr val="accent6"/>
+              </a:fillRef>
+              <a:effectRef idx="1">
+                <a:schemeClr val="accent6"/>
+              </a:effectRef>
+              <a:fontRef idx="minor">
+                <a:schemeClr val="dk1"/>
+              </a:fontRef>
+            </p:style>
+            <p:txBody>
+              <a:bodyPr rtlCol="0" anchor="ctr"/>
+              <a:lstStyle/>
+              <a:p>
+                <a:pPr algn="ctr"/>
+                <a:r>
+                  <a:rPr lang="es-CO" dirty="0" smtClean="0"/>
+                  <a:t>(</a:t>
+                </a:r>
+                <a:r>
+                  <a:rPr lang="es-CO" dirty="0" err="1" smtClean="0"/>
+                  <a:t>footer</a:t>
+                </a:r>
+                <a:r>
+                  <a:rPr lang="es-CO" dirty="0" smtClean="0"/>
+                  <a:t>)</a:t>
+                </a:r>
+                <a:endParaRPr lang="es-CO" dirty="0"/>
+              </a:p>
+            </p:txBody>
+          </p:sp>
+          <p:sp>
+            <p:nvSpPr>
+              <p:cNvPr id="29" name="28 Rectángulo"/>
+              <p:cNvSpPr/>
+              <p:nvPr/>
+            </p:nvSpPr>
+            <p:spPr>
+              <a:xfrm>
+                <a:off x="8028384" y="225514"/>
+                <a:ext cx="5953196" cy="2376262"/>
+              </a:xfrm>
+              <a:prstGeom prst="rect">
+                <a:avLst/>
+              </a:prstGeom>
+            </p:spPr>
+            <p:style>
+              <a:lnRef idx="1">
+                <a:schemeClr val="accent3"/>
+              </a:lnRef>
+              <a:fillRef idx="2">
+                <a:schemeClr val="accent3"/>
+              </a:fillRef>
+              <a:effectRef idx="1">
+                <a:schemeClr val="accent3"/>
+              </a:effectRef>
+              <a:fontRef idx="minor">
+                <a:schemeClr val="dk1"/>
+              </a:fontRef>
+            </p:style>
+            <p:txBody>
+              <a:bodyPr rtlCol="0" anchor="ctr"/>
+              <a:lstStyle/>
+              <a:p>
+                <a:pPr algn="ctr"/>
+                <a:r>
+                  <a:rPr lang="es-CO" dirty="0" smtClean="0"/>
+                  <a:t>(center)</a:t>
+                </a:r>
+                <a:endParaRPr lang="es-CO" dirty="0"/>
+              </a:p>
+            </p:txBody>
+          </p:sp>
+          <p:sp>
+            <p:nvSpPr>
+              <p:cNvPr id="30" name="29 Rectángulo"/>
+              <p:cNvSpPr/>
+              <p:nvPr/>
+            </p:nvSpPr>
+            <p:spPr>
+              <a:xfrm>
+                <a:off x="8028384" y="-350550"/>
+                <a:ext cx="5953196" cy="288032"/>
+              </a:xfrm>
+              <a:prstGeom prst="rect">
+                <a:avLst/>
+              </a:prstGeom>
+            </p:spPr>
+            <p:style>
+              <a:lnRef idx="1">
+                <a:schemeClr val="accent2"/>
+              </a:lnRef>
+              <a:fillRef idx="2">
+                <a:schemeClr val="accent2"/>
+              </a:fillRef>
+              <a:effectRef idx="1">
+                <a:schemeClr val="accent2"/>
+              </a:effectRef>
+              <a:fontRef idx="minor">
+                <a:schemeClr val="dk1"/>
+              </a:fontRef>
+            </p:style>
+            <p:txBody>
+              <a:bodyPr rtlCol="0" anchor="ctr"/>
+              <a:lstStyle/>
+              <a:p>
+                <a:pPr algn="ctr"/>
+                <a:r>
+                  <a:rPr lang="es-CO" dirty="0" smtClean="0"/>
+                  <a:t>(</a:t>
+                </a:r>
+                <a:r>
+                  <a:rPr lang="es-CO" dirty="0" err="1" smtClean="0"/>
+                  <a:t>menu</a:t>
+                </a:r>
+                <a:r>
+                  <a:rPr lang="es-CO" dirty="0" smtClean="0"/>
+                  <a:t>)</a:t>
+                </a:r>
+                <a:endParaRPr lang="es-CO" dirty="0"/>
+              </a:p>
+            </p:txBody>
+          </p:sp>
+          <p:sp>
+            <p:nvSpPr>
+              <p:cNvPr id="47" name="46 Rectángulo"/>
+              <p:cNvSpPr/>
+              <p:nvPr/>
+            </p:nvSpPr>
+            <p:spPr>
+              <a:xfrm>
+                <a:off x="8892480" y="225514"/>
+                <a:ext cx="4464496" cy="2376262"/>
+              </a:xfrm>
+              <a:prstGeom prst="rect">
+                <a:avLst/>
+              </a:prstGeom>
+            </p:spPr>
+            <p:style>
+              <a:lnRef idx="1">
+                <a:schemeClr val="accent3"/>
+              </a:lnRef>
+              <a:fillRef idx="2">
+                <a:schemeClr val="accent3"/>
+              </a:fillRef>
+              <a:effectRef idx="1">
+                <a:schemeClr val="accent3"/>
+              </a:effectRef>
+              <a:fontRef idx="minor">
+                <a:schemeClr val="dk1"/>
+              </a:fontRef>
+            </p:style>
+            <p:txBody>
+              <a:bodyPr rtlCol="0" anchor="ctr"/>
+              <a:lstStyle/>
+              <a:p>
+                <a:pPr algn="ctr"/>
+                <a:r>
+                  <a:rPr lang="es-CO" dirty="0" smtClean="0"/>
+                  <a:t>(center)</a:t>
+                </a:r>
+                <a:endParaRPr lang="es-CO" dirty="0"/>
+              </a:p>
+            </p:txBody>
+          </p:sp>
+          <p:sp>
+            <p:nvSpPr>
+              <p:cNvPr id="2" name="1 CuadroTexto"/>
+              <p:cNvSpPr txBox="1"/>
+              <p:nvPr/>
+            </p:nvSpPr>
+            <p:spPr>
+              <a:xfrm>
+                <a:off x="8159149" y="1196713"/>
+                <a:ext cx="639470" cy="369332"/>
+              </a:xfrm>
+              <a:prstGeom prst="rect">
+                <a:avLst/>
+              </a:prstGeom>
+              <a:noFill/>
+            </p:spPr>
+            <p:txBody>
+              <a:bodyPr wrap="none" rtlCol="0">
+                <a:spAutoFit/>
+              </a:bodyPr>
+              <a:lstStyle/>
+              <a:p>
+                <a:r>
+                  <a:rPr lang="es-CO" dirty="0"/>
+                  <a:t>(</a:t>
+                </a:r>
+                <a:r>
+                  <a:rPr lang="es-CO" dirty="0" err="1" smtClean="0"/>
+                  <a:t>left</a:t>
+                </a:r>
+                <a:r>
+                  <a:rPr lang="es-CO" dirty="0" smtClean="0"/>
+                  <a:t>)</a:t>
+                </a:r>
+                <a:endParaRPr lang="es-CO" dirty="0"/>
+              </a:p>
+            </p:txBody>
+          </p:sp>
+          <p:sp>
+            <p:nvSpPr>
+              <p:cNvPr id="48" name="47 CuadroTexto"/>
+              <p:cNvSpPr txBox="1"/>
+              <p:nvPr/>
+            </p:nvSpPr>
+            <p:spPr>
+              <a:xfrm>
+                <a:off x="13284968" y="1196713"/>
+                <a:ext cx="763094" cy="369332"/>
+              </a:xfrm>
+              <a:prstGeom prst="rect">
+                <a:avLst/>
+              </a:prstGeom>
+              <a:noFill/>
+            </p:spPr>
+            <p:txBody>
+              <a:bodyPr wrap="none" rtlCol="0">
+                <a:spAutoFit/>
+              </a:bodyPr>
+              <a:lstStyle/>
+              <a:p>
+                <a:r>
+                  <a:rPr lang="es-CO" dirty="0" smtClean="0"/>
+                  <a:t>(</a:t>
+                </a:r>
+                <a:r>
+                  <a:rPr lang="es-CO" dirty="0" err="1" smtClean="0"/>
+                  <a:t>rigth</a:t>
+                </a:r>
+                <a:r>
+                  <a:rPr lang="es-CO" dirty="0" smtClean="0"/>
+                  <a:t>)</a:t>
+                </a:r>
+                <a:endParaRPr lang="es-CO" dirty="0"/>
+              </a:p>
+            </p:txBody>
+          </p:sp>
+          <p:sp>
+            <p:nvSpPr>
+              <p:cNvPr id="49" name="48 Rectángulo"/>
+              <p:cNvSpPr/>
+              <p:nvPr/>
+            </p:nvSpPr>
+            <p:spPr>
+              <a:xfrm>
+                <a:off x="8028384" y="-54136"/>
+                <a:ext cx="5953196" cy="288033"/>
+              </a:xfrm>
+              <a:prstGeom prst="rect">
+                <a:avLst/>
+              </a:prstGeom>
+            </p:spPr>
+            <p:style>
+              <a:lnRef idx="1">
+                <a:schemeClr val="accent2"/>
+              </a:lnRef>
+              <a:fillRef idx="2">
+                <a:schemeClr val="accent2"/>
+              </a:fillRef>
+              <a:effectRef idx="1">
+                <a:schemeClr val="accent2"/>
+              </a:effectRef>
+              <a:fontRef idx="minor">
+                <a:schemeClr val="dk1"/>
+              </a:fontRef>
+            </p:style>
+            <p:txBody>
+              <a:bodyPr rtlCol="0" anchor="ctr"/>
+              <a:lstStyle/>
+              <a:p>
+                <a:pPr algn="ctr"/>
+                <a:r>
+                  <a:rPr lang="es-CO" dirty="0" smtClean="0"/>
+                  <a:t>(</a:t>
+                </a:r>
+                <a:r>
+                  <a:rPr lang="es-CO" dirty="0" err="1" smtClean="0"/>
+                  <a:t>toolbar</a:t>
+                </a:r>
+                <a:r>
+                  <a:rPr lang="es-CO" dirty="0" smtClean="0"/>
+                  <a:t>)</a:t>
+                </a:r>
+                <a:endParaRPr lang="es-CO" dirty="0"/>
+              </a:p>
+            </p:txBody>
+          </p:sp>
+        </p:grpSp>
+      </p:grpSp>
+      <p:grpSp>
+        <p:nvGrpSpPr>
+          <p:cNvPr id="4" name="3 Grupo"/>
+          <p:cNvGrpSpPr/>
+          <p:nvPr/>
+        </p:nvGrpSpPr>
+        <p:grpSpPr>
+          <a:xfrm>
+            <a:off x="7434160" y="4077072"/>
+            <a:ext cx="5976664" cy="4073098"/>
+            <a:chOff x="8004916" y="4077072"/>
+            <a:chExt cx="5976664" cy="4073098"/>
+          </a:xfrm>
+        </p:grpSpPr>
+        <p:sp>
+          <p:nvSpPr>
+            <p:cNvPr id="42" name="41 Rectángulo"/>
+            <p:cNvSpPr/>
+            <p:nvPr/>
+          </p:nvSpPr>
+          <p:spPr>
+            <a:xfrm>
+              <a:off x="8004916" y="4077072"/>
+              <a:ext cx="5976664" cy="3600400"/>
+            </a:xfrm>
+            <a:prstGeom prst="rect">
+              <a:avLst/>
+            </a:prstGeom>
+          </p:spPr>
+          <p:style>
+            <a:lnRef idx="1">
+              <a:schemeClr val="accent1"/>
+            </a:lnRef>
+            <a:fillRef idx="2">
+              <a:schemeClr val="accent1"/>
+            </a:fillRef>
+            <a:effectRef idx="1">
+              <a:schemeClr val="accent1"/>
+            </a:effectRef>
+            <a:fontRef idx="minor">
+              <a:schemeClr val="dk1"/>
+            </a:fontRef>
+          </p:style>
+          <p:txBody>
+            <a:bodyPr rtlCol="0" anchor="ctr"/>
+            <a:lstStyle/>
+            <a:p>
+              <a:pPr algn="ctr"/>
+              <a:endParaRPr lang="es-CO" dirty="0"/>
+            </a:p>
+          </p:txBody>
+        </p:sp>
+        <p:sp>
+          <p:nvSpPr>
+            <p:cNvPr id="43" name="42 CuadroTexto"/>
+            <p:cNvSpPr txBox="1"/>
+            <p:nvPr/>
+          </p:nvSpPr>
+          <p:spPr>
+            <a:xfrm>
+              <a:off x="10190400" y="7780838"/>
+              <a:ext cx="1772793" cy="369332"/>
+            </a:xfrm>
+            <a:prstGeom prst="rect">
+              <a:avLst/>
+            </a:prstGeom>
+            <a:noFill/>
+          </p:spPr>
+          <p:txBody>
+            <a:bodyPr wrap="none" rtlCol="0">
+              <a:spAutoFit/>
+            </a:bodyPr>
+            <a:lstStyle/>
+            <a:p>
+              <a:r>
+                <a:rPr lang="es-CO" dirty="0" err="1" smtClean="0"/>
+                <a:t>dashboard.xhtml</a:t>
+              </a:r>
+              <a:endParaRPr lang="es-CO" dirty="0"/>
+            </a:p>
+          </p:txBody>
+        </p:sp>
+        <p:sp>
+          <p:nvSpPr>
+            <p:cNvPr id="44" name="43 Rectángulo"/>
+            <p:cNvSpPr/>
+            <p:nvPr/>
+          </p:nvSpPr>
+          <p:spPr>
+            <a:xfrm>
+              <a:off x="8004916" y="7029400"/>
+              <a:ext cx="5976664" cy="648072"/>
+            </a:xfrm>
+            <a:prstGeom prst="rect">
+              <a:avLst/>
+            </a:prstGeom>
+          </p:spPr>
+          <p:style>
+            <a:lnRef idx="1">
+              <a:schemeClr val="accent6"/>
+            </a:lnRef>
+            <a:fillRef idx="2">
+              <a:schemeClr val="accent6"/>
+            </a:fillRef>
+            <a:effectRef idx="1">
+              <a:schemeClr val="accent6"/>
+            </a:effectRef>
+            <a:fontRef idx="minor">
+              <a:schemeClr val="dk1"/>
+            </a:fontRef>
+          </p:style>
+          <p:txBody>
+            <a:bodyPr rtlCol="0" anchor="ctr"/>
+            <a:lstStyle/>
+            <a:p>
+              <a:pPr algn="ctr"/>
+              <a:r>
+                <a:rPr lang="es-CO" dirty="0" smtClean="0"/>
+                <a:t>(</a:t>
+              </a:r>
+              <a:r>
+                <a:rPr lang="es-CO" dirty="0" err="1" smtClean="0"/>
+                <a:t>footer</a:t>
+              </a:r>
+              <a:r>
+                <a:rPr lang="es-CO" dirty="0" smtClean="0"/>
+                <a:t>)</a:t>
+              </a:r>
+              <a:endParaRPr lang="es-CO" dirty="0"/>
+            </a:p>
+          </p:txBody>
+        </p:sp>
+        <p:sp>
+          <p:nvSpPr>
+            <p:cNvPr id="45" name="44 Rectángulo"/>
+            <p:cNvSpPr/>
+            <p:nvPr/>
+          </p:nvSpPr>
+          <p:spPr>
+            <a:xfrm>
+              <a:off x="8478884" y="4200762"/>
+              <a:ext cx="5112568" cy="2828637"/>
+            </a:xfrm>
+            <a:prstGeom prst="rect">
+              <a:avLst/>
+            </a:prstGeom>
+          </p:spPr>
+          <p:style>
+            <a:lnRef idx="1">
+              <a:schemeClr val="accent3"/>
+            </a:lnRef>
+            <a:fillRef idx="2">
+              <a:schemeClr val="accent3"/>
+            </a:fillRef>
+            <a:effectRef idx="1">
+              <a:schemeClr val="accent3"/>
+            </a:effectRef>
+            <a:fontRef idx="minor">
+              <a:schemeClr val="dk1"/>
+            </a:fontRef>
+          </p:style>
+          <p:txBody>
+            <a:bodyPr rtlCol="0" anchor="ctr"/>
+            <a:lstStyle/>
+            <a:p>
+              <a:pPr algn="ctr"/>
+              <a:r>
+                <a:rPr lang="es-CO" dirty="0" smtClean="0"/>
+                <a:t>(center)</a:t>
+              </a:r>
+              <a:endParaRPr lang="es-CO" dirty="0"/>
+            </a:p>
+          </p:txBody>
+        </p:sp>
+        <p:sp>
+          <p:nvSpPr>
+            <p:cNvPr id="46" name="45 Rectángulo"/>
+            <p:cNvSpPr/>
+            <p:nvPr/>
+          </p:nvSpPr>
+          <p:spPr>
+            <a:xfrm>
+              <a:off x="8478884" y="4200762"/>
+              <a:ext cx="2925492" cy="576065"/>
+            </a:xfrm>
+            <a:prstGeom prst="rect">
+              <a:avLst/>
+            </a:prstGeom>
+          </p:spPr>
+          <p:style>
+            <a:lnRef idx="1">
+              <a:schemeClr val="accent2"/>
+            </a:lnRef>
+            <a:fillRef idx="2">
+              <a:schemeClr val="accent2"/>
+            </a:fillRef>
+            <a:effectRef idx="1">
+              <a:schemeClr val="accent2"/>
+            </a:effectRef>
+            <a:fontRef idx="minor">
+              <a:schemeClr val="dk1"/>
+            </a:fontRef>
+          </p:style>
+          <p:txBody>
+            <a:bodyPr rtlCol="0" anchor="ctr"/>
+            <a:lstStyle/>
+            <a:p>
+              <a:pPr algn="ctr"/>
+              <a:r>
+                <a:rPr lang="es-CO" dirty="0" smtClean="0"/>
+                <a:t>(</a:t>
+              </a:r>
+              <a:r>
+                <a:rPr lang="es-CO" dirty="0" err="1" smtClean="0"/>
+                <a:t>header</a:t>
+              </a:r>
+              <a:r>
+                <a:rPr lang="es-CO" dirty="0" smtClean="0"/>
+                <a:t>)</a:t>
+              </a:r>
+              <a:endParaRPr lang="es-CO" dirty="0"/>
+            </a:p>
+          </p:txBody>
+        </p:sp>
+        <p:sp>
+          <p:nvSpPr>
+            <p:cNvPr id="50" name="49 Rectángulo"/>
+            <p:cNvSpPr/>
+            <p:nvPr/>
+          </p:nvSpPr>
+          <p:spPr>
+            <a:xfrm>
+              <a:off x="11404376" y="4200762"/>
+              <a:ext cx="2187076" cy="576065"/>
+            </a:xfrm>
+            <a:prstGeom prst="rect">
+              <a:avLst/>
+            </a:prstGeom>
+          </p:spPr>
+          <p:style>
+            <a:lnRef idx="1">
+              <a:schemeClr val="accent2"/>
+            </a:lnRef>
+            <a:fillRef idx="2">
+              <a:schemeClr val="accent2"/>
+            </a:fillRef>
+            <a:effectRef idx="1">
+              <a:schemeClr val="accent2"/>
+            </a:effectRef>
+            <a:fontRef idx="minor">
+              <a:schemeClr val="dk1"/>
+            </a:fontRef>
+          </p:style>
+          <p:txBody>
+            <a:bodyPr rtlCol="0" anchor="ctr"/>
+            <a:lstStyle/>
+            <a:p>
+              <a:pPr algn="ctr"/>
+              <a:r>
+                <a:rPr lang="es-CO" dirty="0" smtClean="0"/>
+                <a:t>(</a:t>
+              </a:r>
+              <a:r>
+                <a:rPr lang="es-CO" dirty="0" err="1" smtClean="0"/>
+                <a:t>user-section</a:t>
+              </a:r>
+              <a:r>
+                <a:rPr lang="es-CO" dirty="0" smtClean="0"/>
+                <a:t>)</a:t>
+              </a:r>
+              <a:endParaRPr lang="es-CO" dirty="0"/>
+            </a:p>
+          </p:txBody>
+        </p:sp>
+      </p:grpSp>
+    </p:spTree>
+    <p:extLst>
+      <p:ext uri="{BB962C8B-B14F-4D97-AF65-F5344CB8AC3E}">
+        <p14:creationId xmlns:p14="http://schemas.microsoft.com/office/powerpoint/2010/main" val="1178026677"/>
       </p:ext>
     </p:extLst>
   </p:cSld>

--- a/documentation/CLASS Modeler - Architecture.pptx
+++ b/documentation/CLASS Modeler - Architecture.pptx
@@ -5,13 +5,14 @@
     <p:sldMasterId id="2147483648" r:id="rId1"/>
   </p:sldMasterIdLst>
   <p:notesMasterIdLst>
-    <p:notesMasterId r:id="rId6"/>
+    <p:notesMasterId r:id="rId7"/>
   </p:notesMasterIdLst>
   <p:sldIdLst>
     <p:sldId id="256" r:id="rId2"/>
     <p:sldId id="257" r:id="rId3"/>
     <p:sldId id="258" r:id="rId4"/>
     <p:sldId id="259" r:id="rId5"/>
+    <p:sldId id="260" r:id="rId6"/>
   </p:sldIdLst>
   <p:sldSz cx="9144000" cy="6858000" type="screen4x3"/>
   <p:notesSz cx="6858000" cy="9144000"/>
@@ -195,7 +196,7 @@
           <a:p>
             <a:fld id="{509A3F4F-0BA0-4B22-9A96-AD8854429484}" type="datetimeFigureOut">
               <a:rPr lang="es-CO" smtClean="0"/>
-              <a:t>09/09/2013</a:t>
+              <a:t>10/09/2013</a:t>
             </a:fld>
             <a:endParaRPr lang="es-CO"/>
           </a:p>
@@ -728,7 +729,7 @@
           <a:p>
             <a:fld id="{C9465191-5304-47B4-B0A3-6FBFCBDFE76C}" type="datetimeFigureOut">
               <a:rPr lang="es-CO" smtClean="0"/>
-              <a:t>09/09/2013</a:t>
+              <a:t>10/09/2013</a:t>
             </a:fld>
             <a:endParaRPr lang="es-CO"/>
           </a:p>
@@ -898,7 +899,7 @@
           <a:p>
             <a:fld id="{C9465191-5304-47B4-B0A3-6FBFCBDFE76C}" type="datetimeFigureOut">
               <a:rPr lang="es-CO" smtClean="0"/>
-              <a:t>09/09/2013</a:t>
+              <a:t>10/09/2013</a:t>
             </a:fld>
             <a:endParaRPr lang="es-CO"/>
           </a:p>
@@ -1078,7 +1079,7 @@
           <a:p>
             <a:fld id="{C9465191-5304-47B4-B0A3-6FBFCBDFE76C}" type="datetimeFigureOut">
               <a:rPr lang="es-CO" smtClean="0"/>
-              <a:t>09/09/2013</a:t>
+              <a:t>10/09/2013</a:t>
             </a:fld>
             <a:endParaRPr lang="es-CO"/>
           </a:p>
@@ -1248,7 +1249,7 @@
           <a:p>
             <a:fld id="{C9465191-5304-47B4-B0A3-6FBFCBDFE76C}" type="datetimeFigureOut">
               <a:rPr lang="es-CO" smtClean="0"/>
-              <a:t>09/09/2013</a:t>
+              <a:t>10/09/2013</a:t>
             </a:fld>
             <a:endParaRPr lang="es-CO"/>
           </a:p>
@@ -1494,7 +1495,7 @@
           <a:p>
             <a:fld id="{C9465191-5304-47B4-B0A3-6FBFCBDFE76C}" type="datetimeFigureOut">
               <a:rPr lang="es-CO" smtClean="0"/>
-              <a:t>09/09/2013</a:t>
+              <a:t>10/09/2013</a:t>
             </a:fld>
             <a:endParaRPr lang="es-CO"/>
           </a:p>
@@ -1782,7 +1783,7 @@
           <a:p>
             <a:fld id="{C9465191-5304-47B4-B0A3-6FBFCBDFE76C}" type="datetimeFigureOut">
               <a:rPr lang="es-CO" smtClean="0"/>
-              <a:t>09/09/2013</a:t>
+              <a:t>10/09/2013</a:t>
             </a:fld>
             <a:endParaRPr lang="es-CO"/>
           </a:p>
@@ -2204,7 +2205,7 @@
           <a:p>
             <a:fld id="{C9465191-5304-47B4-B0A3-6FBFCBDFE76C}" type="datetimeFigureOut">
               <a:rPr lang="es-CO" smtClean="0"/>
-              <a:t>09/09/2013</a:t>
+              <a:t>10/09/2013</a:t>
             </a:fld>
             <a:endParaRPr lang="es-CO"/>
           </a:p>
@@ -2322,7 +2323,7 @@
           <a:p>
             <a:fld id="{C9465191-5304-47B4-B0A3-6FBFCBDFE76C}" type="datetimeFigureOut">
               <a:rPr lang="es-CO" smtClean="0"/>
-              <a:t>09/09/2013</a:t>
+              <a:t>10/09/2013</a:t>
             </a:fld>
             <a:endParaRPr lang="es-CO"/>
           </a:p>
@@ -2417,7 +2418,7 @@
           <a:p>
             <a:fld id="{C9465191-5304-47B4-B0A3-6FBFCBDFE76C}" type="datetimeFigureOut">
               <a:rPr lang="es-CO" smtClean="0"/>
-              <a:t>09/09/2013</a:t>
+              <a:t>10/09/2013</a:t>
             </a:fld>
             <a:endParaRPr lang="es-CO"/>
           </a:p>
@@ -2694,7 +2695,7 @@
           <a:p>
             <a:fld id="{C9465191-5304-47B4-B0A3-6FBFCBDFE76C}" type="datetimeFigureOut">
               <a:rPr lang="es-CO" smtClean="0"/>
-              <a:t>09/09/2013</a:t>
+              <a:t>10/09/2013</a:t>
             </a:fld>
             <a:endParaRPr lang="es-CO"/>
           </a:p>
@@ -2947,7 +2948,7 @@
           <a:p>
             <a:fld id="{C9465191-5304-47B4-B0A3-6FBFCBDFE76C}" type="datetimeFigureOut">
               <a:rPr lang="es-CO" smtClean="0"/>
-              <a:t>09/09/2013</a:t>
+              <a:t>10/09/2013</a:t>
             </a:fld>
             <a:endParaRPr lang="es-CO"/>
           </a:p>
@@ -3160,7 +3161,7 @@
           <a:p>
             <a:fld id="{C9465191-5304-47B4-B0A3-6FBFCBDFE76C}" type="datetimeFigureOut">
               <a:rPr lang="es-CO" smtClean="0"/>
-              <a:t>09/09/2013</a:t>
+              <a:t>10/09/2013</a:t>
             </a:fld>
             <a:endParaRPr lang="es-CO"/>
           </a:p>
@@ -6889,6 +6890,340 @@
 </p:sld>
 </file>
 
+<file path=ppt/slides/slide5.xml><?xml version="1.0" encoding="utf-8"?>
+<p:sld xmlns:a="http://schemas.openxmlformats.org/drawingml/2006/main" xmlns:r="http://schemas.openxmlformats.org/officeDocument/2006/relationships" xmlns:p="http://schemas.openxmlformats.org/presentationml/2006/main">
+  <p:cSld>
+    <p:spTree>
+      <p:nvGrpSpPr>
+        <p:cNvPr id="1" name=""/>
+        <p:cNvGrpSpPr/>
+        <p:nvPr/>
+      </p:nvGrpSpPr>
+      <p:grpSpPr>
+        <a:xfrm>
+          <a:off x="0" y="0"/>
+          <a:ext cx="0" cy="0"/>
+          <a:chOff x="0" y="0"/>
+          <a:chExt cx="0" cy="0"/>
+        </a:xfrm>
+      </p:grpSpPr>
+      <p:sp>
+        <p:nvSpPr>
+          <p:cNvPr id="4" name="3 Cilindro"/>
+          <p:cNvSpPr/>
+          <p:nvPr/>
+        </p:nvSpPr>
+        <p:spPr>
+          <a:xfrm>
+            <a:off x="1835696" y="2924944"/>
+            <a:ext cx="1224136" cy="877496"/>
+          </a:xfrm>
+          <a:prstGeom prst="can">
+            <a:avLst/>
+          </a:prstGeom>
+        </p:spPr>
+        <p:style>
+          <a:lnRef idx="1">
+            <a:schemeClr val="accent1"/>
+          </a:lnRef>
+          <a:fillRef idx="2">
+            <a:schemeClr val="accent1"/>
+          </a:fillRef>
+          <a:effectRef idx="1">
+            <a:schemeClr val="accent1"/>
+          </a:effectRef>
+          <a:fontRef idx="minor">
+            <a:schemeClr val="dk1"/>
+          </a:fontRef>
+        </p:style>
+        <p:txBody>
+          <a:bodyPr rtlCol="0" anchor="ctr"/>
+          <a:lstStyle/>
+          <a:p>
+            <a:pPr algn="ctr"/>
+            <a:r>
+              <a:rPr lang="es-CO" dirty="0" smtClean="0"/>
+              <a:t>MySQL</a:t>
+            </a:r>
+            <a:endParaRPr lang="es-CO" dirty="0"/>
+          </a:p>
+        </p:txBody>
+      </p:sp>
+      <p:sp>
+        <p:nvSpPr>
+          <p:cNvPr id="5" name="4 Flecha izquierda y derecha"/>
+          <p:cNvSpPr/>
+          <p:nvPr/>
+        </p:nvSpPr>
+        <p:spPr>
+          <a:xfrm>
+            <a:off x="3203848" y="3280420"/>
+            <a:ext cx="432048" cy="216024"/>
+          </a:xfrm>
+          <a:prstGeom prst="leftRightArrow">
+            <a:avLst/>
+          </a:prstGeom>
+        </p:spPr>
+        <p:style>
+          <a:lnRef idx="1">
+            <a:schemeClr val="accent2"/>
+          </a:lnRef>
+          <a:fillRef idx="2">
+            <a:schemeClr val="accent2"/>
+          </a:fillRef>
+          <a:effectRef idx="1">
+            <a:schemeClr val="accent2"/>
+          </a:effectRef>
+          <a:fontRef idx="minor">
+            <a:schemeClr val="dk1"/>
+          </a:fontRef>
+        </p:style>
+        <p:txBody>
+          <a:bodyPr rtlCol="0" anchor="ctr"/>
+          <a:lstStyle/>
+          <a:p>
+            <a:pPr algn="ctr"/>
+            <a:endParaRPr lang="es-CO"/>
+          </a:p>
+        </p:txBody>
+      </p:sp>
+      <p:pic>
+        <p:nvPicPr>
+          <p:cNvPr id="1027" name="Picture 3"/>
+          <p:cNvPicPr>
+            <a:picLocks noChangeAspect="1" noChangeArrowheads="1"/>
+          </p:cNvPicPr>
+          <p:nvPr/>
+        </p:nvPicPr>
+        <p:blipFill rotWithShape="1">
+          <a:blip r:embed="rId2">
+            <a:extLst>
+              <a:ext uri="{28A0092B-C50C-407E-A947-70E740481C1C}">
+                <a14:useLocalDpi xmlns:a14="http://schemas.microsoft.com/office/drawing/2010/main" val="0"/>
+              </a:ext>
+            </a:extLst>
+          </a:blip>
+          <a:srcRect l="6675" t="13217" r="6515" b="8118"/>
+          <a:stretch/>
+        </p:blipFill>
+        <p:spPr bwMode="auto">
+          <a:xfrm>
+            <a:off x="5155152" y="2344432"/>
+            <a:ext cx="2628360" cy="1881104"/>
+          </a:xfrm>
+          <a:prstGeom prst="rect">
+            <a:avLst/>
+          </a:prstGeom>
+          <a:noFill/>
+          <a:ln>
+            <a:noFill/>
+          </a:ln>
+          <a:effectLst/>
+          <a:extLst>
+            <a:ext uri="{909E8E84-426E-40DD-AFC4-6F175D3DCCD1}">
+              <a14:hiddenFill xmlns:a14="http://schemas.microsoft.com/office/drawing/2010/main">
+                <a:solidFill>
+                  <a:schemeClr val="accent1"/>
+                </a:solidFill>
+              </a14:hiddenFill>
+            </a:ext>
+            <a:ext uri="{91240B29-F687-4F45-9708-019B960494DF}">
+              <a14:hiddenLine xmlns:a14="http://schemas.microsoft.com/office/drawing/2010/main" w="9525">
+                <a:solidFill>
+                  <a:schemeClr val="tx1"/>
+                </a:solidFill>
+                <a:miter lim="800000"/>
+                <a:headEnd/>
+                <a:tailEnd/>
+              </a14:hiddenLine>
+            </a:ext>
+            <a:ext uri="{AF507438-7753-43E0-B8FC-AC1667EBCBE1}">
+              <a14:hiddenEffects xmlns:a14="http://schemas.microsoft.com/office/drawing/2010/main">
+                <a:effectLst>
+                  <a:outerShdw dist="35921" dir="2700000" algn="ctr" rotWithShape="0">
+                    <a:schemeClr val="bg2"/>
+                  </a:outerShdw>
+                </a:effectLst>
+              </a14:hiddenEffects>
+            </a:ext>
+          </a:extLst>
+        </p:spPr>
+      </p:pic>
+      <p:pic>
+        <p:nvPicPr>
+          <p:cNvPr id="1028" name="Picture 4"/>
+          <p:cNvPicPr>
+            <a:picLocks noChangeAspect="1" noChangeArrowheads="1"/>
+          </p:cNvPicPr>
+          <p:nvPr/>
+        </p:nvPicPr>
+        <p:blipFill rotWithShape="1">
+          <a:blip r:embed="rId3">
+            <a:extLst>
+              <a:ext uri="{28A0092B-C50C-407E-A947-70E740481C1C}">
+                <a14:useLocalDpi xmlns:a14="http://schemas.microsoft.com/office/drawing/2010/main" val="0"/>
+              </a:ext>
+            </a:extLst>
+          </a:blip>
+          <a:srcRect l="14167" t="25594" r="12606" b="17709"/>
+          <a:stretch/>
+        </p:blipFill>
+        <p:spPr bwMode="auto">
+          <a:xfrm>
+            <a:off x="5312782" y="2774938"/>
+            <a:ext cx="1347450" cy="1158118"/>
+          </a:xfrm>
+          <a:prstGeom prst="rect">
+            <a:avLst/>
+          </a:prstGeom>
+          <a:noFill/>
+          <a:ln>
+            <a:noFill/>
+          </a:ln>
+          <a:effectLst/>
+          <a:extLst>
+            <a:ext uri="{909E8E84-426E-40DD-AFC4-6F175D3DCCD1}">
+              <a14:hiddenFill xmlns:a14="http://schemas.microsoft.com/office/drawing/2010/main">
+                <a:solidFill>
+                  <a:schemeClr val="accent1"/>
+                </a:solidFill>
+              </a14:hiddenFill>
+            </a:ext>
+            <a:ext uri="{91240B29-F687-4F45-9708-019B960494DF}">
+              <a14:hiddenLine xmlns:a14="http://schemas.microsoft.com/office/drawing/2010/main" w="9525">
+                <a:solidFill>
+                  <a:schemeClr val="tx1"/>
+                </a:solidFill>
+                <a:miter lim="800000"/>
+                <a:headEnd/>
+                <a:tailEnd/>
+              </a14:hiddenLine>
+            </a:ext>
+            <a:ext uri="{AF507438-7753-43E0-B8FC-AC1667EBCBE1}">
+              <a14:hiddenEffects xmlns:a14="http://schemas.microsoft.com/office/drawing/2010/main">
+                <a:effectLst>
+                  <a:outerShdw dist="35921" dir="2700000" algn="ctr" rotWithShape="0">
+                    <a:schemeClr val="bg2"/>
+                  </a:outerShdw>
+                </a:effectLst>
+              </a14:hiddenEffects>
+            </a:ext>
+          </a:extLst>
+        </p:spPr>
+      </p:pic>
+      <p:pic>
+        <p:nvPicPr>
+          <p:cNvPr id="1026" name="Picture 2"/>
+          <p:cNvPicPr>
+            <a:picLocks noChangeAspect="1" noChangeArrowheads="1"/>
+          </p:cNvPicPr>
+          <p:nvPr/>
+        </p:nvPicPr>
+        <p:blipFill rotWithShape="1">
+          <a:blip r:embed="rId4">
+            <a:extLst>
+              <a:ext uri="{28A0092B-C50C-407E-A947-70E740481C1C}">
+                <a14:useLocalDpi xmlns:a14="http://schemas.microsoft.com/office/drawing/2010/main" val="0"/>
+              </a:ext>
+            </a:extLst>
+          </a:blip>
+          <a:srcRect l="11816" t="24410" r="12593" b="15747"/>
+          <a:stretch/>
+        </p:blipFill>
+        <p:spPr bwMode="auto">
+          <a:xfrm>
+            <a:off x="3707904" y="3046432"/>
+            <a:ext cx="1152000" cy="684000"/>
+          </a:xfrm>
+          <a:prstGeom prst="rect">
+            <a:avLst/>
+          </a:prstGeom>
+          <a:noFill/>
+          <a:ln>
+            <a:noFill/>
+          </a:ln>
+          <a:effectLst/>
+          <a:extLst>
+            <a:ext uri="{909E8E84-426E-40DD-AFC4-6F175D3DCCD1}">
+              <a14:hiddenFill xmlns:a14="http://schemas.microsoft.com/office/drawing/2010/main">
+                <a:solidFill>
+                  <a:schemeClr val="accent1"/>
+                </a:solidFill>
+              </a14:hiddenFill>
+            </a:ext>
+            <a:ext uri="{91240B29-F687-4F45-9708-019B960494DF}">
+              <a14:hiddenLine xmlns:a14="http://schemas.microsoft.com/office/drawing/2010/main" w="9525">
+                <a:solidFill>
+                  <a:schemeClr val="tx1"/>
+                </a:solidFill>
+                <a:miter lim="800000"/>
+                <a:headEnd/>
+                <a:tailEnd/>
+              </a14:hiddenLine>
+            </a:ext>
+            <a:ext uri="{AF507438-7753-43E0-B8FC-AC1667EBCBE1}">
+              <a14:hiddenEffects xmlns:a14="http://schemas.microsoft.com/office/drawing/2010/main">
+                <a:effectLst>
+                  <a:outerShdw dist="35921" dir="2700000" algn="ctr" rotWithShape="0">
+                    <a:schemeClr val="bg2"/>
+                  </a:outerShdw>
+                </a:effectLst>
+              </a14:hiddenEffects>
+            </a:ext>
+          </a:extLst>
+        </p:spPr>
+      </p:pic>
+      <p:sp>
+        <p:nvSpPr>
+          <p:cNvPr id="9" name="8 Flecha izquierda y derecha"/>
+          <p:cNvSpPr/>
+          <p:nvPr/>
+        </p:nvSpPr>
+        <p:spPr>
+          <a:xfrm>
+            <a:off x="4859904" y="3255680"/>
+            <a:ext cx="432048" cy="216024"/>
+          </a:xfrm>
+          <a:prstGeom prst="leftRightArrow">
+            <a:avLst/>
+          </a:prstGeom>
+        </p:spPr>
+        <p:style>
+          <a:lnRef idx="1">
+            <a:schemeClr val="accent2"/>
+          </a:lnRef>
+          <a:fillRef idx="2">
+            <a:schemeClr val="accent2"/>
+          </a:fillRef>
+          <a:effectRef idx="1">
+            <a:schemeClr val="accent2"/>
+          </a:effectRef>
+          <a:fontRef idx="minor">
+            <a:schemeClr val="dk1"/>
+          </a:fontRef>
+        </p:style>
+        <p:txBody>
+          <a:bodyPr rtlCol="0" anchor="ctr"/>
+          <a:lstStyle/>
+          <a:p>
+            <a:pPr algn="ctr"/>
+            <a:endParaRPr lang="es-CO"/>
+          </a:p>
+        </p:txBody>
+      </p:sp>
+    </p:spTree>
+    <p:extLst>
+      <p:ext uri="{BB962C8B-B14F-4D97-AF65-F5344CB8AC3E}">
+        <p14:creationId xmlns:p14="http://schemas.microsoft.com/office/powerpoint/2010/main" val="2701487075"/>
+      </p:ext>
+    </p:extLst>
+  </p:cSld>
+  <p:clrMapOvr>
+    <a:masterClrMapping/>
+  </p:clrMapOvr>
+</p:sld>
+</file>
+
 <file path=ppt/theme/theme1.xml><?xml version="1.0" encoding="utf-8"?>
 <a:theme xmlns:a="http://schemas.openxmlformats.org/drawingml/2006/main" name="Tema de Office">
   <a:themeElements>

--- a/documentation/CLASS Modeler - Architecture.pptx
+++ b/documentation/CLASS Modeler - Architecture.pptx
@@ -196,7 +196,7 @@
           <a:p>
             <a:fld id="{509A3F4F-0BA0-4B22-9A96-AD8854429484}" type="datetimeFigureOut">
               <a:rPr lang="es-CO" smtClean="0"/>
-              <a:t>10/09/2013</a:t>
+              <a:t>27/10/2013</a:t>
             </a:fld>
             <a:endParaRPr lang="es-CO"/>
           </a:p>
@@ -729,7 +729,7 @@
           <a:p>
             <a:fld id="{C9465191-5304-47B4-B0A3-6FBFCBDFE76C}" type="datetimeFigureOut">
               <a:rPr lang="es-CO" smtClean="0"/>
-              <a:t>10/09/2013</a:t>
+              <a:t>27/10/2013</a:t>
             </a:fld>
             <a:endParaRPr lang="es-CO"/>
           </a:p>
@@ -899,7 +899,7 @@
           <a:p>
             <a:fld id="{C9465191-5304-47B4-B0A3-6FBFCBDFE76C}" type="datetimeFigureOut">
               <a:rPr lang="es-CO" smtClean="0"/>
-              <a:t>10/09/2013</a:t>
+              <a:t>27/10/2013</a:t>
             </a:fld>
             <a:endParaRPr lang="es-CO"/>
           </a:p>
@@ -1079,7 +1079,7 @@
           <a:p>
             <a:fld id="{C9465191-5304-47B4-B0A3-6FBFCBDFE76C}" type="datetimeFigureOut">
               <a:rPr lang="es-CO" smtClean="0"/>
-              <a:t>10/09/2013</a:t>
+              <a:t>27/10/2013</a:t>
             </a:fld>
             <a:endParaRPr lang="es-CO"/>
           </a:p>
@@ -1249,7 +1249,7 @@
           <a:p>
             <a:fld id="{C9465191-5304-47B4-B0A3-6FBFCBDFE76C}" type="datetimeFigureOut">
               <a:rPr lang="es-CO" smtClean="0"/>
-              <a:t>10/09/2013</a:t>
+              <a:t>27/10/2013</a:t>
             </a:fld>
             <a:endParaRPr lang="es-CO"/>
           </a:p>
@@ -1495,7 +1495,7 @@
           <a:p>
             <a:fld id="{C9465191-5304-47B4-B0A3-6FBFCBDFE76C}" type="datetimeFigureOut">
               <a:rPr lang="es-CO" smtClean="0"/>
-              <a:t>10/09/2013</a:t>
+              <a:t>27/10/2013</a:t>
             </a:fld>
             <a:endParaRPr lang="es-CO"/>
           </a:p>
@@ -1783,7 +1783,7 @@
           <a:p>
             <a:fld id="{C9465191-5304-47B4-B0A3-6FBFCBDFE76C}" type="datetimeFigureOut">
               <a:rPr lang="es-CO" smtClean="0"/>
-              <a:t>10/09/2013</a:t>
+              <a:t>27/10/2013</a:t>
             </a:fld>
             <a:endParaRPr lang="es-CO"/>
           </a:p>
@@ -2205,7 +2205,7 @@
           <a:p>
             <a:fld id="{C9465191-5304-47B4-B0A3-6FBFCBDFE76C}" type="datetimeFigureOut">
               <a:rPr lang="es-CO" smtClean="0"/>
-              <a:t>10/09/2013</a:t>
+              <a:t>27/10/2013</a:t>
             </a:fld>
             <a:endParaRPr lang="es-CO"/>
           </a:p>
@@ -2323,7 +2323,7 @@
           <a:p>
             <a:fld id="{C9465191-5304-47B4-B0A3-6FBFCBDFE76C}" type="datetimeFigureOut">
               <a:rPr lang="es-CO" smtClean="0"/>
-              <a:t>10/09/2013</a:t>
+              <a:t>27/10/2013</a:t>
             </a:fld>
             <a:endParaRPr lang="es-CO"/>
           </a:p>
@@ -2418,7 +2418,7 @@
           <a:p>
             <a:fld id="{C9465191-5304-47B4-B0A3-6FBFCBDFE76C}" type="datetimeFigureOut">
               <a:rPr lang="es-CO" smtClean="0"/>
-              <a:t>10/09/2013</a:t>
+              <a:t>27/10/2013</a:t>
             </a:fld>
             <a:endParaRPr lang="es-CO"/>
           </a:p>
@@ -2695,7 +2695,7 @@
           <a:p>
             <a:fld id="{C9465191-5304-47B4-B0A3-6FBFCBDFE76C}" type="datetimeFigureOut">
               <a:rPr lang="es-CO" smtClean="0"/>
-              <a:t>10/09/2013</a:t>
+              <a:t>27/10/2013</a:t>
             </a:fld>
             <a:endParaRPr lang="es-CO"/>
           </a:p>
@@ -2948,7 +2948,7 @@
           <a:p>
             <a:fld id="{C9465191-5304-47B4-B0A3-6FBFCBDFE76C}" type="datetimeFigureOut">
               <a:rPr lang="es-CO" smtClean="0"/>
-              <a:t>10/09/2013</a:t>
+              <a:t>27/10/2013</a:t>
             </a:fld>
             <a:endParaRPr lang="es-CO"/>
           </a:p>
@@ -3161,7 +3161,7 @@
           <a:p>
             <a:fld id="{C9465191-5304-47B4-B0A3-6FBFCBDFE76C}" type="datetimeFigureOut">
               <a:rPr lang="es-CO" smtClean="0"/>
-              <a:t>10/09/2013</a:t>
+              <a:t>27/10/2013</a:t>
             </a:fld>
             <a:endParaRPr lang="es-CO"/>
           </a:p>
@@ -3661,16 +3661,16 @@
             </p:spPr>
             <p:style>
               <a:lnRef idx="1">
-                <a:schemeClr val="accent3"/>
+                <a:schemeClr val="accent2"/>
               </a:lnRef>
-              <a:fillRef idx="3">
-                <a:schemeClr val="accent3"/>
+              <a:fillRef idx="2">
+                <a:schemeClr val="accent2"/>
               </a:fillRef>
-              <a:effectRef idx="2">
-                <a:schemeClr val="accent3"/>
+              <a:effectRef idx="1">
+                <a:schemeClr val="accent2"/>
               </a:effectRef>
               <a:fontRef idx="minor">
-                <a:schemeClr val="lt1"/>
+                <a:schemeClr val="dk1"/>
               </a:fontRef>
             </p:style>
             <p:txBody>
@@ -4036,14 +4036,14 @@
               <a:lnRef idx="1">
                 <a:schemeClr val="accent4"/>
               </a:lnRef>
-              <a:fillRef idx="3">
+              <a:fillRef idx="2">
                 <a:schemeClr val="accent4"/>
               </a:fillRef>
-              <a:effectRef idx="2">
+              <a:effectRef idx="1">
                 <a:schemeClr val="accent4"/>
               </a:effectRef>
               <a:fontRef idx="minor">
-                <a:schemeClr val="lt1"/>
+                <a:schemeClr val="dk1"/>
               </a:fontRef>
             </p:style>
             <p:txBody>
@@ -4120,18 +4120,10 @@
               <a:lstStyle/>
               <a:p>
                 <a:r>
-                  <a:rPr lang="es-MX" dirty="0" smtClean="0">
-                    <a:solidFill>
-                      <a:schemeClr val="bg1"/>
-                    </a:solidFill>
-                  </a:rPr>
+                  <a:rPr lang="es-MX" dirty="0" smtClean="0"/>
                   <a:t>Servidor de Aplicaciones (J2EE)</a:t>
                 </a:r>
-                <a:endParaRPr lang="es-CO" dirty="0">
-                  <a:solidFill>
-                    <a:schemeClr val="bg1"/>
-                  </a:solidFill>
-                </a:endParaRPr>
+                <a:endParaRPr lang="es-CO" dirty="0"/>
               </a:p>
             </p:txBody>
           </p:sp>
@@ -4166,16 +4158,16 @@
               </p:spPr>
               <p:style>
                 <a:lnRef idx="1">
-                  <a:schemeClr val="accent2"/>
+                  <a:schemeClr val="accent6"/>
                 </a:lnRef>
-                <a:fillRef idx="3">
-                  <a:schemeClr val="accent2"/>
+                <a:fillRef idx="2">
+                  <a:schemeClr val="accent6"/>
                 </a:fillRef>
-                <a:effectRef idx="2">
-                  <a:schemeClr val="accent2"/>
+                <a:effectRef idx="1">
+                  <a:schemeClr val="accent6"/>
                 </a:effectRef>
                 <a:fontRef idx="minor">
-                  <a:schemeClr val="lt1"/>
+                  <a:schemeClr val="dk1"/>
                 </a:fontRef>
               </p:style>
               <p:txBody>
@@ -4633,16 +4625,16 @@
               </p:spPr>
               <p:style>
                 <a:lnRef idx="1">
-                  <a:schemeClr val="accent2"/>
+                  <a:schemeClr val="accent6"/>
                 </a:lnRef>
-                <a:fillRef idx="3">
-                  <a:schemeClr val="accent2"/>
+                <a:fillRef idx="2">
+                  <a:schemeClr val="accent6"/>
                 </a:fillRef>
-                <a:effectRef idx="2">
-                  <a:schemeClr val="accent2"/>
+                <a:effectRef idx="1">
+                  <a:schemeClr val="accent6"/>
                 </a:effectRef>
                 <a:fontRef idx="minor">
-                  <a:schemeClr val="lt1"/>
+                  <a:schemeClr val="dk1"/>
                 </a:fontRef>
               </p:style>
               <p:txBody>
@@ -5008,13 +5000,14 @@
                 </a:bodyPr>
                 <a:lstStyle/>
                 <a:p>
+                  <a:pPr algn="ctr"/>
                   <a:r>
                     <a:rPr lang="es-MX" sz="1400" dirty="0" smtClean="0">
                       <a:solidFill>
                         <a:schemeClr val="bg1"/>
                       </a:solidFill>
                     </a:rPr>
-                    <a:t>Presentación</a:t>
+                    <a:t>Integración</a:t>
                   </a:r>
                   <a:endParaRPr lang="es-CO" sz="1400" dirty="0">
                     <a:solidFill>

--- a/documentation/CLASS Modeler - Architecture.pptx
+++ b/documentation/CLASS Modeler - Architecture.pptx
@@ -196,7 +196,7 @@
           <a:p>
             <a:fld id="{509A3F4F-0BA0-4B22-9A96-AD8854429484}" type="datetimeFigureOut">
               <a:rPr lang="es-CO" smtClean="0"/>
-              <a:t>27/10/2013</a:t>
+              <a:t>13/04/2014</a:t>
             </a:fld>
             <a:endParaRPr lang="es-CO"/>
           </a:p>
@@ -729,7 +729,7 @@
           <a:p>
             <a:fld id="{C9465191-5304-47B4-B0A3-6FBFCBDFE76C}" type="datetimeFigureOut">
               <a:rPr lang="es-CO" smtClean="0"/>
-              <a:t>27/10/2013</a:t>
+              <a:t>13/04/2014</a:t>
             </a:fld>
             <a:endParaRPr lang="es-CO"/>
           </a:p>
@@ -899,7 +899,7 @@
           <a:p>
             <a:fld id="{C9465191-5304-47B4-B0A3-6FBFCBDFE76C}" type="datetimeFigureOut">
               <a:rPr lang="es-CO" smtClean="0"/>
-              <a:t>27/10/2013</a:t>
+              <a:t>13/04/2014</a:t>
             </a:fld>
             <a:endParaRPr lang="es-CO"/>
           </a:p>
@@ -1079,7 +1079,7 @@
           <a:p>
             <a:fld id="{C9465191-5304-47B4-B0A3-6FBFCBDFE76C}" type="datetimeFigureOut">
               <a:rPr lang="es-CO" smtClean="0"/>
-              <a:t>27/10/2013</a:t>
+              <a:t>13/04/2014</a:t>
             </a:fld>
             <a:endParaRPr lang="es-CO"/>
           </a:p>
@@ -1249,7 +1249,7 @@
           <a:p>
             <a:fld id="{C9465191-5304-47B4-B0A3-6FBFCBDFE76C}" type="datetimeFigureOut">
               <a:rPr lang="es-CO" smtClean="0"/>
-              <a:t>27/10/2013</a:t>
+              <a:t>13/04/2014</a:t>
             </a:fld>
             <a:endParaRPr lang="es-CO"/>
           </a:p>
@@ -1495,7 +1495,7 @@
           <a:p>
             <a:fld id="{C9465191-5304-47B4-B0A3-6FBFCBDFE76C}" type="datetimeFigureOut">
               <a:rPr lang="es-CO" smtClean="0"/>
-              <a:t>27/10/2013</a:t>
+              <a:t>13/04/2014</a:t>
             </a:fld>
             <a:endParaRPr lang="es-CO"/>
           </a:p>
@@ -1783,7 +1783,7 @@
           <a:p>
             <a:fld id="{C9465191-5304-47B4-B0A3-6FBFCBDFE76C}" type="datetimeFigureOut">
               <a:rPr lang="es-CO" smtClean="0"/>
-              <a:t>27/10/2013</a:t>
+              <a:t>13/04/2014</a:t>
             </a:fld>
             <a:endParaRPr lang="es-CO"/>
           </a:p>
@@ -2205,7 +2205,7 @@
           <a:p>
             <a:fld id="{C9465191-5304-47B4-B0A3-6FBFCBDFE76C}" type="datetimeFigureOut">
               <a:rPr lang="es-CO" smtClean="0"/>
-              <a:t>27/10/2013</a:t>
+              <a:t>13/04/2014</a:t>
             </a:fld>
             <a:endParaRPr lang="es-CO"/>
           </a:p>
@@ -2323,7 +2323,7 @@
           <a:p>
             <a:fld id="{C9465191-5304-47B4-B0A3-6FBFCBDFE76C}" type="datetimeFigureOut">
               <a:rPr lang="es-CO" smtClean="0"/>
-              <a:t>27/10/2013</a:t>
+              <a:t>13/04/2014</a:t>
             </a:fld>
             <a:endParaRPr lang="es-CO"/>
           </a:p>
@@ -2418,7 +2418,7 @@
           <a:p>
             <a:fld id="{C9465191-5304-47B4-B0A3-6FBFCBDFE76C}" type="datetimeFigureOut">
               <a:rPr lang="es-CO" smtClean="0"/>
-              <a:t>27/10/2013</a:t>
+              <a:t>13/04/2014</a:t>
             </a:fld>
             <a:endParaRPr lang="es-CO"/>
           </a:p>
@@ -2695,7 +2695,7 @@
           <a:p>
             <a:fld id="{C9465191-5304-47B4-B0A3-6FBFCBDFE76C}" type="datetimeFigureOut">
               <a:rPr lang="es-CO" smtClean="0"/>
-              <a:t>27/10/2013</a:t>
+              <a:t>13/04/2014</a:t>
             </a:fld>
             <a:endParaRPr lang="es-CO"/>
           </a:p>
@@ -2948,7 +2948,7 @@
           <a:p>
             <a:fld id="{C9465191-5304-47B4-B0A3-6FBFCBDFE76C}" type="datetimeFigureOut">
               <a:rPr lang="es-CO" smtClean="0"/>
-              <a:t>27/10/2013</a:t>
+              <a:t>13/04/2014</a:t>
             </a:fld>
             <a:endParaRPr lang="es-CO"/>
           </a:p>
@@ -3161,7 +3161,7 @@
           <a:p>
             <a:fld id="{C9465191-5304-47B4-B0A3-6FBFCBDFE76C}" type="datetimeFigureOut">
               <a:rPr lang="es-CO" smtClean="0"/>
-              <a:t>27/10/2013</a:t>
+              <a:t>13/04/2014</a:t>
             </a:fld>
             <a:endParaRPr lang="es-CO"/>
           </a:p>
@@ -3536,100 +3536,156 @@
           <a:chExt cx="0" cy="0"/>
         </a:xfrm>
       </p:grpSpPr>
-      <p:sp>
-        <p:nvSpPr>
-          <p:cNvPr id="28" name="27 CuadroTexto"/>
-          <p:cNvSpPr txBox="1"/>
-          <p:nvPr/>
-        </p:nvSpPr>
-        <p:spPr>
-          <a:xfrm rot="16200000">
-            <a:off x="1575688" y="5612906"/>
-            <a:ext cx="1085050" cy="307777"/>
-          </a:xfrm>
-          <a:prstGeom prst="rect">
-            <a:avLst/>
-          </a:prstGeom>
-          <a:noFill/>
-        </p:spPr>
-        <p:txBody>
-          <a:bodyPr wrap="square" rtlCol="0">
-            <a:spAutoFit/>
-          </a:bodyPr>
-          <a:lstStyle/>
-          <a:p>
-            <a:r>
-              <a:rPr lang="es-MX" sz="1400" dirty="0" smtClean="0">
-                <a:solidFill>
-                  <a:schemeClr val="bg1"/>
-                </a:solidFill>
-              </a:rPr>
-              <a:t>Integración</a:t>
-            </a:r>
-            <a:endParaRPr lang="es-CO" sz="1400" dirty="0">
-              <a:solidFill>
-                <a:schemeClr val="bg1"/>
-              </a:solidFill>
-            </a:endParaRPr>
-          </a:p>
-        </p:txBody>
-      </p:sp>
       <p:grpSp>
         <p:nvGrpSpPr>
-          <p:cNvPr id="22" name="21 Grupo"/>
+          <p:cNvPr id="21" name="20 Grupo"/>
           <p:cNvGrpSpPr/>
           <p:nvPr/>
         </p:nvGrpSpPr>
         <p:grpSpPr>
           <a:xfrm>
-            <a:off x="807386" y="-173839"/>
-            <a:ext cx="7370488" cy="7232955"/>
-            <a:chOff x="807386" y="-173839"/>
-            <a:chExt cx="7370488" cy="7232955"/>
+            <a:off x="833058" y="-173839"/>
+            <a:ext cx="7344816" cy="7275247"/>
+            <a:chOff x="833058" y="-173839"/>
+            <a:chExt cx="7344816" cy="7275247"/>
           </a:xfrm>
         </p:grpSpPr>
         <p:sp>
           <p:nvSpPr>
-            <p:cNvPr id="6" name="5 Cilindro"/>
-            <p:cNvSpPr/>
+            <p:cNvPr id="28" name="27 CuadroTexto"/>
+            <p:cNvSpPr txBox="1"/>
             <p:nvPr/>
           </p:nvSpPr>
           <p:spPr>
-            <a:xfrm>
-              <a:off x="3929402" y="6411044"/>
-              <a:ext cx="1584176" cy="648072"/>
+            <a:xfrm rot="16200000">
+              <a:off x="1575688" y="5612906"/>
+              <a:ext cx="1085050" cy="307777"/>
             </a:xfrm>
-            <a:prstGeom prst="can">
+            <a:prstGeom prst="rect">
               <a:avLst/>
             </a:prstGeom>
+            <a:noFill/>
           </p:spPr>
-          <p:style>
-            <a:lnRef idx="1">
-              <a:schemeClr val="accent1"/>
-            </a:lnRef>
-            <a:fillRef idx="3">
-              <a:schemeClr val="accent1"/>
-            </a:fillRef>
-            <a:effectRef idx="2">
-              <a:schemeClr val="accent1"/>
-            </a:effectRef>
-            <a:fontRef idx="minor">
-              <a:schemeClr val="lt1"/>
-            </a:fontRef>
-          </p:style>
           <p:txBody>
-            <a:bodyPr rtlCol="0" anchor="ctr"/>
+            <a:bodyPr wrap="square" rtlCol="0">
+              <a:spAutoFit/>
+            </a:bodyPr>
             <a:lstStyle/>
             <a:p>
-              <a:pPr algn="ctr"/>
               <a:r>
-                <a:rPr lang="es-MX" dirty="0" smtClean="0"/>
-                <a:t>Datos</a:t>
+                <a:rPr lang="es-MX" sz="1400" dirty="0" smtClean="0">
+                  <a:solidFill>
+                    <a:schemeClr val="bg1"/>
+                  </a:solidFill>
+                </a:rPr>
+                <a:t>Integración</a:t>
               </a:r>
-              <a:endParaRPr lang="es-CO" dirty="0"/>
+              <a:endParaRPr lang="es-CO" sz="1400" dirty="0">
+                <a:solidFill>
+                  <a:schemeClr val="bg1"/>
+                </a:solidFill>
+              </a:endParaRPr>
             </a:p>
           </p:txBody>
         </p:sp>
+        <p:grpSp>
+          <p:nvGrpSpPr>
+            <p:cNvPr id="13" name="12 Grupo"/>
+            <p:cNvGrpSpPr/>
+            <p:nvPr/>
+          </p:nvGrpSpPr>
+          <p:grpSpPr>
+            <a:xfrm>
+              <a:off x="833058" y="6267028"/>
+              <a:ext cx="7344816" cy="834380"/>
+              <a:chOff x="-758787" y="6561298"/>
+              <a:chExt cx="7344816" cy="834380"/>
+            </a:xfrm>
+          </p:grpSpPr>
+          <p:sp>
+            <p:nvSpPr>
+              <p:cNvPr id="12" name="11 Rectángulo"/>
+              <p:cNvSpPr/>
+              <p:nvPr/>
+            </p:nvSpPr>
+            <p:spPr>
+              <a:xfrm>
+                <a:off x="-758787" y="6561298"/>
+                <a:ext cx="7344816" cy="834380"/>
+              </a:xfrm>
+              <a:prstGeom prst="rect">
+                <a:avLst/>
+              </a:prstGeom>
+            </p:spPr>
+            <p:style>
+              <a:lnRef idx="1">
+                <a:schemeClr val="accent1"/>
+              </a:lnRef>
+              <a:fillRef idx="2">
+                <a:schemeClr val="accent1"/>
+              </a:fillRef>
+              <a:effectRef idx="1">
+                <a:schemeClr val="accent1"/>
+              </a:effectRef>
+              <a:fontRef idx="minor">
+                <a:schemeClr val="dk1"/>
+              </a:fontRef>
+            </p:style>
+            <p:txBody>
+              <a:bodyPr rtlCol="0" anchor="ctr"/>
+              <a:lstStyle/>
+              <a:p>
+                <a:r>
+                  <a:rPr lang="es-CO" dirty="0" smtClean="0"/>
+                  <a:t>     Datos (DBMS)</a:t>
+                </a:r>
+                <a:endParaRPr lang="es-CO" dirty="0"/>
+              </a:p>
+            </p:txBody>
+          </p:sp>
+          <p:sp>
+            <p:nvSpPr>
+              <p:cNvPr id="6" name="5 Cilindro"/>
+              <p:cNvSpPr/>
+              <p:nvPr/>
+            </p:nvSpPr>
+            <p:spPr>
+              <a:xfrm>
+                <a:off x="1997533" y="6654452"/>
+                <a:ext cx="1786000" cy="648072"/>
+              </a:xfrm>
+              <a:prstGeom prst="can">
+                <a:avLst/>
+              </a:prstGeom>
+            </p:spPr>
+            <p:style>
+              <a:lnRef idx="1">
+                <a:schemeClr val="accent1"/>
+              </a:lnRef>
+              <a:fillRef idx="3">
+                <a:schemeClr val="accent1"/>
+              </a:fillRef>
+              <a:effectRef idx="2">
+                <a:schemeClr val="accent1"/>
+              </a:effectRef>
+              <a:fontRef idx="minor">
+                <a:schemeClr val="lt1"/>
+              </a:fontRef>
+            </p:style>
+            <p:txBody>
+              <a:bodyPr rtlCol="0" anchor="ctr"/>
+              <a:lstStyle/>
+              <a:p>
+                <a:pPr algn="ctr"/>
+                <a:r>
+                  <a:rPr lang="es-MX" dirty="0" err="1" smtClean="0"/>
+                  <a:t>MySQL</a:t>
+                </a:r>
+                <a:endParaRPr lang="es-CO" dirty="0"/>
+              </a:p>
+            </p:txBody>
+          </p:sp>
+        </p:grpSp>
         <p:grpSp>
           <p:nvGrpSpPr>
             <p:cNvPr id="3" name="2 Grupo"/>
@@ -3679,7 +3735,15 @@
               <a:p>
                 <a:r>
                   <a:rPr lang="es-MX" dirty="0" smtClean="0"/>
-                  <a:t>Cliente (Navegador Web)</a:t>
+                  <a:t>     Cliente </a:t>
+                </a:r>
+                <a:r>
+                  <a:rPr lang="es-MX" dirty="0" smtClean="0"/>
+                  <a:t>(</a:t>
+                </a:r>
+                <a:r>
+                  <a:rPr lang="es-MX" dirty="0" smtClean="0"/>
+                  <a:t>Navegador)</a:t>
                 </a:r>
                 <a:endParaRPr lang="es-CO" dirty="0"/>
               </a:p>
@@ -4011,8 +4075,8 @@
           </p:nvGrpSpPr>
           <p:grpSpPr>
             <a:xfrm>
-              <a:off x="807386" y="1100004"/>
-              <a:ext cx="7370487" cy="5185093"/>
+              <a:off x="833058" y="980211"/>
+              <a:ext cx="7344815" cy="5185093"/>
               <a:chOff x="-6060364" y="1050671"/>
               <a:chExt cx="7370487" cy="5185093"/>
             </a:xfrm>
@@ -4202,18 +4266,10 @@
                 <a:lstStyle/>
                 <a:p>
                   <a:r>
-                    <a:rPr lang="es-MX" sz="1400" dirty="0" smtClean="0">
-                      <a:solidFill>
-                        <a:schemeClr val="bg1"/>
-                      </a:solidFill>
-                    </a:rPr>
+                    <a:rPr lang="es-MX" sz="1400" dirty="0" smtClean="0"/>
                     <a:t>Presentación y Control</a:t>
                   </a:r>
-                  <a:endParaRPr lang="es-CO" sz="1400" dirty="0">
-                    <a:solidFill>
-                      <a:schemeClr val="bg1"/>
-                    </a:solidFill>
-                  </a:endParaRPr>
+                  <a:endParaRPr lang="es-CO" sz="1400" dirty="0"/>
                 </a:p>
               </p:txBody>
             </p:sp>
@@ -4963,18 +5019,10 @@
                 <a:lstStyle/>
                 <a:p>
                   <a:r>
-                    <a:rPr lang="es-MX" sz="1400" dirty="0" smtClean="0">
-                      <a:solidFill>
-                        <a:schemeClr val="bg1"/>
-                      </a:solidFill>
-                    </a:rPr>
+                    <a:rPr lang="es-MX" sz="1400" dirty="0" smtClean="0"/>
                     <a:t>Lógica de negocio</a:t>
                   </a:r>
-                  <a:endParaRPr lang="es-CO" sz="1400" dirty="0">
-                    <a:solidFill>
-                      <a:schemeClr val="bg1"/>
-                    </a:solidFill>
-                  </a:endParaRPr>
+                  <a:endParaRPr lang="es-CO" sz="1400" dirty="0"/>
                 </a:p>
               </p:txBody>
             </p:sp>
@@ -5002,18 +5050,10 @@
                 <a:p>
                   <a:pPr algn="ctr"/>
                   <a:r>
-                    <a:rPr lang="es-MX" sz="1400" dirty="0" smtClean="0">
-                      <a:solidFill>
-                        <a:schemeClr val="bg1"/>
-                      </a:solidFill>
-                    </a:rPr>
+                    <a:rPr lang="es-MX" sz="1400" dirty="0" smtClean="0"/>
                     <a:t>Integración</a:t>
                   </a:r>
-                  <a:endParaRPr lang="es-CO" sz="1400" dirty="0">
-                    <a:solidFill>
-                      <a:schemeClr val="bg1"/>
-                    </a:solidFill>
-                  </a:endParaRPr>
+                  <a:endParaRPr lang="es-CO" sz="1400" dirty="0"/>
                 </a:p>
               </p:txBody>
             </p:sp>

--- a/documentation/CLASS Modeler - Architecture.pptx
+++ b/documentation/CLASS Modeler - Architecture.pptx
@@ -196,7 +196,7 @@
           <a:p>
             <a:fld id="{509A3F4F-0BA0-4B22-9A96-AD8854429484}" type="datetimeFigureOut">
               <a:rPr lang="es-CO" smtClean="0"/>
-              <a:t>13/04/2014</a:t>
+              <a:t>14/04/2014</a:t>
             </a:fld>
             <a:endParaRPr lang="es-CO"/>
           </a:p>
@@ -729,7 +729,7 @@
           <a:p>
             <a:fld id="{C9465191-5304-47B4-B0A3-6FBFCBDFE76C}" type="datetimeFigureOut">
               <a:rPr lang="es-CO" smtClean="0"/>
-              <a:t>13/04/2014</a:t>
+              <a:t>14/04/2014</a:t>
             </a:fld>
             <a:endParaRPr lang="es-CO"/>
           </a:p>
@@ -899,7 +899,7 @@
           <a:p>
             <a:fld id="{C9465191-5304-47B4-B0A3-6FBFCBDFE76C}" type="datetimeFigureOut">
               <a:rPr lang="es-CO" smtClean="0"/>
-              <a:t>13/04/2014</a:t>
+              <a:t>14/04/2014</a:t>
             </a:fld>
             <a:endParaRPr lang="es-CO"/>
           </a:p>
@@ -1079,7 +1079,7 @@
           <a:p>
             <a:fld id="{C9465191-5304-47B4-B0A3-6FBFCBDFE76C}" type="datetimeFigureOut">
               <a:rPr lang="es-CO" smtClean="0"/>
-              <a:t>13/04/2014</a:t>
+              <a:t>14/04/2014</a:t>
             </a:fld>
             <a:endParaRPr lang="es-CO"/>
           </a:p>
@@ -1249,7 +1249,7 @@
           <a:p>
             <a:fld id="{C9465191-5304-47B4-B0A3-6FBFCBDFE76C}" type="datetimeFigureOut">
               <a:rPr lang="es-CO" smtClean="0"/>
-              <a:t>13/04/2014</a:t>
+              <a:t>14/04/2014</a:t>
             </a:fld>
             <a:endParaRPr lang="es-CO"/>
           </a:p>
@@ -1495,7 +1495,7 @@
           <a:p>
             <a:fld id="{C9465191-5304-47B4-B0A3-6FBFCBDFE76C}" type="datetimeFigureOut">
               <a:rPr lang="es-CO" smtClean="0"/>
-              <a:t>13/04/2014</a:t>
+              <a:t>14/04/2014</a:t>
             </a:fld>
             <a:endParaRPr lang="es-CO"/>
           </a:p>
@@ -1783,7 +1783,7 @@
           <a:p>
             <a:fld id="{C9465191-5304-47B4-B0A3-6FBFCBDFE76C}" type="datetimeFigureOut">
               <a:rPr lang="es-CO" smtClean="0"/>
-              <a:t>13/04/2014</a:t>
+              <a:t>14/04/2014</a:t>
             </a:fld>
             <a:endParaRPr lang="es-CO"/>
           </a:p>
@@ -2205,7 +2205,7 @@
           <a:p>
             <a:fld id="{C9465191-5304-47B4-B0A3-6FBFCBDFE76C}" type="datetimeFigureOut">
               <a:rPr lang="es-CO" smtClean="0"/>
-              <a:t>13/04/2014</a:t>
+              <a:t>14/04/2014</a:t>
             </a:fld>
             <a:endParaRPr lang="es-CO"/>
           </a:p>
@@ -2323,7 +2323,7 @@
           <a:p>
             <a:fld id="{C9465191-5304-47B4-B0A3-6FBFCBDFE76C}" type="datetimeFigureOut">
               <a:rPr lang="es-CO" smtClean="0"/>
-              <a:t>13/04/2014</a:t>
+              <a:t>14/04/2014</a:t>
             </a:fld>
             <a:endParaRPr lang="es-CO"/>
           </a:p>
@@ -2418,7 +2418,7 @@
           <a:p>
             <a:fld id="{C9465191-5304-47B4-B0A3-6FBFCBDFE76C}" type="datetimeFigureOut">
               <a:rPr lang="es-CO" smtClean="0"/>
-              <a:t>13/04/2014</a:t>
+              <a:t>14/04/2014</a:t>
             </a:fld>
             <a:endParaRPr lang="es-CO"/>
           </a:p>
@@ -2695,7 +2695,7 @@
           <a:p>
             <a:fld id="{C9465191-5304-47B4-B0A3-6FBFCBDFE76C}" type="datetimeFigureOut">
               <a:rPr lang="es-CO" smtClean="0"/>
-              <a:t>13/04/2014</a:t>
+              <a:t>14/04/2014</a:t>
             </a:fld>
             <a:endParaRPr lang="es-CO"/>
           </a:p>
@@ -2948,7 +2948,7 @@
           <a:p>
             <a:fld id="{C9465191-5304-47B4-B0A3-6FBFCBDFE76C}" type="datetimeFigureOut">
               <a:rPr lang="es-CO" smtClean="0"/>
-              <a:t>13/04/2014</a:t>
+              <a:t>14/04/2014</a:t>
             </a:fld>
             <a:endParaRPr lang="es-CO"/>
           </a:p>
@@ -3161,7 +3161,7 @@
           <a:p>
             <a:fld id="{C9465191-5304-47B4-B0A3-6FBFCBDFE76C}" type="datetimeFigureOut">
               <a:rPr lang="es-CO" smtClean="0"/>
-              <a:t>13/04/2014</a:t>
+              <a:t>14/04/2014</a:t>
             </a:fld>
             <a:endParaRPr lang="es-CO"/>
           </a:p>
@@ -3538,16 +3538,16 @@
       </p:grpSpPr>
       <p:grpSp>
         <p:nvGrpSpPr>
-          <p:cNvPr id="21" name="20 Grupo"/>
+          <p:cNvPr id="22" name="21 Grupo"/>
           <p:cNvGrpSpPr/>
           <p:nvPr/>
         </p:nvGrpSpPr>
         <p:grpSpPr>
           <a:xfrm>
             <a:off x="833058" y="-173839"/>
-            <a:ext cx="7344816" cy="7275247"/>
+            <a:ext cx="7344816" cy="7091559"/>
             <a:chOff x="833058" y="-173839"/>
-            <a:chExt cx="7344816" cy="7275247"/>
+            <a:chExt cx="7344816" cy="7091559"/>
           </a:xfrm>
         </p:grpSpPr>
         <p:sp>
@@ -3596,7 +3596,7 @@
           </p:nvGrpSpPr>
           <p:grpSpPr>
             <a:xfrm>
-              <a:off x="833058" y="6267028"/>
+              <a:off x="833058" y="6083340"/>
               <a:ext cx="7344816" cy="834380"/>
               <a:chOff x="-758787" y="6561298"/>
               <a:chExt cx="7344816" cy="834380"/>
@@ -3735,15 +3735,7 @@
               <a:p>
                 <a:r>
                   <a:rPr lang="es-MX" dirty="0" smtClean="0"/>
-                  <a:t>     Cliente </a:t>
-                </a:r>
-                <a:r>
-                  <a:rPr lang="es-MX" dirty="0" smtClean="0"/>
-                  <a:t>(</a:t>
-                </a:r>
-                <a:r>
-                  <a:rPr lang="es-MX" dirty="0" smtClean="0"/>
-                  <a:t>Navegador)</a:t>
+                  <a:t>     Cliente (Navegador)</a:t>
                 </a:r>
                 <a:endParaRPr lang="es-CO" dirty="0"/>
               </a:p>
@@ -3966,16 +3958,8 @@
                 <a:p>
                   <a:pPr algn="ctr"/>
                   <a:r>
-                    <a:rPr lang="es-MX" dirty="0" err="1" smtClean="0"/>
+                    <a:rPr lang="es-MX" dirty="0" smtClean="0"/>
                     <a:t>mxGraph</a:t>
-                  </a:r>
-                  <a:r>
-                    <a:rPr lang="es-MX" dirty="0" smtClean="0"/>
-                    <a:t> </a:t>
-                  </a:r>
-                  <a:r>
-                    <a:rPr lang="es-MX" dirty="0" err="1" smtClean="0"/>
-                    <a:t>Client</a:t>
                   </a:r>
                   <a:endParaRPr lang="es-CO" dirty="0"/>
                 </a:p>
@@ -4076,9 +4060,9 @@
           <p:grpSpPr>
             <a:xfrm>
               <a:off x="833058" y="980211"/>
-              <a:ext cx="7344815" cy="5185093"/>
+              <a:ext cx="7344815" cy="4969069"/>
               <a:chOff x="-6060364" y="1050671"/>
-              <a:chExt cx="7370487" cy="5185093"/>
+              <a:chExt cx="7370487" cy="4969069"/>
             </a:xfrm>
           </p:grpSpPr>
           <p:sp>
@@ -4090,7 +4074,7 @@
             <p:spPr>
               <a:xfrm>
                 <a:off x="-6060364" y="1050671"/>
-                <a:ext cx="7370487" cy="5185093"/>
+                <a:ext cx="7370487" cy="4969069"/>
               </a:xfrm>
               <a:prstGeom prst="rect">
                 <a:avLst/>
@@ -4127,8 +4111,8 @@
             </p:nvSpPr>
             <p:spPr>
               <a:xfrm rot="16200000">
-                <a:off x="-1547129" y="3421850"/>
-                <a:ext cx="4896548" cy="432048"/>
+                <a:off x="-1405363" y="3280086"/>
+                <a:ext cx="4613020" cy="432048"/>
               </a:xfrm>
               <a:prstGeom prst="rect">
                 <a:avLst/>
@@ -4199,10 +4183,10 @@
             </p:nvGrpSpPr>
             <p:grpSpPr>
               <a:xfrm>
-                <a:off x="-5329999" y="1189601"/>
-                <a:ext cx="5848035" cy="2160368"/>
-                <a:chOff x="-736989" y="1412773"/>
-                <a:chExt cx="5848035" cy="2160368"/>
+                <a:off x="-5314613" y="1189601"/>
+                <a:ext cx="5832649" cy="1733795"/>
+                <a:chOff x="-721603" y="1412773"/>
+                <a:chExt cx="5832649" cy="1733795"/>
               </a:xfrm>
             </p:grpSpPr>
             <p:sp>
@@ -4214,7 +4198,7 @@
               <p:spPr>
                 <a:xfrm>
                   <a:off x="-721602" y="1412773"/>
-                  <a:ext cx="5832648" cy="2160368"/>
+                  <a:ext cx="5832648" cy="1733795"/>
                 </a:xfrm>
                 <a:prstGeom prst="rect">
                   <a:avLst/>
@@ -4251,8 +4235,8 @@
               </p:nvSpPr>
               <p:spPr>
                 <a:xfrm rot="16200000">
-                  <a:off x="-1544019" y="2314192"/>
-                  <a:ext cx="1921838" cy="307777"/>
+                  <a:off x="-1206773" y="1978855"/>
+                  <a:ext cx="1495390" cy="525049"/>
                 </a:xfrm>
                 <a:prstGeom prst="rect">
                   <a:avLst/>
@@ -4265,6 +4249,7 @@
                 </a:bodyPr>
                 <a:lstStyle/>
                 <a:p>
+                  <a:pPr algn="ctr"/>
                   <a:r>
                     <a:rPr lang="es-MX" sz="1400" dirty="0" smtClean="0"/>
                     <a:t>Presentación y Control</a:t>
@@ -4281,10 +4266,10 @@
               </p:nvGrpSpPr>
               <p:grpSpPr>
                 <a:xfrm>
-                  <a:off x="-303854" y="1629311"/>
-                  <a:ext cx="3456384" cy="1260140"/>
-                  <a:chOff x="2411760" y="1520788"/>
-                  <a:chExt cx="3456384" cy="1260140"/>
+                  <a:off x="-177707" y="1629311"/>
+                  <a:ext cx="3330237" cy="1280851"/>
+                  <a:chOff x="2537907" y="1520788"/>
+                  <a:chExt cx="3330237" cy="1280851"/>
                 </a:xfrm>
               </p:grpSpPr>
               <p:sp>
@@ -4295,8 +4280,8 @@
                 </p:nvSpPr>
                 <p:spPr>
                   <a:xfrm>
-                    <a:off x="2411760" y="1520788"/>
-                    <a:ext cx="3456384" cy="1260140"/>
+                    <a:off x="2537907" y="1520788"/>
+                    <a:ext cx="3330237" cy="1280851"/>
                   </a:xfrm>
                   <a:prstGeom prst="roundRect">
                     <a:avLst>
@@ -4323,10 +4308,6 @@
                   <a:lstStyle/>
                   <a:p>
                     <a:pPr algn="ctr"/>
-                    <a:r>
-                      <a:rPr lang="es-MX" dirty="0" smtClean="0"/>
-                      <a:t>JSF</a:t>
-                    </a:r>
                     <a:endParaRPr lang="es-CO" dirty="0"/>
                   </a:p>
                 </p:txBody>
@@ -4339,8 +4320,8 @@
                 </p:nvSpPr>
                 <p:spPr>
                   <a:xfrm>
-                    <a:off x="2707120" y="1674799"/>
-                    <a:ext cx="2952328" cy="288032"/>
+                    <a:off x="3049257" y="1710985"/>
+                    <a:ext cx="2610190" cy="390956"/>
                   </a:xfrm>
                   <a:prstGeom prst="roundRect">
                     <a:avLst>
@@ -4383,8 +4364,8 @@
                 </p:nvSpPr>
                 <p:spPr>
                   <a:xfrm>
-                    <a:off x="2707120" y="2348880"/>
-                    <a:ext cx="2952328" cy="288032"/>
+                    <a:off x="3040420" y="2207573"/>
+                    <a:ext cx="2610189" cy="396044"/>
                   </a:xfrm>
                   <a:prstGeom prst="roundRect">
                     <a:avLst>
@@ -4420,48 +4401,6 @@
                 </p:txBody>
               </p:sp>
             </p:grpSp>
-            <p:sp>
-              <p:nvSpPr>
-                <p:cNvPr id="20" name="19 Rectángulo"/>
-                <p:cNvSpPr/>
-                <p:nvPr/>
-              </p:nvSpPr>
-              <p:spPr>
-                <a:xfrm>
-                  <a:off x="-303854" y="2997463"/>
-                  <a:ext cx="3465146" cy="382162"/>
-                </a:xfrm>
-                <a:prstGeom prst="rect">
-                  <a:avLst/>
-                </a:prstGeom>
-              </p:spPr>
-              <p:style>
-                <a:lnRef idx="1">
-                  <a:schemeClr val="accent6"/>
-                </a:lnRef>
-                <a:fillRef idx="3">
-                  <a:schemeClr val="accent6"/>
-                </a:fillRef>
-                <a:effectRef idx="2">
-                  <a:schemeClr val="accent6"/>
-                </a:effectRef>
-                <a:fontRef idx="minor">
-                  <a:schemeClr val="lt1"/>
-                </a:fontRef>
-              </p:style>
-              <p:txBody>
-                <a:bodyPr rtlCol="0" anchor="ctr"/>
-                <a:lstStyle/>
-                <a:p>
-                  <a:pPr algn="ctr"/>
-                  <a:r>
-                    <a:rPr lang="es-MX" dirty="0" smtClean="0"/>
-                    <a:t>Controlador Java Server Faces</a:t>
-                  </a:r>
-                  <a:endParaRPr lang="es-CO" dirty="0"/>
-                </a:p>
-              </p:txBody>
-            </p:sp>
             <p:grpSp>
               <p:nvGrpSpPr>
                 <p:cNvPr id="57" name="56 Grupo"/>
@@ -4471,9 +4410,9 @@
               <p:grpSpPr>
                 <a:xfrm>
                   <a:off x="3310846" y="1629311"/>
-                  <a:ext cx="1663802" cy="1764196"/>
+                  <a:ext cx="1656184" cy="1280851"/>
                   <a:chOff x="3310846" y="1629311"/>
-                  <a:chExt cx="1663802" cy="1764196"/>
+                  <a:chExt cx="1656184" cy="1280851"/>
                 </a:xfrm>
               </p:grpSpPr>
               <p:sp>
@@ -4572,7 +4511,7 @@
                 </p:nvSpPr>
                 <p:spPr>
                   <a:xfrm>
-                    <a:off x="3318464" y="2997463"/>
+                    <a:off x="3310846" y="2514118"/>
                     <a:ext cx="1656184" cy="396044"/>
                   </a:xfrm>
                   <a:prstGeom prst="rect">
@@ -4606,48 +4545,6 @@
                   </a:p>
                 </p:txBody>
               </p:sp>
-              <p:sp>
-                <p:nvSpPr>
-                  <p:cNvPr id="42" name="41 Rectángulo"/>
-                  <p:cNvSpPr/>
-                  <p:nvPr/>
-                </p:nvSpPr>
-                <p:spPr>
-                  <a:xfrm>
-                    <a:off x="3310846" y="2529411"/>
-                    <a:ext cx="1656184" cy="360040"/>
-                  </a:xfrm>
-                  <a:prstGeom prst="rect">
-                    <a:avLst/>
-                  </a:prstGeom>
-                </p:spPr>
-                <p:style>
-                  <a:lnRef idx="1">
-                    <a:schemeClr val="accent5"/>
-                  </a:lnRef>
-                  <a:fillRef idx="3">
-                    <a:schemeClr val="accent5"/>
-                  </a:fillRef>
-                  <a:effectRef idx="2">
-                    <a:schemeClr val="accent5"/>
-                  </a:effectRef>
-                  <a:fontRef idx="minor">
-                    <a:schemeClr val="lt1"/>
-                  </a:fontRef>
-                </p:style>
-                <p:txBody>
-                  <a:bodyPr rtlCol="0" anchor="ctr"/>
-                  <a:lstStyle/>
-                  <a:p>
-                    <a:pPr algn="ctr"/>
-                    <a:r>
-                      <a:rPr lang="es-MX" dirty="0" err="1" smtClean="0"/>
-                      <a:t>FileUpload</a:t>
-                    </a:r>
-                    <a:endParaRPr lang="es-CO" dirty="0"/>
-                  </a:p>
-                </p:txBody>
-              </p:sp>
             </p:grpSp>
           </p:grpSp>
           <p:grpSp>
@@ -4658,10 +4555,10 @@
             </p:nvGrpSpPr>
             <p:grpSpPr>
               <a:xfrm>
-                <a:off x="-5314612" y="3381303"/>
-                <a:ext cx="5832648" cy="2763412"/>
-                <a:chOff x="-5314612" y="3381303"/>
-                <a:chExt cx="5832648" cy="2763412"/>
+                <a:off x="-5314612" y="3164521"/>
+                <a:ext cx="5832648" cy="2681197"/>
+                <a:chOff x="-5314612" y="3164521"/>
+                <a:chExt cx="5832648" cy="2681197"/>
               </a:xfrm>
             </p:grpSpPr>
             <p:sp>
@@ -4672,7 +4569,7 @@
               </p:nvSpPr>
               <p:spPr>
                 <a:xfrm>
-                  <a:off x="-5314612" y="3448051"/>
+                  <a:off x="-5314612" y="3164521"/>
                   <a:ext cx="5832648" cy="2638097"/>
                 </a:xfrm>
                 <a:prstGeom prst="rect">
@@ -4710,10 +4607,10 @@
               </p:nvGrpSpPr>
               <p:grpSpPr>
                 <a:xfrm>
-                  <a:off x="-3990133" y="5366068"/>
-                  <a:ext cx="3284033" cy="504056"/>
-                  <a:chOff x="3304191" y="5228689"/>
-                  <a:chExt cx="3284033" cy="504056"/>
+                  <a:off x="-4116089" y="5014253"/>
+                  <a:ext cx="3516153" cy="504056"/>
+                  <a:chOff x="3178235" y="4876874"/>
+                  <a:chExt cx="3516153" cy="504056"/>
                 </a:xfrm>
               </p:grpSpPr>
               <p:sp>
@@ -4724,7 +4621,7 @@
                 </p:nvSpPr>
                 <p:spPr>
                   <a:xfrm>
-                    <a:off x="3304191" y="5228689"/>
+                    <a:off x="3178235" y="4876874"/>
                     <a:ext cx="1314146" cy="504056"/>
                   </a:xfrm>
                   <a:prstGeom prst="rect">
@@ -4766,7 +4663,7 @@
                 </p:nvSpPr>
                 <p:spPr>
                   <a:xfrm>
-                    <a:off x="5184068" y="5228689"/>
+                    <a:off x="5290232" y="4876874"/>
                     <a:ext cx="1404156" cy="504056"/>
                   </a:xfrm>
                   <a:prstGeom prst="rect">
@@ -4809,10 +4706,10 @@
               </p:nvGrpSpPr>
               <p:grpSpPr>
                 <a:xfrm>
-                  <a:off x="-4896864" y="3661704"/>
-                  <a:ext cx="5184576" cy="1207457"/>
-                  <a:chOff x="2397460" y="3596333"/>
-                  <a:chExt cx="5184576" cy="1207457"/>
+                  <a:off x="-4873695" y="3376043"/>
+                  <a:ext cx="5184576" cy="1235974"/>
+                  <a:chOff x="2420629" y="3310672"/>
+                  <a:chExt cx="5184576" cy="1235974"/>
                 </a:xfrm>
               </p:grpSpPr>
               <p:sp>
@@ -4823,8 +4720,8 @@
                 </p:nvSpPr>
                 <p:spPr>
                   <a:xfrm>
-                    <a:off x="2397460" y="3601294"/>
-                    <a:ext cx="1641884" cy="375743"/>
+                    <a:off x="2420629" y="3310672"/>
+                    <a:ext cx="2498576" cy="375743"/>
                   </a:xfrm>
                   <a:prstGeom prst="rect">
                     <a:avLst/>
@@ -4865,7 +4762,7 @@
                 </p:nvSpPr>
                 <p:spPr>
                   <a:xfrm>
-                    <a:off x="2397460" y="4091930"/>
+                    <a:off x="2420629" y="3834786"/>
                     <a:ext cx="5184576" cy="711860"/>
                   </a:xfrm>
                   <a:prstGeom prst="rect">
@@ -4911,8 +4808,8 @@
                 </p:nvSpPr>
                 <p:spPr>
                   <a:xfrm>
-                    <a:off x="5940152" y="3601294"/>
-                    <a:ext cx="1641884" cy="385663"/>
+                    <a:off x="5007106" y="3310672"/>
+                    <a:ext cx="2592289" cy="385663"/>
                   </a:xfrm>
                   <a:prstGeom prst="rect">
                     <a:avLst/>
@@ -4939,57 +4836,7 @@
                     <a:pPr algn="ctr"/>
                     <a:r>
                       <a:rPr lang="es-MX" sz="1600" dirty="0" smtClean="0"/>
-                      <a:t>Eclipse UML2</a:t>
-                    </a:r>
-                    <a:endParaRPr lang="es-CO" sz="1600" dirty="0"/>
-                  </a:p>
-                </p:txBody>
-              </p:sp>
-              <p:sp>
-                <p:nvSpPr>
-                  <p:cNvPr id="34" name="33 Rectángulo"/>
-                  <p:cNvSpPr/>
-                  <p:nvPr/>
-                </p:nvSpPr>
-                <p:spPr>
-                  <a:xfrm>
-                    <a:off x="4168984" y="3596333"/>
-                    <a:ext cx="1641884" cy="385663"/>
-                  </a:xfrm>
-                  <a:prstGeom prst="rect">
-                    <a:avLst/>
-                  </a:prstGeom>
-                </p:spPr>
-                <p:style>
-                  <a:lnRef idx="1">
-                    <a:schemeClr val="accent5"/>
-                  </a:lnRef>
-                  <a:fillRef idx="3">
-                    <a:schemeClr val="accent5"/>
-                  </a:fillRef>
-                  <a:effectRef idx="2">
-                    <a:schemeClr val="accent5"/>
-                  </a:effectRef>
-                  <a:fontRef idx="minor">
-                    <a:schemeClr val="lt1"/>
-                  </a:fontRef>
-                </p:style>
-                <p:txBody>
-                  <a:bodyPr rtlCol="0" anchor="ctr"/>
-                  <a:lstStyle/>
-                  <a:p>
-                    <a:pPr algn="ctr"/>
-                    <a:r>
-                      <a:rPr lang="es-MX" sz="1600" dirty="0" err="1" smtClean="0"/>
-                      <a:t>mxGraph</a:t>
-                    </a:r>
-                    <a:r>
-                      <a:rPr lang="es-MX" sz="1600" dirty="0" smtClean="0"/>
-                      <a:t> </a:t>
-                    </a:r>
-                    <a:r>
-                      <a:rPr lang="es-MX" sz="1600" dirty="0" err="1" smtClean="0"/>
-                      <a:t>Core</a:t>
+                      <a:t>UML2/EMF</a:t>
                     </a:r>
                     <a:endParaRPr lang="es-CO" sz="1600" dirty="0"/>
                   </a:p>
@@ -5004,7 +4851,7 @@
               </p:nvSpPr>
               <p:spPr>
                 <a:xfrm rot="16200000">
-                  <a:off x="-5938561" y="4007347"/>
+                  <a:off x="-5922730" y="3798766"/>
                   <a:ext cx="1559865" cy="307777"/>
                 </a:xfrm>
                 <a:prstGeom prst="rect">
@@ -5034,7 +4881,7 @@
               </p:nvSpPr>
               <p:spPr>
                 <a:xfrm rot="16200000">
-                  <a:off x="-5735970" y="5411390"/>
+                  <a:off x="-5722233" y="5112393"/>
                   <a:ext cx="1158873" cy="307777"/>
                 </a:xfrm>
                 <a:prstGeom prst="rect">
@@ -5065,7 +4912,7 @@
               </p:nvCxnSpPr>
               <p:spPr>
                 <a:xfrm>
-                  <a:off x="-5077072" y="5013176"/>
+                  <a:off x="-5077073" y="4756939"/>
                   <a:ext cx="5522461" cy="0"/>
                 </a:xfrm>
                 <a:prstGeom prst="line">
@@ -5097,6 +4944,44 @@
             </p:cxnSp>
           </p:grpSp>
         </p:grpSp>
+        <p:sp>
+          <p:nvSpPr>
+            <p:cNvPr id="7" name="6 CuadroTexto"/>
+            <p:cNvSpPr txBox="1"/>
+            <p:nvPr/>
+          </p:nvSpPr>
+          <p:spPr>
+            <a:xfrm rot="16200000">
+              <a:off x="2100717" y="1764947"/>
+              <a:ext cx="499424" cy="369332"/>
+            </a:xfrm>
+            <a:prstGeom prst="rect">
+              <a:avLst/>
+            </a:prstGeom>
+            <a:noFill/>
+          </p:spPr>
+          <p:txBody>
+            <a:bodyPr wrap="square" rtlCol="0">
+              <a:spAutoFit/>
+            </a:bodyPr>
+            <a:lstStyle/>
+            <a:p>
+              <a:r>
+                <a:rPr lang="es-CO" dirty="0" smtClean="0">
+                  <a:solidFill>
+                    <a:schemeClr val="bg1"/>
+                  </a:solidFill>
+                </a:rPr>
+                <a:t>JSF</a:t>
+              </a:r>
+              <a:endParaRPr lang="es-CO" dirty="0">
+                <a:solidFill>
+                  <a:schemeClr val="bg1"/>
+                </a:solidFill>
+              </a:endParaRPr>
+            </a:p>
+          </p:txBody>
+        </p:sp>
       </p:grpSp>
     </p:spTree>
     <p:extLst>
